--- a/Presentation-projet-SQLite (1) - Copy.pptx
+++ b/Presentation-projet-SQLite (1) - Copy.pptx
@@ -5,10 +5,10 @@
     <p:sldMasterId id="2147483839" r:id="rId1"/>
   </p:sldMasterIdLst>
   <p:notesMasterIdLst>
-    <p:notesMasterId r:id="rId72"/>
+    <p:notesMasterId r:id="rId71"/>
   </p:notesMasterIdLst>
   <p:handoutMasterIdLst>
-    <p:handoutMasterId r:id="rId73"/>
+    <p:handoutMasterId r:id="rId72"/>
   </p:handoutMasterIdLst>
   <p:sldIdLst>
     <p:sldId id="257" r:id="rId2"/>
@@ -80,7 +80,6 @@
     <p:sldId id="279" r:id="rId68"/>
     <p:sldId id="313" r:id="rId69"/>
     <p:sldId id="265" r:id="rId70"/>
-    <p:sldId id="309" r:id="rId71"/>
   </p:sldIdLst>
   <p:sldSz cx="12192000" cy="6858000"/>
   <p:notesSz cx="6858000" cy="9144000"/>
@@ -18596,10 +18595,6 @@
               </a:rPr>
               <a:t>)</a:t>
             </a:r>
-            <a:endParaRPr lang="fr-FR" sz="5600" b="1" dirty="0">
-              <a:latin typeface="Segoe UI" panose="020B0502040204020203" pitchFamily="34" charset="0"/>
-              <a:cs typeface="Segoe UI" panose="020B0502040204020203" pitchFamily="34" charset="0"/>
-            </a:endParaRPr>
           </a:p>
         </p:txBody>
       </p:sp>
@@ -19680,8 +19675,8 @@
         </p:nvSpPr>
         <p:spPr>
           <a:xfrm>
-            <a:off x="815399" y="1914192"/>
-            <a:ext cx="10685881" cy="523220"/>
+            <a:off x="815400" y="1914192"/>
+            <a:ext cx="8498418" cy="523220"/>
           </a:xfrm>
           <a:prstGeom prst="rect">
             <a:avLst/>
@@ -22708,8 +22703,8 @@
         </p:nvSpPr>
         <p:spPr>
           <a:xfrm>
-            <a:off x="1871531" y="2468893"/>
-            <a:ext cx="8086192" cy="1938992"/>
+            <a:off x="1871530" y="2468893"/>
+            <a:ext cx="9349463" cy="1938992"/>
           </a:xfrm>
           <a:prstGeom prst="rect">
             <a:avLst/>
@@ -22731,10 +22726,32 @@
                 <a:ea typeface="Segoe UI" pitchFamily="34" charset="0"/>
                 <a:cs typeface="Segoe UI" pitchFamily="34" charset="0"/>
               </a:rPr>
-              <a:t>Security and Access </a:t>
-            </a:r>
-            <a:r>
-              <a:rPr lang="fr-FR" sz="6000" b="1" dirty="0" err="1">
+              <a:t>Security and </a:t>
+            </a:r>
+            <a:endParaRPr lang="fr-FR" sz="6000" b="1" dirty="0" smtClean="0">
+              <a:solidFill>
+                <a:prstClr val="white"/>
+              </a:solidFill>
+              <a:latin typeface="Segoe UI" pitchFamily="34" charset="0"/>
+              <a:ea typeface="Segoe UI" pitchFamily="34" charset="0"/>
+              <a:cs typeface="Segoe UI" pitchFamily="34" charset="0"/>
+            </a:endParaRPr>
+          </a:p>
+          <a:p>
+            <a:pPr algn="r"/>
+            <a:r>
+              <a:rPr lang="fr-FR" sz="6000" b="1" dirty="0" smtClean="0">
+                <a:solidFill>
+                  <a:prstClr val="white"/>
+                </a:solidFill>
+                <a:latin typeface="Segoe UI" pitchFamily="34" charset="0"/>
+                <a:ea typeface="Segoe UI" pitchFamily="34" charset="0"/>
+                <a:cs typeface="Segoe UI" pitchFamily="34" charset="0"/>
+              </a:rPr>
+              <a:t>Access </a:t>
+            </a:r>
+            <a:r>
+              <a:rPr lang="fr-FR" sz="6000" b="1" dirty="0" err="1" smtClean="0">
                 <a:solidFill>
                   <a:prstClr val="white"/>
                 </a:solidFill>
@@ -31705,35 +31722,6 @@
           </a:ln>
         </p:spPr>
       </p:pic>
-      <p:sp>
-        <p:nvSpPr>
-          <p:cNvPr id="8" name="Slide Number Placeholder 7">
-            <a:extLst>
-              <a:ext uri="{FF2B5EF4-FFF2-40B4-BE49-F238E27FC236}">
-                <a16:creationId xmlns:a16="http://schemas.microsoft.com/office/drawing/2014/main" id="{0988C8F1-AE8F-4212-A4DD-3F2E2CBB06D2}"/>
-              </a:ext>
-            </a:extLst>
-          </p:cNvPr>
-          <p:cNvSpPr>
-            <a:spLocks noGrp="1"/>
-          </p:cNvSpPr>
-          <p:nvPr>
-            <p:ph type="sldNum" sz="quarter" idx="12"/>
-          </p:nvPr>
-        </p:nvSpPr>
-        <p:spPr/>
-        <p:txBody>
-          <a:bodyPr/>
-          <a:lstStyle/>
-          <a:p>
-            <a:fld id="{2376E620-B82E-4BB3-B55A-C1C511C62C08}" type="slidenum">
-              <a:rPr lang="fr-FR" smtClean="0"/>
-              <a:t>63</a:t>
-            </a:fld>
-            <a:endParaRPr lang="fr-FR"/>
-          </a:p>
-        </p:txBody>
-      </p:sp>
     </p:spTree>
     <p:extLst>
       <p:ext uri="{BB962C8B-B14F-4D97-AF65-F5344CB8AC3E}">
@@ -32382,35 +32370,6 @@
           </a:fontRef>
         </p:style>
       </p:cxnSp>
-      <p:sp>
-        <p:nvSpPr>
-          <p:cNvPr id="3" name="Slide Number Placeholder 2">
-            <a:extLst>
-              <a:ext uri="{FF2B5EF4-FFF2-40B4-BE49-F238E27FC236}">
-                <a16:creationId xmlns:a16="http://schemas.microsoft.com/office/drawing/2014/main" id="{D8549072-A0D3-473C-9653-A09BB027AC98}"/>
-              </a:ext>
-            </a:extLst>
-          </p:cNvPr>
-          <p:cNvSpPr>
-            <a:spLocks noGrp="1"/>
-          </p:cNvSpPr>
-          <p:nvPr>
-            <p:ph type="sldNum" sz="quarter" idx="12"/>
-          </p:nvPr>
-        </p:nvSpPr>
-        <p:spPr/>
-        <p:txBody>
-          <a:bodyPr/>
-          <a:lstStyle/>
-          <a:p>
-            <a:fld id="{2376E620-B82E-4BB3-B55A-C1C511C62C08}" type="slidenum">
-              <a:rPr lang="fr-FR" smtClean="0"/>
-              <a:t>64</a:t>
-            </a:fld>
-            <a:endParaRPr lang="fr-FR"/>
-          </a:p>
-        </p:txBody>
-      </p:sp>
     </p:spTree>
     <p:extLst>
       <p:ext uri="{BB962C8B-B14F-4D97-AF65-F5344CB8AC3E}">
@@ -36249,1319 +36208,6 @@
       </p:transition>
     </mc:Fallback>
   </mc:AlternateContent>
-</p:sld>
-</file>
-
-<file path=ppt/slides/slide70.xml><?xml version="1.0" encoding="utf-8"?>
-<p:sld xmlns:a="http://schemas.openxmlformats.org/drawingml/2006/main" xmlns:r="http://schemas.openxmlformats.org/officeDocument/2006/relationships" xmlns:p="http://schemas.openxmlformats.org/presentationml/2006/main">
-  <p:cSld>
-    <p:bg>
-      <p:bgPr>
-        <a:solidFill>
-          <a:schemeClr val="bg1"/>
-        </a:solidFill>
-        <a:effectLst/>
-      </p:bgPr>
-    </p:bg>
-    <p:spTree>
-      <p:nvGrpSpPr>
-        <p:cNvPr id="1" name=""/>
-        <p:cNvGrpSpPr/>
-        <p:nvPr/>
-      </p:nvGrpSpPr>
-      <p:grpSpPr>
-        <a:xfrm>
-          <a:off x="0" y="0"/>
-          <a:ext cx="0" cy="0"/>
-          <a:chOff x="0" y="0"/>
-          <a:chExt cx="0" cy="0"/>
-        </a:xfrm>
-      </p:grpSpPr>
-      <p:sp>
-        <p:nvSpPr>
-          <p:cNvPr id="2" name="TextBox 7"/>
-          <p:cNvSpPr txBox="1"/>
-          <p:nvPr/>
-        </p:nvSpPr>
-        <p:spPr>
-          <a:xfrm>
-            <a:off x="0" y="5131760"/>
-            <a:ext cx="12211050" cy="923330"/>
-          </a:xfrm>
-          <a:prstGeom prst="rect">
-            <a:avLst/>
-          </a:prstGeom>
-          <a:solidFill>
-            <a:schemeClr val="tx1">
-              <a:alpha val="50000"/>
-            </a:schemeClr>
-          </a:solidFill>
-        </p:spPr>
-        <p:txBody>
-          <a:bodyPr wrap="square" rtlCol="0">
-            <a:spAutoFit/>
-          </a:bodyPr>
-          <a:lstStyle/>
-          <a:p>
-            <a:pPr algn="ctr"/>
-            <a:r>
-              <a:rPr lang="en-US" sz="5400" b="1" cap="small" dirty="0">
-                <a:solidFill>
-                  <a:schemeClr val="bg1"/>
-                </a:solidFill>
-                <a:latin typeface="Arabic Typesetting" panose="03020402040406030203" pitchFamily="66" charset="-78"/>
-                <a:cs typeface="Arabic Typesetting" panose="03020402040406030203" pitchFamily="66" charset="-78"/>
-              </a:rPr>
-              <a:t>Questions ?</a:t>
-            </a:r>
-          </a:p>
-        </p:txBody>
-      </p:sp>
-      <p:grpSp>
-        <p:nvGrpSpPr>
-          <p:cNvPr id="3" name="Group 9"/>
-          <p:cNvGrpSpPr/>
-          <p:nvPr/>
-        </p:nvGrpSpPr>
-        <p:grpSpPr>
-          <a:xfrm>
-            <a:off x="5031104" y="3424146"/>
-            <a:ext cx="2148841" cy="1363196"/>
-            <a:chOff x="4835525" y="7242175"/>
-            <a:chExt cx="1744974" cy="1401179"/>
-          </a:xfrm>
-          <a:solidFill>
-            <a:schemeClr val="accent3"/>
-          </a:solidFill>
-        </p:grpSpPr>
-        <p:sp>
-          <p:nvSpPr>
-            <p:cNvPr id="4" name="Freeform 159"/>
-            <p:cNvSpPr>
-              <a:spLocks noEditPoints="1"/>
-            </p:cNvSpPr>
-            <p:nvPr/>
-          </p:nvSpPr>
-          <p:spPr bwMode="auto">
-            <a:xfrm>
-              <a:off x="4835525" y="7242175"/>
-              <a:ext cx="1384300" cy="1133475"/>
-            </a:xfrm>
-            <a:custGeom>
-              <a:avLst/>
-              <a:gdLst>
-                <a:gd name="T0" fmla="*/ 276 w 367"/>
-                <a:gd name="T1" fmla="*/ 249 h 300"/>
-                <a:gd name="T2" fmla="*/ 343 w 367"/>
-                <a:gd name="T3" fmla="*/ 200 h 300"/>
-                <a:gd name="T4" fmla="*/ 367 w 367"/>
-                <a:gd name="T5" fmla="*/ 133 h 300"/>
-                <a:gd name="T6" fmla="*/ 343 w 367"/>
-                <a:gd name="T7" fmla="*/ 66 h 300"/>
-                <a:gd name="T8" fmla="*/ 276 w 367"/>
-                <a:gd name="T9" fmla="*/ 18 h 300"/>
-                <a:gd name="T10" fmla="*/ 184 w 367"/>
-                <a:gd name="T11" fmla="*/ 0 h 300"/>
-                <a:gd name="T12" fmla="*/ 91 w 367"/>
-                <a:gd name="T13" fmla="*/ 18 h 300"/>
-                <a:gd name="T14" fmla="*/ 25 w 367"/>
-                <a:gd name="T15" fmla="*/ 66 h 300"/>
-                <a:gd name="T16" fmla="*/ 0 w 367"/>
-                <a:gd name="T17" fmla="*/ 133 h 300"/>
-                <a:gd name="T18" fmla="*/ 19 w 367"/>
-                <a:gd name="T19" fmla="*/ 192 h 300"/>
-                <a:gd name="T20" fmla="*/ 69 w 367"/>
-                <a:gd name="T21" fmla="*/ 238 h 300"/>
-                <a:gd name="T22" fmla="*/ 64 w 367"/>
-                <a:gd name="T23" fmla="*/ 250 h 300"/>
-                <a:gd name="T24" fmla="*/ 57 w 367"/>
-                <a:gd name="T25" fmla="*/ 260 h 300"/>
-                <a:gd name="T26" fmla="*/ 52 w 367"/>
-                <a:gd name="T27" fmla="*/ 267 h 300"/>
-                <a:gd name="T28" fmla="*/ 45 w 367"/>
-                <a:gd name="T29" fmla="*/ 275 h 300"/>
-                <a:gd name="T30" fmla="*/ 39 w 367"/>
-                <a:gd name="T31" fmla="*/ 281 h 300"/>
-                <a:gd name="T32" fmla="*/ 38 w 367"/>
-                <a:gd name="T33" fmla="*/ 282 h 300"/>
-                <a:gd name="T34" fmla="*/ 37 w 367"/>
-                <a:gd name="T35" fmla="*/ 284 h 300"/>
-                <a:gd name="T36" fmla="*/ 36 w 367"/>
-                <a:gd name="T37" fmla="*/ 285 h 300"/>
-                <a:gd name="T38" fmla="*/ 35 w 367"/>
-                <a:gd name="T39" fmla="*/ 287 h 300"/>
-                <a:gd name="T40" fmla="*/ 34 w 367"/>
-                <a:gd name="T41" fmla="*/ 288 h 300"/>
-                <a:gd name="T42" fmla="*/ 34 w 367"/>
-                <a:gd name="T43" fmla="*/ 289 h 300"/>
-                <a:gd name="T44" fmla="*/ 33 w 367"/>
-                <a:gd name="T45" fmla="*/ 291 h 300"/>
-                <a:gd name="T46" fmla="*/ 34 w 367"/>
-                <a:gd name="T47" fmla="*/ 293 h 300"/>
-                <a:gd name="T48" fmla="*/ 37 w 367"/>
-                <a:gd name="T49" fmla="*/ 298 h 300"/>
-                <a:gd name="T50" fmla="*/ 42 w 367"/>
-                <a:gd name="T51" fmla="*/ 300 h 300"/>
-                <a:gd name="T52" fmla="*/ 43 w 367"/>
-                <a:gd name="T53" fmla="*/ 300 h 300"/>
-                <a:gd name="T54" fmla="*/ 65 w 367"/>
-                <a:gd name="T55" fmla="*/ 296 h 300"/>
-                <a:gd name="T56" fmla="*/ 138 w 367"/>
-                <a:gd name="T57" fmla="*/ 263 h 300"/>
-                <a:gd name="T58" fmla="*/ 184 w 367"/>
-                <a:gd name="T59" fmla="*/ 267 h 300"/>
-                <a:gd name="T60" fmla="*/ 276 w 367"/>
-                <a:gd name="T61" fmla="*/ 249 h 300"/>
-                <a:gd name="T62" fmla="*/ 130 w 367"/>
-                <a:gd name="T63" fmla="*/ 227 h 300"/>
-                <a:gd name="T64" fmla="*/ 118 w 367"/>
-                <a:gd name="T65" fmla="*/ 235 h 300"/>
-                <a:gd name="T66" fmla="*/ 102 w 367"/>
-                <a:gd name="T67" fmla="*/ 246 h 300"/>
-                <a:gd name="T68" fmla="*/ 111 w 367"/>
-                <a:gd name="T69" fmla="*/ 224 h 300"/>
-                <a:gd name="T70" fmla="*/ 86 w 367"/>
-                <a:gd name="T71" fmla="*/ 209 h 300"/>
-                <a:gd name="T72" fmla="*/ 47 w 367"/>
-                <a:gd name="T73" fmla="*/ 175 h 300"/>
-                <a:gd name="T74" fmla="*/ 33 w 367"/>
-                <a:gd name="T75" fmla="*/ 133 h 300"/>
-                <a:gd name="T76" fmla="*/ 54 w 367"/>
-                <a:gd name="T77" fmla="*/ 84 h 300"/>
-                <a:gd name="T78" fmla="*/ 109 w 367"/>
-                <a:gd name="T79" fmla="*/ 47 h 300"/>
-                <a:gd name="T80" fmla="*/ 184 w 367"/>
-                <a:gd name="T81" fmla="*/ 33 h 300"/>
-                <a:gd name="T82" fmla="*/ 258 w 367"/>
-                <a:gd name="T83" fmla="*/ 47 h 300"/>
-                <a:gd name="T84" fmla="*/ 313 w 367"/>
-                <a:gd name="T85" fmla="*/ 84 h 300"/>
-                <a:gd name="T86" fmla="*/ 334 w 367"/>
-                <a:gd name="T87" fmla="*/ 133 h 300"/>
-                <a:gd name="T88" fmla="*/ 313 w 367"/>
-                <a:gd name="T89" fmla="*/ 183 h 300"/>
-                <a:gd name="T90" fmla="*/ 258 w 367"/>
-                <a:gd name="T91" fmla="*/ 220 h 300"/>
-                <a:gd name="T92" fmla="*/ 184 w 367"/>
-                <a:gd name="T93" fmla="*/ 234 h 300"/>
-                <a:gd name="T94" fmla="*/ 144 w 367"/>
-                <a:gd name="T95" fmla="*/ 230 h 300"/>
-                <a:gd name="T96" fmla="*/ 130 w 367"/>
-                <a:gd name="T97" fmla="*/ 227 h 300"/>
-                <a:gd name="T98" fmla="*/ 130 w 367"/>
-                <a:gd name="T99" fmla="*/ 227 h 300"/>
-                <a:gd name="T100" fmla="*/ 130 w 367"/>
-                <a:gd name="T101" fmla="*/ 227 h 300"/>
-              </a:gdLst>
-              <a:ahLst/>
-              <a:cxnLst>
-                <a:cxn ang="0">
-                  <a:pos x="T0" y="T1"/>
-                </a:cxn>
-                <a:cxn ang="0">
-                  <a:pos x="T2" y="T3"/>
-                </a:cxn>
-                <a:cxn ang="0">
-                  <a:pos x="T4" y="T5"/>
-                </a:cxn>
-                <a:cxn ang="0">
-                  <a:pos x="T6" y="T7"/>
-                </a:cxn>
-                <a:cxn ang="0">
-                  <a:pos x="T8" y="T9"/>
-                </a:cxn>
-                <a:cxn ang="0">
-                  <a:pos x="T10" y="T11"/>
-                </a:cxn>
-                <a:cxn ang="0">
-                  <a:pos x="T12" y="T13"/>
-                </a:cxn>
-                <a:cxn ang="0">
-                  <a:pos x="T14" y="T15"/>
-                </a:cxn>
-                <a:cxn ang="0">
-                  <a:pos x="T16" y="T17"/>
-                </a:cxn>
-                <a:cxn ang="0">
-                  <a:pos x="T18" y="T19"/>
-                </a:cxn>
-                <a:cxn ang="0">
-                  <a:pos x="T20" y="T21"/>
-                </a:cxn>
-                <a:cxn ang="0">
-                  <a:pos x="T22" y="T23"/>
-                </a:cxn>
-                <a:cxn ang="0">
-                  <a:pos x="T24" y="T25"/>
-                </a:cxn>
-                <a:cxn ang="0">
-                  <a:pos x="T26" y="T27"/>
-                </a:cxn>
-                <a:cxn ang="0">
-                  <a:pos x="T28" y="T29"/>
-                </a:cxn>
-                <a:cxn ang="0">
-                  <a:pos x="T30" y="T31"/>
-                </a:cxn>
-                <a:cxn ang="0">
-                  <a:pos x="T32" y="T33"/>
-                </a:cxn>
-                <a:cxn ang="0">
-                  <a:pos x="T34" y="T35"/>
-                </a:cxn>
-                <a:cxn ang="0">
-                  <a:pos x="T36" y="T37"/>
-                </a:cxn>
-                <a:cxn ang="0">
-                  <a:pos x="T38" y="T39"/>
-                </a:cxn>
-                <a:cxn ang="0">
-                  <a:pos x="T40" y="T41"/>
-                </a:cxn>
-                <a:cxn ang="0">
-                  <a:pos x="T42" y="T43"/>
-                </a:cxn>
-                <a:cxn ang="0">
-                  <a:pos x="T44" y="T45"/>
-                </a:cxn>
-                <a:cxn ang="0">
-                  <a:pos x="T46" y="T47"/>
-                </a:cxn>
-                <a:cxn ang="0">
-                  <a:pos x="T48" y="T49"/>
-                </a:cxn>
-                <a:cxn ang="0">
-                  <a:pos x="T50" y="T51"/>
-                </a:cxn>
-                <a:cxn ang="0">
-                  <a:pos x="T52" y="T53"/>
-                </a:cxn>
-                <a:cxn ang="0">
-                  <a:pos x="T54" y="T55"/>
-                </a:cxn>
-                <a:cxn ang="0">
-                  <a:pos x="T56" y="T57"/>
-                </a:cxn>
-                <a:cxn ang="0">
-                  <a:pos x="T58" y="T59"/>
-                </a:cxn>
-                <a:cxn ang="0">
-                  <a:pos x="T60" y="T61"/>
-                </a:cxn>
-                <a:cxn ang="0">
-                  <a:pos x="T62" y="T63"/>
-                </a:cxn>
-                <a:cxn ang="0">
-                  <a:pos x="T64" y="T65"/>
-                </a:cxn>
-                <a:cxn ang="0">
-                  <a:pos x="T66" y="T67"/>
-                </a:cxn>
-                <a:cxn ang="0">
-                  <a:pos x="T68" y="T69"/>
-                </a:cxn>
-                <a:cxn ang="0">
-                  <a:pos x="T70" y="T71"/>
-                </a:cxn>
-                <a:cxn ang="0">
-                  <a:pos x="T72" y="T73"/>
-                </a:cxn>
-                <a:cxn ang="0">
-                  <a:pos x="T74" y="T75"/>
-                </a:cxn>
-                <a:cxn ang="0">
-                  <a:pos x="T76" y="T77"/>
-                </a:cxn>
-                <a:cxn ang="0">
-                  <a:pos x="T78" y="T79"/>
-                </a:cxn>
-                <a:cxn ang="0">
-                  <a:pos x="T80" y="T81"/>
-                </a:cxn>
-                <a:cxn ang="0">
-                  <a:pos x="T82" y="T83"/>
-                </a:cxn>
-                <a:cxn ang="0">
-                  <a:pos x="T84" y="T85"/>
-                </a:cxn>
-                <a:cxn ang="0">
-                  <a:pos x="T86" y="T87"/>
-                </a:cxn>
-                <a:cxn ang="0">
-                  <a:pos x="T88" y="T89"/>
-                </a:cxn>
-                <a:cxn ang="0">
-                  <a:pos x="T90" y="T91"/>
-                </a:cxn>
-                <a:cxn ang="0">
-                  <a:pos x="T92" y="T93"/>
-                </a:cxn>
-                <a:cxn ang="0">
-                  <a:pos x="T94" y="T95"/>
-                </a:cxn>
-                <a:cxn ang="0">
-                  <a:pos x="T96" y="T97"/>
-                </a:cxn>
-                <a:cxn ang="0">
-                  <a:pos x="T98" y="T99"/>
-                </a:cxn>
-                <a:cxn ang="0">
-                  <a:pos x="T100" y="T101"/>
-                </a:cxn>
-              </a:cxnLst>
-              <a:rect l="0" t="0" r="r" b="b"/>
-              <a:pathLst>
-                <a:path w="367" h="300">
-                  <a:moveTo>
-                    <a:pt x="276" y="249"/>
-                  </a:moveTo>
-                  <a:cubicBezTo>
-                    <a:pt x="304" y="237"/>
-                    <a:pt x="326" y="221"/>
-                    <a:pt x="343" y="200"/>
-                  </a:cubicBezTo>
-                  <a:cubicBezTo>
-                    <a:pt x="359" y="180"/>
-                    <a:pt x="367" y="158"/>
-                    <a:pt x="367" y="133"/>
-                  </a:cubicBezTo>
-                  <a:cubicBezTo>
-                    <a:pt x="367" y="109"/>
-                    <a:pt x="359" y="87"/>
-                    <a:pt x="343" y="66"/>
-                  </a:cubicBezTo>
-                  <a:cubicBezTo>
-                    <a:pt x="326" y="46"/>
-                    <a:pt x="304" y="30"/>
-                    <a:pt x="276" y="18"/>
-                  </a:cubicBezTo>
-                  <a:cubicBezTo>
-                    <a:pt x="247" y="6"/>
-                    <a:pt x="217" y="0"/>
-                    <a:pt x="184" y="0"/>
-                  </a:cubicBezTo>
-                  <a:cubicBezTo>
-                    <a:pt x="150" y="0"/>
-                    <a:pt x="120" y="6"/>
-                    <a:pt x="91" y="18"/>
-                  </a:cubicBezTo>
-                  <a:cubicBezTo>
-                    <a:pt x="63" y="30"/>
-                    <a:pt x="41" y="46"/>
-                    <a:pt x="25" y="66"/>
-                  </a:cubicBezTo>
-                  <a:cubicBezTo>
-                    <a:pt x="8" y="87"/>
-                    <a:pt x="0" y="109"/>
-                    <a:pt x="0" y="133"/>
-                  </a:cubicBezTo>
-                  <a:cubicBezTo>
-                    <a:pt x="0" y="154"/>
-                    <a:pt x="6" y="174"/>
-                    <a:pt x="19" y="192"/>
-                  </a:cubicBezTo>
-                  <a:cubicBezTo>
-                    <a:pt x="31" y="210"/>
-                    <a:pt x="48" y="226"/>
-                    <a:pt x="69" y="238"/>
-                  </a:cubicBezTo>
-                  <a:cubicBezTo>
-                    <a:pt x="68" y="242"/>
-                    <a:pt x="66" y="246"/>
-                    <a:pt x="64" y="250"/>
-                  </a:cubicBezTo>
-                  <a:cubicBezTo>
-                    <a:pt x="62" y="253"/>
-                    <a:pt x="60" y="256"/>
-                    <a:pt x="57" y="260"/>
-                  </a:cubicBezTo>
-                  <a:cubicBezTo>
-                    <a:pt x="55" y="263"/>
-                    <a:pt x="53" y="265"/>
-                    <a:pt x="52" y="267"/>
-                  </a:cubicBezTo>
-                  <a:cubicBezTo>
-                    <a:pt x="50" y="269"/>
-                    <a:pt x="48" y="271"/>
-                    <a:pt x="45" y="275"/>
-                  </a:cubicBezTo>
-                  <a:cubicBezTo>
-                    <a:pt x="42" y="278"/>
-                    <a:pt x="40" y="280"/>
-                    <a:pt x="39" y="281"/>
-                  </a:cubicBezTo>
-                  <a:cubicBezTo>
-                    <a:pt x="39" y="281"/>
-                    <a:pt x="39" y="282"/>
-                    <a:pt x="38" y="282"/>
-                  </a:cubicBezTo>
-                  <a:cubicBezTo>
-                    <a:pt x="37" y="283"/>
-                    <a:pt x="37" y="284"/>
-                    <a:pt x="37" y="284"/>
-                  </a:cubicBezTo>
-                  <a:cubicBezTo>
-                    <a:pt x="37" y="284"/>
-                    <a:pt x="36" y="284"/>
-                    <a:pt x="36" y="285"/>
-                  </a:cubicBezTo>
-                  <a:cubicBezTo>
-                    <a:pt x="35" y="286"/>
-                    <a:pt x="35" y="287"/>
-                    <a:pt x="35" y="287"/>
-                  </a:cubicBezTo>
-                  <a:cubicBezTo>
-                    <a:pt x="34" y="288"/>
-                    <a:pt x="34" y="288"/>
-                    <a:pt x="34" y="288"/>
-                  </a:cubicBezTo>
-                  <a:cubicBezTo>
-                    <a:pt x="34" y="288"/>
-                    <a:pt x="34" y="289"/>
-                    <a:pt x="34" y="289"/>
-                  </a:cubicBezTo>
-                  <a:cubicBezTo>
-                    <a:pt x="33" y="290"/>
-                    <a:pt x="33" y="290"/>
-                    <a:pt x="33" y="291"/>
-                  </a:cubicBezTo>
-                  <a:cubicBezTo>
-                    <a:pt x="33" y="292"/>
-                    <a:pt x="33" y="292"/>
-                    <a:pt x="34" y="293"/>
-                  </a:cubicBezTo>
-                  <a:cubicBezTo>
-                    <a:pt x="34" y="295"/>
-                    <a:pt x="35" y="297"/>
-                    <a:pt x="37" y="298"/>
-                  </a:cubicBezTo>
-                  <a:cubicBezTo>
-                    <a:pt x="38" y="300"/>
-                    <a:pt x="40" y="300"/>
-                    <a:pt x="42" y="300"/>
-                  </a:cubicBezTo>
-                  <a:cubicBezTo>
-                    <a:pt x="43" y="300"/>
-                    <a:pt x="43" y="300"/>
-                    <a:pt x="43" y="300"/>
-                  </a:cubicBezTo>
-                  <a:cubicBezTo>
-                    <a:pt x="51" y="299"/>
-                    <a:pt x="59" y="298"/>
-                    <a:pt x="65" y="296"/>
-                  </a:cubicBezTo>
-                  <a:cubicBezTo>
-                    <a:pt x="92" y="289"/>
-                    <a:pt x="116" y="278"/>
-                    <a:pt x="138" y="263"/>
-                  </a:cubicBezTo>
-                  <a:cubicBezTo>
-                    <a:pt x="153" y="266"/>
-                    <a:pt x="169" y="267"/>
-                    <a:pt x="184" y="267"/>
-                  </a:cubicBezTo>
-                  <a:cubicBezTo>
-                    <a:pt x="217" y="267"/>
-                    <a:pt x="247" y="261"/>
-                    <a:pt x="276" y="249"/>
-                  </a:cubicBezTo>
-                  <a:close/>
-                  <a:moveTo>
-                    <a:pt x="130" y="227"/>
-                  </a:moveTo>
-                  <a:cubicBezTo>
-                    <a:pt x="118" y="235"/>
-                    <a:pt x="118" y="235"/>
-                    <a:pt x="118" y="235"/>
-                  </a:cubicBezTo>
-                  <a:cubicBezTo>
-                    <a:pt x="114" y="239"/>
-                    <a:pt x="108" y="242"/>
-                    <a:pt x="102" y="246"/>
-                  </a:cubicBezTo>
-                  <a:cubicBezTo>
-                    <a:pt x="111" y="224"/>
-                    <a:pt x="111" y="224"/>
-                    <a:pt x="111" y="224"/>
-                  </a:cubicBezTo>
-                  <a:cubicBezTo>
-                    <a:pt x="86" y="209"/>
-                    <a:pt x="86" y="209"/>
-                    <a:pt x="86" y="209"/>
-                  </a:cubicBezTo>
-                  <a:cubicBezTo>
-                    <a:pt x="69" y="199"/>
-                    <a:pt x="56" y="188"/>
-                    <a:pt x="47" y="175"/>
-                  </a:cubicBezTo>
-                  <a:cubicBezTo>
-                    <a:pt x="38" y="161"/>
-                    <a:pt x="33" y="148"/>
-                    <a:pt x="33" y="133"/>
-                  </a:cubicBezTo>
-                  <a:cubicBezTo>
-                    <a:pt x="33" y="116"/>
-                    <a:pt x="40" y="99"/>
-                    <a:pt x="54" y="84"/>
-                  </a:cubicBezTo>
-                  <a:cubicBezTo>
-                    <a:pt x="67" y="68"/>
-                    <a:pt x="86" y="56"/>
-                    <a:pt x="109" y="47"/>
-                  </a:cubicBezTo>
-                  <a:cubicBezTo>
-                    <a:pt x="132" y="38"/>
-                    <a:pt x="157" y="33"/>
-                    <a:pt x="184" y="33"/>
-                  </a:cubicBezTo>
-                  <a:cubicBezTo>
-                    <a:pt x="210" y="33"/>
-                    <a:pt x="235" y="38"/>
-                    <a:pt x="258" y="47"/>
-                  </a:cubicBezTo>
-                  <a:cubicBezTo>
-                    <a:pt x="281" y="56"/>
-                    <a:pt x="300" y="68"/>
-                    <a:pt x="313" y="84"/>
-                  </a:cubicBezTo>
-                  <a:cubicBezTo>
-                    <a:pt x="327" y="99"/>
-                    <a:pt x="334" y="116"/>
-                    <a:pt x="334" y="133"/>
-                  </a:cubicBezTo>
-                  <a:cubicBezTo>
-                    <a:pt x="334" y="151"/>
-                    <a:pt x="327" y="168"/>
-                    <a:pt x="313" y="183"/>
-                  </a:cubicBezTo>
-                  <a:cubicBezTo>
-                    <a:pt x="300" y="199"/>
-                    <a:pt x="281" y="211"/>
-                    <a:pt x="258" y="220"/>
-                  </a:cubicBezTo>
-                  <a:cubicBezTo>
-                    <a:pt x="235" y="229"/>
-                    <a:pt x="210" y="234"/>
-                    <a:pt x="184" y="234"/>
-                  </a:cubicBezTo>
-                  <a:cubicBezTo>
-                    <a:pt x="171" y="234"/>
-                    <a:pt x="157" y="232"/>
-                    <a:pt x="144" y="230"/>
-                  </a:cubicBezTo>
-                  <a:lnTo>
-                    <a:pt x="130" y="227"/>
-                  </a:lnTo>
-                  <a:close/>
-                  <a:moveTo>
-                    <a:pt x="130" y="227"/>
-                  </a:moveTo>
-                  <a:cubicBezTo>
-                    <a:pt x="130" y="227"/>
-                    <a:pt x="130" y="227"/>
-                    <a:pt x="130" y="227"/>
-                  </a:cubicBezTo>
-                </a:path>
-              </a:pathLst>
-            </a:custGeom>
-            <a:solidFill>
-              <a:srgbClr val="727272"/>
-            </a:solidFill>
-            <a:ln>
-              <a:noFill/>
-            </a:ln>
-            <a:extLst>
-              <a:ext uri="{91240B29-F687-4F45-9708-019B960494DF}">
-                <a14:hiddenLine xmlns:a14="http://schemas.microsoft.com/office/drawing/2010/main" w="9525">
-                  <a:solidFill>
-                    <a:srgbClr val="000000"/>
-                  </a:solidFill>
-                  <a:round/>
-                  <a:headEnd/>
-                  <a:tailEnd/>
-                </a14:hiddenLine>
-              </a:ext>
-            </a:extLst>
-          </p:spPr>
-          <p:txBody>
-            <a:bodyPr vert="horz" wrap="square" lIns="91440" tIns="45720" rIns="91440" bIns="45720" numCol="1" anchor="t" anchorCtr="0" compatLnSpc="1">
-              <a:prstTxWarp prst="textNoShape">
-                <a:avLst/>
-              </a:prstTxWarp>
-            </a:bodyPr>
-            <a:lstStyle/>
-            <a:p>
-              <a:endParaRPr lang="en-US"/>
-            </a:p>
-          </p:txBody>
-        </p:sp>
-        <p:sp>
-          <p:nvSpPr>
-            <p:cNvPr id="5" name="Freeform 160"/>
-            <p:cNvSpPr>
-              <a:spLocks noEditPoints="1"/>
-            </p:cNvSpPr>
-            <p:nvPr/>
-          </p:nvSpPr>
-          <p:spPr bwMode="auto">
-            <a:xfrm>
-              <a:off x="5426386" y="7609892"/>
-              <a:ext cx="1154113" cy="1033462"/>
-            </a:xfrm>
-            <a:custGeom>
-              <a:avLst/>
-              <a:gdLst>
-                <a:gd name="T0" fmla="*/ 288 w 306"/>
-                <a:gd name="T1" fmla="*/ 165 h 273"/>
-                <a:gd name="T2" fmla="*/ 306 w 306"/>
-                <a:gd name="T3" fmla="*/ 106 h 273"/>
-                <a:gd name="T4" fmla="*/ 287 w 306"/>
-                <a:gd name="T5" fmla="*/ 46 h 273"/>
-                <a:gd name="T6" fmla="*/ 233 w 306"/>
-                <a:gd name="T7" fmla="*/ 0 h 273"/>
-                <a:gd name="T8" fmla="*/ 239 w 306"/>
-                <a:gd name="T9" fmla="*/ 39 h 273"/>
-                <a:gd name="T10" fmla="*/ 222 w 306"/>
-                <a:gd name="T11" fmla="*/ 106 h 273"/>
-                <a:gd name="T12" fmla="*/ 172 w 306"/>
-                <a:gd name="T13" fmla="*/ 161 h 273"/>
-                <a:gd name="T14" fmla="*/ 103 w 306"/>
-                <a:gd name="T15" fmla="*/ 195 h 273"/>
-                <a:gd name="T16" fmla="*/ 23 w 306"/>
-                <a:gd name="T17" fmla="*/ 206 h 273"/>
-                <a:gd name="T18" fmla="*/ 0 w 306"/>
-                <a:gd name="T19" fmla="*/ 205 h 273"/>
-                <a:gd name="T20" fmla="*/ 123 w 306"/>
-                <a:gd name="T21" fmla="*/ 240 h 273"/>
-                <a:gd name="T22" fmla="*/ 169 w 306"/>
-                <a:gd name="T23" fmla="*/ 236 h 273"/>
-                <a:gd name="T24" fmla="*/ 241 w 306"/>
-                <a:gd name="T25" fmla="*/ 269 h 273"/>
-                <a:gd name="T26" fmla="*/ 263 w 306"/>
-                <a:gd name="T27" fmla="*/ 273 h 273"/>
-                <a:gd name="T28" fmla="*/ 269 w 306"/>
-                <a:gd name="T29" fmla="*/ 271 h 273"/>
-                <a:gd name="T30" fmla="*/ 273 w 306"/>
-                <a:gd name="T31" fmla="*/ 266 h 273"/>
-                <a:gd name="T32" fmla="*/ 273 w 306"/>
-                <a:gd name="T33" fmla="*/ 264 h 273"/>
-                <a:gd name="T34" fmla="*/ 273 w 306"/>
-                <a:gd name="T35" fmla="*/ 262 h 273"/>
-                <a:gd name="T36" fmla="*/ 272 w 306"/>
-                <a:gd name="T37" fmla="*/ 261 h 273"/>
-                <a:gd name="T38" fmla="*/ 272 w 306"/>
-                <a:gd name="T39" fmla="*/ 259 h 273"/>
-                <a:gd name="T40" fmla="*/ 271 w 306"/>
-                <a:gd name="T41" fmla="*/ 258 h 273"/>
-                <a:gd name="T42" fmla="*/ 270 w 306"/>
-                <a:gd name="T43" fmla="*/ 257 h 273"/>
-                <a:gd name="T44" fmla="*/ 268 w 306"/>
-                <a:gd name="T45" fmla="*/ 255 h 273"/>
-                <a:gd name="T46" fmla="*/ 267 w 306"/>
-                <a:gd name="T47" fmla="*/ 254 h 273"/>
-                <a:gd name="T48" fmla="*/ 261 w 306"/>
-                <a:gd name="T49" fmla="*/ 248 h 273"/>
-                <a:gd name="T50" fmla="*/ 255 w 306"/>
-                <a:gd name="T51" fmla="*/ 240 h 273"/>
-                <a:gd name="T52" fmla="*/ 249 w 306"/>
-                <a:gd name="T53" fmla="*/ 232 h 273"/>
-                <a:gd name="T54" fmla="*/ 242 w 306"/>
-                <a:gd name="T55" fmla="*/ 222 h 273"/>
-                <a:gd name="T56" fmla="*/ 237 w 306"/>
-                <a:gd name="T57" fmla="*/ 211 h 273"/>
-                <a:gd name="T58" fmla="*/ 288 w 306"/>
-                <a:gd name="T59" fmla="*/ 165 h 273"/>
-                <a:gd name="T60" fmla="*/ 288 w 306"/>
-                <a:gd name="T61" fmla="*/ 165 h 273"/>
-                <a:gd name="T62" fmla="*/ 288 w 306"/>
-                <a:gd name="T63" fmla="*/ 165 h 273"/>
-              </a:gdLst>
-              <a:ahLst/>
-              <a:cxnLst>
-                <a:cxn ang="0">
-                  <a:pos x="T0" y="T1"/>
-                </a:cxn>
-                <a:cxn ang="0">
-                  <a:pos x="T2" y="T3"/>
-                </a:cxn>
-                <a:cxn ang="0">
-                  <a:pos x="T4" y="T5"/>
-                </a:cxn>
-                <a:cxn ang="0">
-                  <a:pos x="T6" y="T7"/>
-                </a:cxn>
-                <a:cxn ang="0">
-                  <a:pos x="T8" y="T9"/>
-                </a:cxn>
-                <a:cxn ang="0">
-                  <a:pos x="T10" y="T11"/>
-                </a:cxn>
-                <a:cxn ang="0">
-                  <a:pos x="T12" y="T13"/>
-                </a:cxn>
-                <a:cxn ang="0">
-                  <a:pos x="T14" y="T15"/>
-                </a:cxn>
-                <a:cxn ang="0">
-                  <a:pos x="T16" y="T17"/>
-                </a:cxn>
-                <a:cxn ang="0">
-                  <a:pos x="T18" y="T19"/>
-                </a:cxn>
-                <a:cxn ang="0">
-                  <a:pos x="T20" y="T21"/>
-                </a:cxn>
-                <a:cxn ang="0">
-                  <a:pos x="T22" y="T23"/>
-                </a:cxn>
-                <a:cxn ang="0">
-                  <a:pos x="T24" y="T25"/>
-                </a:cxn>
-                <a:cxn ang="0">
-                  <a:pos x="T26" y="T27"/>
-                </a:cxn>
-                <a:cxn ang="0">
-                  <a:pos x="T28" y="T29"/>
-                </a:cxn>
-                <a:cxn ang="0">
-                  <a:pos x="T30" y="T31"/>
-                </a:cxn>
-                <a:cxn ang="0">
-                  <a:pos x="T32" y="T33"/>
-                </a:cxn>
-                <a:cxn ang="0">
-                  <a:pos x="T34" y="T35"/>
-                </a:cxn>
-                <a:cxn ang="0">
-                  <a:pos x="T36" y="T37"/>
-                </a:cxn>
-                <a:cxn ang="0">
-                  <a:pos x="T38" y="T39"/>
-                </a:cxn>
-                <a:cxn ang="0">
-                  <a:pos x="T40" y="T41"/>
-                </a:cxn>
-                <a:cxn ang="0">
-                  <a:pos x="T42" y="T43"/>
-                </a:cxn>
-                <a:cxn ang="0">
-                  <a:pos x="T44" y="T45"/>
-                </a:cxn>
-                <a:cxn ang="0">
-                  <a:pos x="T46" y="T47"/>
-                </a:cxn>
-                <a:cxn ang="0">
-                  <a:pos x="T48" y="T49"/>
-                </a:cxn>
-                <a:cxn ang="0">
-                  <a:pos x="T50" y="T51"/>
-                </a:cxn>
-                <a:cxn ang="0">
-                  <a:pos x="T52" y="T53"/>
-                </a:cxn>
-                <a:cxn ang="0">
-                  <a:pos x="T54" y="T55"/>
-                </a:cxn>
-                <a:cxn ang="0">
-                  <a:pos x="T56" y="T57"/>
-                </a:cxn>
-                <a:cxn ang="0">
-                  <a:pos x="T58" y="T59"/>
-                </a:cxn>
-                <a:cxn ang="0">
-                  <a:pos x="T60" y="T61"/>
-                </a:cxn>
-                <a:cxn ang="0">
-                  <a:pos x="T62" y="T63"/>
-                </a:cxn>
-              </a:cxnLst>
-              <a:rect l="0" t="0" r="r" b="b"/>
-              <a:pathLst>
-                <a:path w="306" h="273">
-                  <a:moveTo>
-                    <a:pt x="288" y="165"/>
-                  </a:moveTo>
-                  <a:cubicBezTo>
-                    <a:pt x="300" y="147"/>
-                    <a:pt x="306" y="127"/>
-                    <a:pt x="306" y="106"/>
-                  </a:cubicBezTo>
-                  <a:cubicBezTo>
-                    <a:pt x="306" y="85"/>
-                    <a:pt x="300" y="65"/>
-                    <a:pt x="287" y="46"/>
-                  </a:cubicBezTo>
-                  <a:cubicBezTo>
-                    <a:pt x="274" y="28"/>
-                    <a:pt x="256" y="12"/>
-                    <a:pt x="233" y="0"/>
-                  </a:cubicBezTo>
-                  <a:cubicBezTo>
-                    <a:pt x="237" y="13"/>
-                    <a:pt x="239" y="26"/>
-                    <a:pt x="239" y="39"/>
-                  </a:cubicBezTo>
-                  <a:cubicBezTo>
-                    <a:pt x="239" y="63"/>
-                    <a:pt x="234" y="85"/>
-                    <a:pt x="222" y="106"/>
-                  </a:cubicBezTo>
-                  <a:cubicBezTo>
-                    <a:pt x="210" y="127"/>
-                    <a:pt x="194" y="145"/>
-                    <a:pt x="172" y="161"/>
-                  </a:cubicBezTo>
-                  <a:cubicBezTo>
-                    <a:pt x="152" y="176"/>
-                    <a:pt x="129" y="187"/>
-                    <a:pt x="103" y="195"/>
-                  </a:cubicBezTo>
-                  <a:cubicBezTo>
-                    <a:pt x="77" y="202"/>
-                    <a:pt x="51" y="206"/>
-                    <a:pt x="23" y="206"/>
-                  </a:cubicBezTo>
-                  <a:cubicBezTo>
-                    <a:pt x="17" y="206"/>
-                    <a:pt x="10" y="206"/>
-                    <a:pt x="0" y="205"/>
-                  </a:cubicBezTo>
-                  <a:cubicBezTo>
-                    <a:pt x="35" y="228"/>
-                    <a:pt x="76" y="240"/>
-                    <a:pt x="123" y="240"/>
-                  </a:cubicBezTo>
-                  <a:cubicBezTo>
-                    <a:pt x="138" y="240"/>
-                    <a:pt x="153" y="238"/>
-                    <a:pt x="169" y="236"/>
-                  </a:cubicBezTo>
-                  <a:cubicBezTo>
-                    <a:pt x="190" y="251"/>
-                    <a:pt x="214" y="262"/>
-                    <a:pt x="241" y="269"/>
-                  </a:cubicBezTo>
-                  <a:cubicBezTo>
-                    <a:pt x="247" y="270"/>
-                    <a:pt x="255" y="272"/>
-                    <a:pt x="263" y="273"/>
-                  </a:cubicBezTo>
-                  <a:cubicBezTo>
-                    <a:pt x="266" y="273"/>
-                    <a:pt x="267" y="273"/>
-                    <a:pt x="269" y="271"/>
-                  </a:cubicBezTo>
-                  <a:cubicBezTo>
-                    <a:pt x="271" y="270"/>
-                    <a:pt x="272" y="268"/>
-                    <a:pt x="273" y="266"/>
-                  </a:cubicBezTo>
-                  <a:cubicBezTo>
-                    <a:pt x="272" y="264"/>
-                    <a:pt x="273" y="264"/>
-                    <a:pt x="273" y="264"/>
-                  </a:cubicBezTo>
-                  <a:cubicBezTo>
-                    <a:pt x="273" y="264"/>
-                    <a:pt x="273" y="263"/>
-                    <a:pt x="273" y="262"/>
-                  </a:cubicBezTo>
-                  <a:cubicBezTo>
-                    <a:pt x="272" y="261"/>
-                    <a:pt x="272" y="261"/>
-                    <a:pt x="272" y="261"/>
-                  </a:cubicBezTo>
-                  <a:cubicBezTo>
-                    <a:pt x="272" y="259"/>
-                    <a:pt x="272" y="259"/>
-                    <a:pt x="272" y="259"/>
-                  </a:cubicBezTo>
-                  <a:cubicBezTo>
-                    <a:pt x="271" y="259"/>
-                    <a:pt x="271" y="258"/>
-                    <a:pt x="271" y="258"/>
-                  </a:cubicBezTo>
-                  <a:cubicBezTo>
-                    <a:pt x="270" y="257"/>
-                    <a:pt x="270" y="257"/>
-                    <a:pt x="270" y="257"/>
-                  </a:cubicBezTo>
-                  <a:cubicBezTo>
-                    <a:pt x="269" y="256"/>
-                    <a:pt x="269" y="256"/>
-                    <a:pt x="268" y="255"/>
-                  </a:cubicBezTo>
-                  <a:cubicBezTo>
-                    <a:pt x="268" y="255"/>
-                    <a:pt x="268" y="254"/>
-                    <a:pt x="267" y="254"/>
-                  </a:cubicBezTo>
-                  <a:cubicBezTo>
-                    <a:pt x="266" y="253"/>
-                    <a:pt x="264" y="251"/>
-                    <a:pt x="261" y="248"/>
-                  </a:cubicBezTo>
-                  <a:cubicBezTo>
-                    <a:pt x="258" y="244"/>
-                    <a:pt x="256" y="242"/>
-                    <a:pt x="255" y="240"/>
-                  </a:cubicBezTo>
-                  <a:cubicBezTo>
-                    <a:pt x="253" y="238"/>
-                    <a:pt x="251" y="236"/>
-                    <a:pt x="249" y="232"/>
-                  </a:cubicBezTo>
-                  <a:cubicBezTo>
-                    <a:pt x="246" y="229"/>
-                    <a:pt x="244" y="226"/>
-                    <a:pt x="242" y="222"/>
-                  </a:cubicBezTo>
-                  <a:cubicBezTo>
-                    <a:pt x="240" y="219"/>
-                    <a:pt x="239" y="215"/>
-                    <a:pt x="237" y="211"/>
-                  </a:cubicBezTo>
-                  <a:cubicBezTo>
-                    <a:pt x="258" y="198"/>
-                    <a:pt x="275" y="183"/>
-                    <a:pt x="288" y="165"/>
-                  </a:cubicBezTo>
-                  <a:close/>
-                  <a:moveTo>
-                    <a:pt x="288" y="165"/>
-                  </a:moveTo>
-                  <a:cubicBezTo>
-                    <a:pt x="288" y="165"/>
-                    <a:pt x="288" y="165"/>
-                    <a:pt x="288" y="165"/>
-                  </a:cubicBezTo>
-                </a:path>
-              </a:pathLst>
-            </a:custGeom>
-            <a:solidFill>
-              <a:srgbClr val="727272"/>
-            </a:solidFill>
-            <a:ln>
-              <a:noFill/>
-            </a:ln>
-            <a:extLst>
-              <a:ext uri="{91240B29-F687-4F45-9708-019B960494DF}">
-                <a14:hiddenLine xmlns:a14="http://schemas.microsoft.com/office/drawing/2010/main" w="9525">
-                  <a:solidFill>
-                    <a:srgbClr val="000000"/>
-                  </a:solidFill>
-                  <a:round/>
-                  <a:headEnd/>
-                  <a:tailEnd/>
-                </a14:hiddenLine>
-              </a:ext>
-            </a:extLst>
-          </p:spPr>
-          <p:txBody>
-            <a:bodyPr vert="horz" wrap="square" lIns="91440" tIns="45720" rIns="91440" bIns="45720" numCol="1" anchor="t" anchorCtr="0" compatLnSpc="1">
-              <a:prstTxWarp prst="textNoShape">
-                <a:avLst/>
-              </a:prstTxWarp>
-            </a:bodyPr>
-            <a:lstStyle/>
-            <a:p>
-              <a:endParaRPr lang="en-US"/>
-            </a:p>
-          </p:txBody>
-        </p:sp>
-      </p:grpSp>
-      <p:sp>
-        <p:nvSpPr>
-          <p:cNvPr id="10" name="TextBox 7"/>
-          <p:cNvSpPr txBox="1"/>
-          <p:nvPr/>
-        </p:nvSpPr>
-        <p:spPr>
-          <a:xfrm>
-            <a:off x="0" y="378289"/>
-            <a:ext cx="12192000" cy="1754326"/>
-          </a:xfrm>
-          <a:prstGeom prst="rect">
-            <a:avLst/>
-          </a:prstGeom>
-          <a:solidFill>
-            <a:schemeClr val="accent1">
-              <a:lumMod val="50000"/>
-              <a:alpha val="50000"/>
-            </a:schemeClr>
-          </a:solidFill>
-        </p:spPr>
-        <p:txBody>
-          <a:bodyPr wrap="square" rtlCol="0">
-            <a:spAutoFit/>
-          </a:bodyPr>
-          <a:lstStyle/>
-          <a:p>
-            <a:pPr algn="ctr"/>
-            <a:r>
-              <a:rPr lang="en-US" sz="5400" b="1" cap="small" dirty="0">
-                <a:solidFill>
-                  <a:schemeClr val="bg1"/>
-                </a:solidFill>
-                <a:latin typeface="Arabic Typesetting" panose="03020402040406030203" pitchFamily="66" charset="-78"/>
-                <a:cs typeface="Arabic Typesetting" panose="03020402040406030203" pitchFamily="66" charset="-78"/>
-              </a:rPr>
-              <a:t>Merci Pour Votre </a:t>
-            </a:r>
-          </a:p>
-          <a:p>
-            <a:pPr algn="ctr"/>
-            <a:r>
-              <a:rPr lang="en-US" sz="5400" b="1" cap="small" dirty="0">
-                <a:solidFill>
-                  <a:schemeClr val="bg1"/>
-                </a:solidFill>
-                <a:latin typeface="Arabic Typesetting" panose="03020402040406030203" pitchFamily="66" charset="-78"/>
-                <a:cs typeface="Arabic Typesetting" panose="03020402040406030203" pitchFamily="66" charset="-78"/>
-              </a:rPr>
-              <a:t>Attention </a:t>
-            </a:r>
-          </a:p>
-        </p:txBody>
-      </p:sp>
-      <p:pic>
-        <p:nvPicPr>
-          <p:cNvPr id="11" name="Picture 2"/>
-          <p:cNvPicPr>
-            <a:picLocks noChangeAspect="1"/>
-          </p:cNvPicPr>
-          <p:nvPr/>
-        </p:nvPicPr>
-        <p:blipFill>
-          <a:blip r:embed="rId2">
-            <a:extLst>
-              <a:ext uri="{28A0092B-C50C-407E-A947-70E740481C1C}">
-                <a14:useLocalDpi xmlns:a14="http://schemas.microsoft.com/office/drawing/2010/main" val="0"/>
-              </a:ext>
-            </a:extLst>
-          </a:blip>
-          <a:stretch>
-            <a:fillRect/>
-          </a:stretch>
-        </p:blipFill>
-        <p:spPr>
-          <a:xfrm>
-            <a:off x="2125396" y="435570"/>
-            <a:ext cx="1639764" cy="1639764"/>
-          </a:xfrm>
-          <a:prstGeom prst="rect">
-            <a:avLst/>
-          </a:prstGeom>
-        </p:spPr>
-      </p:pic>
-      <p:sp>
-        <p:nvSpPr>
-          <p:cNvPr id="7" name="Slide Number Placeholder 6">
-            <a:extLst>
-              <a:ext uri="{FF2B5EF4-FFF2-40B4-BE49-F238E27FC236}">
-                <a16:creationId xmlns:a16="http://schemas.microsoft.com/office/drawing/2014/main" id="{BD09B2E6-AA50-4181-845F-A2BF71F954C8}"/>
-              </a:ext>
-            </a:extLst>
-          </p:cNvPr>
-          <p:cNvSpPr>
-            <a:spLocks noGrp="1"/>
-          </p:cNvSpPr>
-          <p:nvPr>
-            <p:ph type="sldNum" sz="quarter" idx="12"/>
-          </p:nvPr>
-        </p:nvSpPr>
-        <p:spPr/>
-        <p:txBody>
-          <a:bodyPr/>
-          <a:lstStyle/>
-          <a:p>
-            <a:fld id="{2376E620-B82E-4BB3-B55A-C1C511C62C08}" type="slidenum">
-              <a:rPr lang="fr-FR" smtClean="0"/>
-              <a:t>70</a:t>
-            </a:fld>
-            <a:endParaRPr lang="fr-FR"/>
-          </a:p>
-        </p:txBody>
-      </p:sp>
-    </p:spTree>
-    <p:extLst>
-      <p:ext uri="{BB962C8B-B14F-4D97-AF65-F5344CB8AC3E}">
-        <p14:creationId xmlns:p14="http://schemas.microsoft.com/office/powerpoint/2010/main" val="3539830750"/>
-      </p:ext>
-    </p:extLst>
-  </p:cSld>
-  <p:clrMapOvr>
-    <a:masterClrMapping/>
-  </p:clrMapOvr>
-  <p:timing>
-    <p:tnLst>
-      <p:par>
-        <p:cTn id="1" dur="indefinite" restart="never" nodeType="tmRoot">
-          <p:childTnLst>
-            <p:seq concurrent="1" nextAc="seek">
-              <p:cTn id="2" dur="indefinite" nodeType="mainSeq">
-                <p:childTnLst>
-                  <p:par>
-                    <p:cTn id="3" fill="hold">
-                      <p:stCondLst>
-                        <p:cond delay="indefinite"/>
-                        <p:cond evt="onBegin" delay="0">
-                          <p:tn val="2"/>
-                        </p:cond>
-                      </p:stCondLst>
-                      <p:childTnLst>
-                        <p:par>
-                          <p:cTn id="4" fill="hold">
-                            <p:stCondLst>
-                              <p:cond delay="0"/>
-                            </p:stCondLst>
-                            <p:childTnLst>
-                              <p:par>
-                                <p:cTn id="5" presetID="10" presetClass="entr" presetSubtype="0" fill="hold" grpId="0" nodeType="withEffect">
-                                  <p:stCondLst>
-                                    <p:cond delay="0"/>
-                                  </p:stCondLst>
-                                  <p:childTnLst>
-                                    <p:set>
-                                      <p:cBhvr>
-                                        <p:cTn id="6" dur="1" fill="hold">
-                                          <p:stCondLst>
-                                            <p:cond delay="0"/>
-                                          </p:stCondLst>
-                                        </p:cTn>
-                                        <p:tgtEl>
-                                          <p:spTgt spid="2"/>
-                                        </p:tgtEl>
-                                        <p:attrNameLst>
-                                          <p:attrName>style.visibility</p:attrName>
-                                        </p:attrNameLst>
-                                      </p:cBhvr>
-                                      <p:to>
-                                        <p:strVal val="visible"/>
-                                      </p:to>
-                                    </p:set>
-                                    <p:animEffect transition="in" filter="fade">
-                                      <p:cBhvr>
-                                        <p:cTn id="7" dur="500"/>
-                                        <p:tgtEl>
-                                          <p:spTgt spid="2"/>
-                                        </p:tgtEl>
-                                      </p:cBhvr>
-                                    </p:animEffect>
-                                  </p:childTnLst>
-                                </p:cTn>
-                              </p:par>
-                            </p:childTnLst>
-                          </p:cTn>
-                        </p:par>
-                        <p:par>
-                          <p:cTn id="8" fill="hold">
-                            <p:stCondLst>
-                              <p:cond delay="500"/>
-                            </p:stCondLst>
-                            <p:childTnLst>
-                              <p:par>
-                                <p:cTn id="9" presetID="10" presetClass="entr" presetSubtype="0" fill="hold" nodeType="afterEffect">
-                                  <p:stCondLst>
-                                    <p:cond delay="0"/>
-                                  </p:stCondLst>
-                                  <p:childTnLst>
-                                    <p:set>
-                                      <p:cBhvr>
-                                        <p:cTn id="10" dur="1" fill="hold">
-                                          <p:stCondLst>
-                                            <p:cond delay="0"/>
-                                          </p:stCondLst>
-                                        </p:cTn>
-                                        <p:tgtEl>
-                                          <p:spTgt spid="3"/>
-                                        </p:tgtEl>
-                                        <p:attrNameLst>
-                                          <p:attrName>style.visibility</p:attrName>
-                                        </p:attrNameLst>
-                                      </p:cBhvr>
-                                      <p:to>
-                                        <p:strVal val="visible"/>
-                                      </p:to>
-                                    </p:set>
-                                    <p:animEffect transition="in" filter="fade">
-                                      <p:cBhvr>
-                                        <p:cTn id="11" dur="500"/>
-                                        <p:tgtEl>
-                                          <p:spTgt spid="3"/>
-                                        </p:tgtEl>
-                                      </p:cBhvr>
-                                    </p:animEffect>
-                                  </p:childTnLst>
-                                </p:cTn>
-                              </p:par>
-                              <p:par>
-                                <p:cTn id="12" presetID="10" presetClass="entr" presetSubtype="0" fill="hold" grpId="0" nodeType="withEffect">
-                                  <p:stCondLst>
-                                    <p:cond delay="0"/>
-                                  </p:stCondLst>
-                                  <p:childTnLst>
-                                    <p:set>
-                                      <p:cBhvr>
-                                        <p:cTn id="13" dur="1" fill="hold">
-                                          <p:stCondLst>
-                                            <p:cond delay="0"/>
-                                          </p:stCondLst>
-                                        </p:cTn>
-                                        <p:tgtEl>
-                                          <p:spTgt spid="10"/>
-                                        </p:tgtEl>
-                                        <p:attrNameLst>
-                                          <p:attrName>style.visibility</p:attrName>
-                                        </p:attrNameLst>
-                                      </p:cBhvr>
-                                      <p:to>
-                                        <p:strVal val="visible"/>
-                                      </p:to>
-                                    </p:set>
-                                    <p:animEffect transition="in" filter="fade">
-                                      <p:cBhvr>
-                                        <p:cTn id="14" dur="500"/>
-                                        <p:tgtEl>
-                                          <p:spTgt spid="10"/>
-                                        </p:tgtEl>
-                                      </p:cBhvr>
-                                    </p:animEffect>
-                                  </p:childTnLst>
-                                </p:cTn>
-                              </p:par>
-                            </p:childTnLst>
-                          </p:cTn>
-                        </p:par>
-                      </p:childTnLst>
-                    </p:cTn>
-                  </p:par>
-                </p:childTnLst>
-              </p:cTn>
-              <p:prevCondLst>
-                <p:cond evt="onPrev" delay="0">
-                  <p:tgtEl>
-                    <p:sldTgt/>
-                  </p:tgtEl>
-                </p:cond>
-              </p:prevCondLst>
-              <p:nextCondLst>
-                <p:cond evt="onNext" delay="0">
-                  <p:tgtEl>
-                    <p:sldTgt/>
-                  </p:tgtEl>
-                </p:cond>
-              </p:nextCondLst>
-            </p:seq>
-          </p:childTnLst>
-        </p:cTn>
-      </p:par>
-    </p:tnLst>
-    <p:bldLst>
-      <p:bldP spid="2" grpId="0" animBg="1"/>
-      <p:bldP spid="10" grpId="0" animBg="1"/>
-    </p:bldLst>
-  </p:timing>
 </p:sld>
 </file>
 

--- a/Presentation-projet-SQLite (1) - Copy.pptx
+++ b/Presentation-projet-SQLite (1) - Copy.pptx
@@ -347,7 +347,7 @@
           <a:p>
             <a:fld id="{4BBBBF6B-ACDD-4A14-800E-2B828951F2E5}" type="slidenum">
               <a:rPr lang="fr-FR" smtClean="0"/>
-              <a:t>‹N°›</a:t>
+              <a:t>‹#›</a:t>
             </a:fld>
             <a:endParaRPr lang="fr-FR"/>
           </a:p>
@@ -606,7 +606,7 @@
           <a:p>
             <a:fld id="{F4625AEE-926E-49DB-B657-4E194F63E769}" type="slidenum">
               <a:rPr lang="fr-FR" smtClean="0"/>
-              <a:t>‹N°›</a:t>
+              <a:t>‹#›</a:t>
             </a:fld>
             <a:endParaRPr lang="fr-FR"/>
           </a:p>
@@ -888,7 +888,7 @@
             <a:fld id="{2376E620-B82E-4BB3-B55A-C1C511C62C08}" type="slidenum">
               <a:rPr lang="fr-FR" smtClean="0"/>
               <a:pPr/>
-              <a:t>‹N°›</a:t>
+              <a:t>‹#›</a:t>
             </a:fld>
             <a:endParaRPr lang="fr-FR" dirty="0"/>
           </a:p>
@@ -1057,7 +1057,7 @@
             <a:fld id="{2376E620-B82E-4BB3-B55A-C1C511C62C08}" type="slidenum">
               <a:rPr lang="fr-FR" smtClean="0"/>
               <a:pPr/>
-              <a:t>‹N°›</a:t>
+              <a:t>‹#›</a:t>
             </a:fld>
             <a:endParaRPr lang="fr-FR" dirty="0"/>
           </a:p>
@@ -1237,7 +1237,7 @@
             <a:fld id="{2376E620-B82E-4BB3-B55A-C1C511C62C08}" type="slidenum">
               <a:rPr lang="fr-FR" smtClean="0"/>
               <a:pPr/>
-              <a:t>‹N°›</a:t>
+              <a:t>‹#›</a:t>
             </a:fld>
             <a:endParaRPr lang="fr-FR" dirty="0"/>
           </a:p>
@@ -1407,7 +1407,7 @@
             <a:fld id="{2376E620-B82E-4BB3-B55A-C1C511C62C08}" type="slidenum">
               <a:rPr lang="fr-FR" smtClean="0"/>
               <a:pPr/>
-              <a:t>‹N°›</a:t>
+              <a:t>‹#›</a:t>
             </a:fld>
             <a:endParaRPr lang="fr-FR" dirty="0"/>
           </a:p>
@@ -1653,7 +1653,7 @@
           <a:p>
             <a:fld id="{2376E620-B82E-4BB3-B55A-C1C511C62C08}" type="slidenum">
               <a:rPr lang="fr-FR" smtClean="0"/>
-              <a:t>‹N°›</a:t>
+              <a:t>‹#›</a:t>
             </a:fld>
             <a:endParaRPr lang="fr-FR" dirty="0"/>
           </a:p>
@@ -1883,7 +1883,7 @@
             <a:fld id="{2376E620-B82E-4BB3-B55A-C1C511C62C08}" type="slidenum">
               <a:rPr lang="fr-FR" smtClean="0"/>
               <a:pPr/>
-              <a:t>‹N°›</a:t>
+              <a:t>‹#›</a:t>
             </a:fld>
             <a:endParaRPr lang="fr-FR" dirty="0"/>
           </a:p>
@@ -2249,7 +2249,7 @@
             <a:fld id="{2376E620-B82E-4BB3-B55A-C1C511C62C08}" type="slidenum">
               <a:rPr lang="fr-FR" smtClean="0"/>
               <a:pPr/>
-              <a:t>‹N°›</a:t>
+              <a:t>‹#›</a:t>
             </a:fld>
             <a:endParaRPr lang="fr-FR" dirty="0"/>
           </a:p>
@@ -2367,7 +2367,7 @@
           <a:p>
             <a:fld id="{2376E620-B82E-4BB3-B55A-C1C511C62C08}" type="slidenum">
               <a:rPr lang="fr-FR" smtClean="0"/>
-              <a:t>‹N°›</a:t>
+              <a:t>‹#›</a:t>
             </a:fld>
             <a:endParaRPr lang="fr-FR" dirty="0"/>
           </a:p>
@@ -2462,7 +2462,7 @@
           <a:p>
             <a:fld id="{2376E620-B82E-4BB3-B55A-C1C511C62C08}" type="slidenum">
               <a:rPr lang="fr-FR" smtClean="0"/>
-              <a:t>‹N°›</a:t>
+              <a:t>‹#›</a:t>
             </a:fld>
             <a:endParaRPr lang="fr-FR" dirty="0"/>
           </a:p>
@@ -2738,7 +2738,7 @@
             <a:fld id="{2376E620-B82E-4BB3-B55A-C1C511C62C08}" type="slidenum">
               <a:rPr lang="fr-FR" smtClean="0"/>
               <a:pPr/>
-              <a:t>‹N°›</a:t>
+              <a:t>‹#›</a:t>
             </a:fld>
             <a:endParaRPr lang="fr-FR" dirty="0"/>
           </a:p>
@@ -2991,7 +2991,7 @@
           <a:p>
             <a:fld id="{2376E620-B82E-4BB3-B55A-C1C511C62C08}" type="slidenum">
               <a:rPr lang="fr-FR" smtClean="0"/>
-              <a:t>‹N°›</a:t>
+              <a:t>‹#›</a:t>
             </a:fld>
             <a:endParaRPr lang="fr-FR"/>
           </a:p>
@@ -3239,7 +3239,7 @@
             <a:fld id="{2376E620-B82E-4BB3-B55A-C1C511C62C08}" type="slidenum">
               <a:rPr lang="fr-FR" smtClean="0"/>
               <a:pPr/>
-              <a:t>‹N°›</a:t>
+              <a:t>‹#›</a:t>
             </a:fld>
             <a:endParaRPr lang="fr-FR" dirty="0"/>
           </a:p>
@@ -3553,6 +3553,14 @@
 <file path=ppt/slides/slide1.xml><?xml version="1.0" encoding="utf-8"?>
 <p:sld xmlns:a="http://schemas.openxmlformats.org/drawingml/2006/main" xmlns:r="http://schemas.openxmlformats.org/officeDocument/2006/relationships" xmlns:p="http://schemas.openxmlformats.org/presentationml/2006/main">
   <p:cSld>
+    <p:bg>
+      <p:bgPr>
+        <a:solidFill>
+          <a:schemeClr val="bg2"/>
+        </a:solidFill>
+        <a:effectLst/>
+      </p:bgPr>
+    </p:bg>
     <p:spTree>
       <p:nvGrpSpPr>
         <p:cNvPr id="1" name=""/>
@@ -3701,6 +3709,23 @@
               </a:rPr>
               <a:t>People's Democratic Republic of Algeria</a:t>
             </a:r>
+            <a:r>
+              <a:rPr kumimoji="0" lang="fr-FR" sz="2000" b="0" i="0" u="none" strike="noStrike" kern="1200" cap="none" spc="0" normalizeH="0" baseline="0" noProof="0" dirty="0">
+                <a:ln>
+                  <a:noFill/>
+                </a:ln>
+                <a:solidFill>
+                  <a:prstClr val="black"/>
+                </a:solidFill>
+                <a:effectLst/>
+                <a:uLnTx/>
+                <a:uFillTx/>
+                <a:latin typeface="Times New Roman"/>
+                <a:ea typeface="Times New Roman"/>
+                <a:cs typeface="+mj-cs"/>
+              </a:rPr>
+              <a:t/>
+            </a:r>
             <a:br>
               <a:rPr kumimoji="0" lang="fr-FR" sz="2000" b="0" i="0" u="none" strike="noStrike" kern="1200" cap="none" spc="0" normalizeH="0" baseline="0" noProof="0" dirty="0">
                 <a:ln>
@@ -3734,6 +3759,23 @@
               </a:rPr>
               <a:t>Ministry of Higher Education and Scientific Research</a:t>
             </a:r>
+            <a:r>
+              <a:rPr kumimoji="0" lang="fr-FR" sz="2000" b="0" i="0" u="none" strike="noStrike" kern="1200" cap="none" spc="0" normalizeH="0" baseline="0" noProof="0" dirty="0">
+                <a:ln>
+                  <a:noFill/>
+                </a:ln>
+                <a:solidFill>
+                  <a:prstClr val="black"/>
+                </a:solidFill>
+                <a:effectLst/>
+                <a:uLnTx/>
+                <a:uFillTx/>
+                <a:latin typeface="Times New Roman"/>
+                <a:ea typeface="Calibri"/>
+                <a:cs typeface="Times New Roman"/>
+              </a:rPr>
+              <a:t/>
+            </a:r>
             <a:br>
               <a:rPr kumimoji="0" lang="fr-FR" sz="2000" b="0" i="0" u="none" strike="noStrike" kern="1200" cap="none" spc="0" normalizeH="0" baseline="0" noProof="0" dirty="0">
                 <a:ln>
@@ -3902,6 +3944,23 @@
               </a:rPr>
               <a:t> </a:t>
             </a:r>
+            <a:r>
+              <a:rPr kumimoji="0" lang="fr-FR" sz="2000" b="1" i="0" u="none" strike="noStrike" kern="1200" cap="none" spc="0" normalizeH="0" baseline="0" noProof="0" dirty="0">
+                <a:ln>
+                  <a:noFill/>
+                </a:ln>
+                <a:solidFill>
+                  <a:srgbClr val="000000"/>
+                </a:solidFill>
+                <a:effectLst/>
+                <a:uLnTx/>
+                <a:uFillTx/>
+                <a:latin typeface="Constantia" pitchFamily="18" charset="0"/>
+                <a:ea typeface="+mj-ea"/>
+                <a:cs typeface="+mj-cs"/>
+              </a:rPr>
+              <a:t/>
+            </a:r>
             <a:br>
               <a:rPr kumimoji="0" lang="fr-FR" sz="2000" b="1" i="0" u="none" strike="noStrike" kern="1200" cap="none" spc="0" normalizeH="0" baseline="0" noProof="0" dirty="0">
                 <a:ln>
@@ -3918,6 +3977,23 @@
                 <a:cs typeface="+mj-cs"/>
               </a:rPr>
             </a:br>
+            <a:r>
+              <a:rPr kumimoji="0" lang="fr-FR" sz="2000" b="0" i="0" u="none" strike="noStrike" kern="1200" cap="none" spc="0" normalizeH="0" baseline="0" noProof="0" dirty="0">
+                <a:ln>
+                  <a:noFill/>
+                </a:ln>
+                <a:solidFill>
+                  <a:prstClr val="black"/>
+                </a:solidFill>
+                <a:effectLst/>
+                <a:uLnTx/>
+                <a:uFillTx/>
+                <a:latin typeface="Times New Roman"/>
+                <a:ea typeface="Times New Roman"/>
+                <a:cs typeface="+mj-cs"/>
+              </a:rPr>
+              <a:t/>
+            </a:r>
             <a:br>
               <a:rPr kumimoji="0" lang="fr-FR" sz="2000" b="0" i="0" u="none" strike="noStrike" kern="1200" cap="none" spc="0" normalizeH="0" baseline="0" noProof="0" dirty="0">
                 <a:ln>
@@ -4383,6 +4459,14 @@
 <file path=ppt/slides/slide10.xml><?xml version="1.0" encoding="utf-8"?>
 <p:sld xmlns:a="http://schemas.openxmlformats.org/drawingml/2006/main" xmlns:r="http://schemas.openxmlformats.org/officeDocument/2006/relationships" xmlns:p="http://schemas.openxmlformats.org/presentationml/2006/main">
   <p:cSld>
+    <p:bg>
+      <p:bgPr>
+        <a:solidFill>
+          <a:schemeClr val="bg2"/>
+        </a:solidFill>
+        <a:effectLst/>
+      </p:bgPr>
+    </p:bg>
     <p:spTree>
       <p:nvGrpSpPr>
         <p:cNvPr id="1" name=""/>
@@ -4519,6 +4603,10 @@
           <a:lstStyle/>
           <a:p>
             <a:pPr marL="12700" algn="ctr"/>
+            <a:r>
+              <a:rPr lang="fr-FR" sz="2400" dirty="0"/>
+              <a:t/>
+            </a:r>
             <a:br>
               <a:rPr lang="fr-FR" sz="2400" dirty="0"/>
             </a:br>
@@ -5865,6 +5953,14 @@
 <file path=ppt/slides/slide13.xml><?xml version="1.0" encoding="utf-8"?>
 <p:sld xmlns:a="http://schemas.openxmlformats.org/drawingml/2006/main" xmlns:r="http://schemas.openxmlformats.org/officeDocument/2006/relationships" xmlns:p="http://schemas.openxmlformats.org/presentationml/2006/main">
   <p:cSld>
+    <p:bg>
+      <p:bgPr>
+        <a:solidFill>
+          <a:schemeClr val="bg2"/>
+        </a:solidFill>
+        <a:effectLst/>
+      </p:bgPr>
+    </p:bg>
     <p:spTree>
       <p:nvGrpSpPr>
         <p:cNvPr id="1" name=""/>
@@ -5992,6 +6088,10 @@
           <a:lstStyle/>
           <a:p>
             <a:pPr marL="12700" algn="ctr"/>
+            <a:r>
+              <a:rPr lang="fr-FR" sz="2400" dirty="0"/>
+              <a:t/>
+            </a:r>
             <a:br>
               <a:rPr lang="fr-FR" sz="2400" dirty="0"/>
             </a:br>
@@ -6084,7 +6184,11 @@
             </a:r>
             <a:r>
               <a:rPr lang="fr-FR" sz="2400" dirty="0"/>
-              <a:t> and Alter a Table</a:t>
+              <a:t> and Alter a </a:t>
+            </a:r>
+            <a:r>
+              <a:rPr lang="fr-FR" sz="2400" dirty="0" smtClean="0"/>
+              <a:t>Table.</a:t>
             </a:r>
             <a:r>
               <a:rPr lang="fr-FR" sz="2400" dirty="0">
@@ -6125,8 +6229,13 @@
             </a:r>
             <a:r>
               <a:rPr lang="fr-FR" sz="2400" dirty="0"/>
-              <a:t> and Alter an Index</a:t>
-            </a:r>
+              <a:t> and Alter an </a:t>
+            </a:r>
+            <a:r>
+              <a:rPr lang="fr-FR" sz="2400" dirty="0" smtClean="0"/>
+              <a:t>Index.</a:t>
+            </a:r>
+            <a:endParaRPr lang="fr-FR" sz="2400" dirty="0"/>
           </a:p>
           <a:p>
             <a:pPr marL="800100" lvl="1" indent="-342900">
@@ -6158,8 +6267,13 @@
             </a:r>
             <a:r>
               <a:rPr lang="fr-FR" sz="2400" dirty="0"/>
-              <a:t> a Vue</a:t>
-            </a:r>
+              <a:t> a </a:t>
+            </a:r>
+            <a:r>
+              <a:rPr lang="fr-FR" sz="2400" dirty="0" smtClean="0"/>
+              <a:t>Vue.</a:t>
+            </a:r>
+            <a:endParaRPr lang="fr-FR" sz="2400" dirty="0"/>
           </a:p>
           <a:p>
             <a:pPr marL="800100" lvl="1" indent="-342900">
@@ -6194,13 +6308,18 @@
               <a:t> </a:t>
             </a:r>
             <a:r>
-              <a:rPr lang="fr-FR" sz="2400" dirty="0">
+              <a:rPr lang="fr-FR" sz="2400" dirty="0" smtClean="0">
                 <a:solidFill>
                   <a:prstClr val="black"/>
                 </a:solidFill>
               </a:rPr>
-              <a:t>Triggers</a:t>
-            </a:r>
+              <a:t>Triggers.</a:t>
+            </a:r>
+            <a:endParaRPr lang="fr-FR" sz="2400" dirty="0">
+              <a:solidFill>
+                <a:prstClr val="black"/>
+              </a:solidFill>
+            </a:endParaRPr>
           </a:p>
         </p:txBody>
       </p:sp>
@@ -6944,6 +7063,14 @@
 <file path=ppt/slides/slide14.xml><?xml version="1.0" encoding="utf-8"?>
 <p:sld xmlns:a="http://schemas.openxmlformats.org/drawingml/2006/main" xmlns:r="http://schemas.openxmlformats.org/officeDocument/2006/relationships" xmlns:p="http://schemas.openxmlformats.org/presentationml/2006/main">
   <p:cSld>
+    <p:bg>
+      <p:bgPr>
+        <a:solidFill>
+          <a:schemeClr val="bg2"/>
+        </a:solidFill>
+        <a:effectLst/>
+      </p:bgPr>
+    </p:bg>
     <p:spTree>
       <p:nvGrpSpPr>
         <p:cNvPr id="1" name=""/>
@@ -7174,6 +7301,14 @@
 <file path=ppt/slides/slide15.xml><?xml version="1.0" encoding="utf-8"?>
 <p:sld xmlns:a="http://schemas.openxmlformats.org/drawingml/2006/main" xmlns:r="http://schemas.openxmlformats.org/officeDocument/2006/relationships" xmlns:p="http://schemas.openxmlformats.org/presentationml/2006/main">
   <p:cSld>
+    <p:bg>
+      <p:bgPr>
+        <a:solidFill>
+          <a:schemeClr val="bg2"/>
+        </a:solidFill>
+        <a:effectLst/>
+      </p:bgPr>
+    </p:bg>
     <p:spTree>
       <p:nvGrpSpPr>
         <p:cNvPr id="1" name=""/>
@@ -7411,6 +7546,14 @@
 <file path=ppt/slides/slide16.xml><?xml version="1.0" encoding="utf-8"?>
 <p:sld xmlns:a="http://schemas.openxmlformats.org/drawingml/2006/main" xmlns:r="http://schemas.openxmlformats.org/officeDocument/2006/relationships" xmlns:p="http://schemas.openxmlformats.org/presentationml/2006/main">
   <p:cSld>
+    <p:bg>
+      <p:bgPr>
+        <a:solidFill>
+          <a:schemeClr val="bg2"/>
+        </a:solidFill>
+        <a:effectLst/>
+      </p:bgPr>
+    </p:bg>
     <p:spTree>
       <p:nvGrpSpPr>
         <p:cNvPr id="1" name=""/>
@@ -7626,6 +7769,14 @@
 <file path=ppt/slides/slide17.xml><?xml version="1.0" encoding="utf-8"?>
 <p:sld xmlns:a="http://schemas.openxmlformats.org/drawingml/2006/main" xmlns:r="http://schemas.openxmlformats.org/officeDocument/2006/relationships" xmlns:p="http://schemas.openxmlformats.org/presentationml/2006/main">
   <p:cSld>
+    <p:bg>
+      <p:bgPr>
+        <a:solidFill>
+          <a:schemeClr val="bg2"/>
+        </a:solidFill>
+        <a:effectLst/>
+      </p:bgPr>
+    </p:bg>
     <p:spTree>
       <p:nvGrpSpPr>
         <p:cNvPr id="1" name=""/>
@@ -7738,6 +7889,10 @@
           <a:lstStyle/>
           <a:p>
             <a:pPr marL="12700" algn="ctr"/>
+            <a:r>
+              <a:rPr lang="fr-FR" sz="2400" dirty="0"/>
+              <a:t/>
+            </a:r>
             <a:br>
               <a:rPr lang="fr-FR" sz="2400" dirty="0"/>
             </a:br>
@@ -7845,6 +8000,14 @@
 <file path=ppt/slides/slide18.xml><?xml version="1.0" encoding="utf-8"?>
 <p:sld xmlns:a="http://schemas.openxmlformats.org/drawingml/2006/main" xmlns:r="http://schemas.openxmlformats.org/officeDocument/2006/relationships" xmlns:p="http://schemas.openxmlformats.org/presentationml/2006/main">
   <p:cSld>
+    <p:bg>
+      <p:bgPr>
+        <a:solidFill>
+          <a:schemeClr val="bg2"/>
+        </a:solidFill>
+        <a:effectLst/>
+      </p:bgPr>
+    </p:bg>
     <p:spTree>
       <p:nvGrpSpPr>
         <p:cNvPr id="1" name=""/>
@@ -7957,6 +8120,10 @@
           <a:lstStyle/>
           <a:p>
             <a:pPr marL="12700" algn="ctr"/>
+            <a:r>
+              <a:rPr lang="fr-FR" sz="2400" dirty="0"/>
+              <a:t/>
+            </a:r>
             <a:br>
               <a:rPr lang="fr-FR" sz="2400" dirty="0"/>
             </a:br>
@@ -8077,6 +8244,14 @@
 <file path=ppt/slides/slide19.xml><?xml version="1.0" encoding="utf-8"?>
 <p:sld xmlns:a="http://schemas.openxmlformats.org/drawingml/2006/main" xmlns:r="http://schemas.openxmlformats.org/officeDocument/2006/relationships" xmlns:p="http://schemas.openxmlformats.org/presentationml/2006/main">
   <p:cSld>
+    <p:bg>
+      <p:bgPr>
+        <a:solidFill>
+          <a:schemeClr val="bg2"/>
+        </a:solidFill>
+        <a:effectLst/>
+      </p:bgPr>
+    </p:bg>
     <p:spTree>
       <p:nvGrpSpPr>
         <p:cNvPr id="1" name=""/>
@@ -8189,6 +8364,10 @@
           <a:lstStyle/>
           <a:p>
             <a:pPr marL="12700" algn="ctr"/>
+            <a:r>
+              <a:rPr lang="fr-FR" sz="2400" dirty="0"/>
+              <a:t/>
+            </a:r>
             <a:br>
               <a:rPr lang="fr-FR" sz="2400" dirty="0"/>
             </a:br>
@@ -10792,6 +10971,14 @@
 <file path=ppt/slides/slide20.xml><?xml version="1.0" encoding="utf-8"?>
 <p:sld xmlns:a="http://schemas.openxmlformats.org/drawingml/2006/main" xmlns:r="http://schemas.openxmlformats.org/officeDocument/2006/relationships" xmlns:p="http://schemas.openxmlformats.org/presentationml/2006/main">
   <p:cSld>
+    <p:bg>
+      <p:bgPr>
+        <a:solidFill>
+          <a:schemeClr val="bg2"/>
+        </a:solidFill>
+        <a:effectLst/>
+      </p:bgPr>
+    </p:bg>
     <p:spTree>
       <p:nvGrpSpPr>
         <p:cNvPr id="1" name=""/>
@@ -11018,6 +11205,14 @@
 <file path=ppt/slides/slide21.xml><?xml version="1.0" encoding="utf-8"?>
 <p:sld xmlns:a="http://schemas.openxmlformats.org/drawingml/2006/main" xmlns:r="http://schemas.openxmlformats.org/officeDocument/2006/relationships" xmlns:p="http://schemas.openxmlformats.org/presentationml/2006/main">
   <p:cSld>
+    <p:bg>
+      <p:bgPr>
+        <a:solidFill>
+          <a:schemeClr val="bg2"/>
+        </a:solidFill>
+        <a:effectLst/>
+      </p:bgPr>
+    </p:bg>
     <p:spTree>
       <p:nvGrpSpPr>
         <p:cNvPr id="1" name=""/>
@@ -11233,6 +11428,14 @@
 <file path=ppt/slides/slide22.xml><?xml version="1.0" encoding="utf-8"?>
 <p:sld xmlns:a="http://schemas.openxmlformats.org/drawingml/2006/main" xmlns:r="http://schemas.openxmlformats.org/officeDocument/2006/relationships" xmlns:p="http://schemas.openxmlformats.org/presentationml/2006/main">
   <p:cSld>
+    <p:bg>
+      <p:bgPr>
+        <a:solidFill>
+          <a:schemeClr val="bg2"/>
+        </a:solidFill>
+        <a:effectLst/>
+      </p:bgPr>
+    </p:bg>
     <p:spTree>
       <p:nvGrpSpPr>
         <p:cNvPr id="1" name=""/>
@@ -11483,6 +11686,14 @@
 <file path=ppt/slides/slide23.xml><?xml version="1.0" encoding="utf-8"?>
 <p:sld xmlns:a="http://schemas.openxmlformats.org/drawingml/2006/main" xmlns:r="http://schemas.openxmlformats.org/officeDocument/2006/relationships" xmlns:p="http://schemas.openxmlformats.org/presentationml/2006/main">
   <p:cSld>
+    <p:bg>
+      <p:bgPr>
+        <a:solidFill>
+          <a:schemeClr val="bg2"/>
+        </a:solidFill>
+        <a:effectLst/>
+      </p:bgPr>
+    </p:bg>
     <p:spTree>
       <p:nvGrpSpPr>
         <p:cNvPr id="1" name=""/>
@@ -11681,6 +11892,14 @@
 <file path=ppt/slides/slide24.xml><?xml version="1.0" encoding="utf-8"?>
 <p:sld xmlns:a="http://schemas.openxmlformats.org/drawingml/2006/main" xmlns:r="http://schemas.openxmlformats.org/officeDocument/2006/relationships" xmlns:p="http://schemas.openxmlformats.org/presentationml/2006/main">
   <p:cSld>
+    <p:bg>
+      <p:bgPr>
+        <a:solidFill>
+          <a:schemeClr val="bg2"/>
+        </a:solidFill>
+        <a:effectLst/>
+      </p:bgPr>
+    </p:bg>
     <p:spTree>
       <p:nvGrpSpPr>
         <p:cNvPr id="1" name=""/>
@@ -11892,6 +12111,14 @@
 <file path=ppt/slides/slide25.xml><?xml version="1.0" encoding="utf-8"?>
 <p:sld xmlns:a="http://schemas.openxmlformats.org/drawingml/2006/main" xmlns:r="http://schemas.openxmlformats.org/officeDocument/2006/relationships" xmlns:p="http://schemas.openxmlformats.org/presentationml/2006/main">
   <p:cSld>
+    <p:bg>
+      <p:bgPr>
+        <a:solidFill>
+          <a:schemeClr val="bg2"/>
+        </a:solidFill>
+        <a:effectLst/>
+      </p:bgPr>
+    </p:bg>
     <p:spTree>
       <p:nvGrpSpPr>
         <p:cNvPr id="1" name=""/>
@@ -12117,6 +12344,14 @@
 <file path=ppt/slides/slide26.xml><?xml version="1.0" encoding="utf-8"?>
 <p:sld xmlns:a="http://schemas.openxmlformats.org/drawingml/2006/main" xmlns:r="http://schemas.openxmlformats.org/officeDocument/2006/relationships" xmlns:p="http://schemas.openxmlformats.org/presentationml/2006/main">
   <p:cSld>
+    <p:bg>
+      <p:bgPr>
+        <a:solidFill>
+          <a:schemeClr val="bg2"/>
+        </a:solidFill>
+        <a:effectLst/>
+      </p:bgPr>
+    </p:bg>
     <p:spTree>
       <p:nvGrpSpPr>
         <p:cNvPr id="1" name=""/>
@@ -12331,6 +12566,14 @@
 <file path=ppt/slides/slide27.xml><?xml version="1.0" encoding="utf-8"?>
 <p:sld xmlns:a="http://schemas.openxmlformats.org/drawingml/2006/main" xmlns:r="http://schemas.openxmlformats.org/officeDocument/2006/relationships" xmlns:p="http://schemas.openxmlformats.org/presentationml/2006/main">
   <p:cSld>
+    <p:bg>
+      <p:bgPr>
+        <a:solidFill>
+          <a:schemeClr val="bg2"/>
+        </a:solidFill>
+        <a:effectLst/>
+      </p:bgPr>
+    </p:bg>
     <p:spTree>
       <p:nvGrpSpPr>
         <p:cNvPr id="1" name=""/>
@@ -12519,6 +12762,14 @@
 <file path=ppt/slides/slide28.xml><?xml version="1.0" encoding="utf-8"?>
 <p:sld xmlns:a="http://schemas.openxmlformats.org/drawingml/2006/main" xmlns:r="http://schemas.openxmlformats.org/officeDocument/2006/relationships" xmlns:p="http://schemas.openxmlformats.org/presentationml/2006/main">
   <p:cSld>
+    <p:bg>
+      <p:bgPr>
+        <a:solidFill>
+          <a:schemeClr val="bg2"/>
+        </a:solidFill>
+        <a:effectLst/>
+      </p:bgPr>
+    </p:bg>
     <p:spTree>
       <p:nvGrpSpPr>
         <p:cNvPr id="1" name=""/>
@@ -12658,6 +12909,14 @@
 <file path=ppt/slides/slide29.xml><?xml version="1.0" encoding="utf-8"?>
 <p:sld xmlns:a="http://schemas.openxmlformats.org/drawingml/2006/main" xmlns:r="http://schemas.openxmlformats.org/officeDocument/2006/relationships" xmlns:p="http://schemas.openxmlformats.org/presentationml/2006/main">
   <p:cSld>
+    <p:bg>
+      <p:bgPr>
+        <a:solidFill>
+          <a:schemeClr val="bg2"/>
+        </a:solidFill>
+        <a:effectLst/>
+      </p:bgPr>
+    </p:bg>
     <p:spTree>
       <p:nvGrpSpPr>
         <p:cNvPr id="1" name=""/>
@@ -12953,6 +13212,14 @@
 <file path=ppt/slides/slide30.xml><?xml version="1.0" encoding="utf-8"?>
 <p:sld xmlns:a="http://schemas.openxmlformats.org/drawingml/2006/main" xmlns:r="http://schemas.openxmlformats.org/officeDocument/2006/relationships" xmlns:p="http://schemas.openxmlformats.org/presentationml/2006/main">
   <p:cSld>
+    <p:bg>
+      <p:bgPr>
+        <a:solidFill>
+          <a:schemeClr val="bg2"/>
+        </a:solidFill>
+        <a:effectLst/>
+      </p:bgPr>
+    </p:bg>
     <p:spTree>
       <p:nvGrpSpPr>
         <p:cNvPr id="1" name=""/>
@@ -13128,6 +13395,14 @@
 <file path=ppt/slides/slide31.xml><?xml version="1.0" encoding="utf-8"?>
 <p:sld xmlns:a="http://schemas.openxmlformats.org/drawingml/2006/main" xmlns:r="http://schemas.openxmlformats.org/officeDocument/2006/relationships" xmlns:p="http://schemas.openxmlformats.org/presentationml/2006/main">
   <p:cSld>
+    <p:bg>
+      <p:bgPr>
+        <a:solidFill>
+          <a:schemeClr val="bg2"/>
+        </a:solidFill>
+        <a:effectLst/>
+      </p:bgPr>
+    </p:bg>
     <p:spTree>
       <p:nvGrpSpPr>
         <p:cNvPr id="1" name=""/>
@@ -13327,6 +13602,14 @@
 <file path=ppt/slides/slide32.xml><?xml version="1.0" encoding="utf-8"?>
 <p:sld xmlns:a="http://schemas.openxmlformats.org/drawingml/2006/main" xmlns:r="http://schemas.openxmlformats.org/officeDocument/2006/relationships" xmlns:p="http://schemas.openxmlformats.org/presentationml/2006/main">
   <p:cSld>
+    <p:bg>
+      <p:bgPr>
+        <a:solidFill>
+          <a:schemeClr val="bg2"/>
+        </a:solidFill>
+        <a:effectLst/>
+      </p:bgPr>
+    </p:bg>
     <p:spTree>
       <p:nvGrpSpPr>
         <p:cNvPr id="1" name=""/>
@@ -13525,6 +13808,14 @@
 <file path=ppt/slides/slide33.xml><?xml version="1.0" encoding="utf-8"?>
 <p:sld xmlns:a="http://schemas.openxmlformats.org/drawingml/2006/main" xmlns:r="http://schemas.openxmlformats.org/officeDocument/2006/relationships" xmlns:p="http://schemas.openxmlformats.org/presentationml/2006/main">
   <p:cSld>
+    <p:bg>
+      <p:bgPr>
+        <a:solidFill>
+          <a:schemeClr val="bg2"/>
+        </a:solidFill>
+        <a:effectLst/>
+      </p:bgPr>
+    </p:bg>
     <p:spTree>
       <p:nvGrpSpPr>
         <p:cNvPr id="1" name=""/>
@@ -13801,6 +14092,14 @@
 <file path=ppt/slides/slide35.xml><?xml version="1.0" encoding="utf-8"?>
 <p:sld xmlns:a="http://schemas.openxmlformats.org/drawingml/2006/main" xmlns:r="http://schemas.openxmlformats.org/officeDocument/2006/relationships" xmlns:p="http://schemas.openxmlformats.org/presentationml/2006/main">
   <p:cSld>
+    <p:bg>
+      <p:bgPr>
+        <a:solidFill>
+          <a:schemeClr val="bg2"/>
+        </a:solidFill>
+        <a:effectLst/>
+      </p:bgPr>
+    </p:bg>
     <p:spTree>
       <p:nvGrpSpPr>
         <p:cNvPr id="1" name=""/>
@@ -13941,6 +14240,10 @@
           <a:lstStyle/>
           <a:p>
             <a:pPr marL="12700" algn="ctr"/>
+            <a:r>
+              <a:rPr lang="fr-FR" sz="2400" dirty="0"/>
+              <a:t/>
+            </a:r>
             <a:br>
               <a:rPr lang="fr-FR" sz="2400" dirty="0"/>
             </a:br>
@@ -14590,6 +14893,14 @@
 <file path=ppt/slides/slide36.xml><?xml version="1.0" encoding="utf-8"?>
 <p:sld xmlns:a="http://schemas.openxmlformats.org/drawingml/2006/main" xmlns:r="http://schemas.openxmlformats.org/officeDocument/2006/relationships" xmlns:p="http://schemas.openxmlformats.org/presentationml/2006/main">
   <p:cSld>
+    <p:bg>
+      <p:bgPr>
+        <a:solidFill>
+          <a:schemeClr val="bg2"/>
+        </a:solidFill>
+        <a:effectLst/>
+      </p:bgPr>
+    </p:bg>
     <p:spTree>
       <p:nvGrpSpPr>
         <p:cNvPr id="1" name=""/>
@@ -14835,6 +15146,14 @@
 <file path=ppt/slides/slide37.xml><?xml version="1.0" encoding="utf-8"?>
 <p:sld xmlns:a="http://schemas.openxmlformats.org/drawingml/2006/main" xmlns:r="http://schemas.openxmlformats.org/officeDocument/2006/relationships" xmlns:p="http://schemas.openxmlformats.org/presentationml/2006/main">
   <p:cSld>
+    <p:bg>
+      <p:bgPr>
+        <a:solidFill>
+          <a:schemeClr val="bg2"/>
+        </a:solidFill>
+        <a:effectLst/>
+      </p:bgPr>
+    </p:bg>
     <p:spTree>
       <p:nvGrpSpPr>
         <p:cNvPr id="1" name=""/>
@@ -15054,6 +15373,14 @@
 <file path=ppt/slides/slide38.xml><?xml version="1.0" encoding="utf-8"?>
 <p:sld xmlns:a="http://schemas.openxmlformats.org/drawingml/2006/main" xmlns:r="http://schemas.openxmlformats.org/officeDocument/2006/relationships" xmlns:p="http://schemas.openxmlformats.org/presentationml/2006/main">
   <p:cSld>
+    <p:bg>
+      <p:bgPr>
+        <a:solidFill>
+          <a:schemeClr val="bg2"/>
+        </a:solidFill>
+        <a:effectLst/>
+      </p:bgPr>
+    </p:bg>
     <p:spTree>
       <p:nvGrpSpPr>
         <p:cNvPr id="1" name=""/>
@@ -15426,6 +15753,14 @@
 <file path=ppt/slides/slide39.xml><?xml version="1.0" encoding="utf-8"?>
 <p:sld xmlns:a="http://schemas.openxmlformats.org/drawingml/2006/main" xmlns:r="http://schemas.openxmlformats.org/officeDocument/2006/relationships" xmlns:p="http://schemas.openxmlformats.org/presentationml/2006/main">
   <p:cSld>
+    <p:bg>
+      <p:bgPr>
+        <a:solidFill>
+          <a:schemeClr val="bg2"/>
+        </a:solidFill>
+        <a:effectLst/>
+      </p:bgPr>
+    </p:bg>
     <p:spTree>
       <p:nvGrpSpPr>
         <p:cNvPr id="1" name=""/>
@@ -15787,6 +16122,14 @@
 <file path=ppt/slides/slide4.xml><?xml version="1.0" encoding="utf-8"?>
 <p:sld xmlns:a="http://schemas.openxmlformats.org/drawingml/2006/main" xmlns:r="http://schemas.openxmlformats.org/officeDocument/2006/relationships" xmlns:p="http://schemas.openxmlformats.org/presentationml/2006/main">
   <p:cSld>
+    <p:bg>
+      <p:bgPr>
+        <a:solidFill>
+          <a:schemeClr val="bg2"/>
+        </a:solidFill>
+        <a:effectLst/>
+      </p:bgPr>
+    </p:bg>
     <p:spTree>
       <p:nvGrpSpPr>
         <p:cNvPr id="1" name=""/>
@@ -15937,6 +16280,23 @@
               <a:tabLst/>
               <a:defRPr/>
             </a:pPr>
+            <a:r>
+              <a:rPr kumimoji="0" lang="fr-FR" sz="2400" b="0" i="0" u="none" strike="noStrike" kern="1200" cap="none" spc="0" normalizeH="0" baseline="0" noProof="0" dirty="0">
+                <a:ln>
+                  <a:noFill/>
+                </a:ln>
+                <a:solidFill>
+                  <a:prstClr val="black"/>
+                </a:solidFill>
+                <a:effectLst/>
+                <a:uLnTx/>
+                <a:uFillTx/>
+                <a:latin typeface="Calibri" panose="020F0502020204030204"/>
+                <a:ea typeface="+mn-ea"/>
+                <a:cs typeface="+mn-cs"/>
+              </a:rPr>
+              <a:t/>
+            </a:r>
             <a:br>
               <a:rPr kumimoji="0" lang="fr-FR" sz="2400" b="0" i="0" u="none" strike="noStrike" kern="1200" cap="none" spc="0" normalizeH="0" baseline="0" noProof="0" dirty="0">
                 <a:ln>
@@ -17001,6 +17361,14 @@
 <file path=ppt/slides/slide40.xml><?xml version="1.0" encoding="utf-8"?>
 <p:sld xmlns:a="http://schemas.openxmlformats.org/drawingml/2006/main" xmlns:r="http://schemas.openxmlformats.org/officeDocument/2006/relationships" xmlns:p="http://schemas.openxmlformats.org/presentationml/2006/main">
   <p:cSld>
+    <p:bg>
+      <p:bgPr>
+        <a:solidFill>
+          <a:schemeClr val="bg2"/>
+        </a:solidFill>
+        <a:effectLst/>
+      </p:bgPr>
+    </p:bg>
     <p:spTree>
       <p:nvGrpSpPr>
         <p:cNvPr id="1" name=""/>
@@ -17205,6 +17573,14 @@
 <file path=ppt/slides/slide41.xml><?xml version="1.0" encoding="utf-8"?>
 <p:sld xmlns:a="http://schemas.openxmlformats.org/drawingml/2006/main" xmlns:r="http://schemas.openxmlformats.org/officeDocument/2006/relationships" xmlns:p="http://schemas.openxmlformats.org/presentationml/2006/main">
   <p:cSld>
+    <p:bg>
+      <p:bgPr>
+        <a:solidFill>
+          <a:schemeClr val="bg2"/>
+        </a:solidFill>
+        <a:effectLst/>
+      </p:bgPr>
+    </p:bg>
     <p:spTree>
       <p:nvGrpSpPr>
         <p:cNvPr id="1" name=""/>
@@ -17424,6 +17800,14 @@
 <file path=ppt/slides/slide42.xml><?xml version="1.0" encoding="utf-8"?>
 <p:sld xmlns:a="http://schemas.openxmlformats.org/drawingml/2006/main" xmlns:r="http://schemas.openxmlformats.org/officeDocument/2006/relationships" xmlns:p="http://schemas.openxmlformats.org/presentationml/2006/main">
   <p:cSld>
+    <p:bg>
+      <p:bgPr>
+        <a:solidFill>
+          <a:schemeClr val="bg2"/>
+        </a:solidFill>
+        <a:effectLst/>
+      </p:bgPr>
+    </p:bg>
     <p:spTree>
       <p:nvGrpSpPr>
         <p:cNvPr id="1" name=""/>
@@ -17656,6 +18040,14 @@
 <file path=ppt/slides/slide43.xml><?xml version="1.0" encoding="utf-8"?>
 <p:sld xmlns:a="http://schemas.openxmlformats.org/drawingml/2006/main" xmlns:r="http://schemas.openxmlformats.org/officeDocument/2006/relationships" xmlns:p="http://schemas.openxmlformats.org/presentationml/2006/main">
   <p:cSld>
+    <p:bg>
+      <p:bgPr>
+        <a:solidFill>
+          <a:schemeClr val="bg2"/>
+        </a:solidFill>
+        <a:effectLst/>
+      </p:bgPr>
+    </p:bg>
     <p:spTree>
       <p:nvGrpSpPr>
         <p:cNvPr id="1" name=""/>
@@ -17989,6 +18381,14 @@
 <file path=ppt/slides/slide45.xml><?xml version="1.0" encoding="utf-8"?>
 <p:sld xmlns:a="http://schemas.openxmlformats.org/drawingml/2006/main" xmlns:r="http://schemas.openxmlformats.org/officeDocument/2006/relationships" xmlns:p="http://schemas.openxmlformats.org/presentationml/2006/main">
   <p:cSld>
+    <p:bg>
+      <p:bgPr>
+        <a:solidFill>
+          <a:schemeClr val="bg2"/>
+        </a:solidFill>
+        <a:effectLst/>
+      </p:bgPr>
+    </p:bg>
     <p:spTree>
       <p:nvGrpSpPr>
         <p:cNvPr id="1" name=""/>
@@ -18373,6 +18773,14 @@
 <file path=ppt/slides/slide47.xml><?xml version="1.0" encoding="utf-8"?>
 <p:sld xmlns:a="http://schemas.openxmlformats.org/drawingml/2006/main" xmlns:r="http://schemas.openxmlformats.org/officeDocument/2006/relationships" xmlns:p="http://schemas.openxmlformats.org/presentationml/2006/main">
   <p:cSld>
+    <p:bg>
+      <p:bgPr>
+        <a:solidFill>
+          <a:schemeClr val="bg2"/>
+        </a:solidFill>
+        <a:effectLst/>
+      </p:bgPr>
+    </p:bg>
     <p:spTree>
       <p:nvGrpSpPr>
         <p:cNvPr id="1" name=""/>
@@ -19213,6 +19621,14 @@
 <file path=ppt/slides/slide48.xml><?xml version="1.0" encoding="utf-8"?>
 <p:sld xmlns:a="http://schemas.openxmlformats.org/drawingml/2006/main" xmlns:r="http://schemas.openxmlformats.org/officeDocument/2006/relationships" xmlns:p="http://schemas.openxmlformats.org/presentationml/2006/main">
   <p:cSld>
+    <p:bg>
+      <p:bgPr>
+        <a:solidFill>
+          <a:schemeClr val="bg2"/>
+        </a:solidFill>
+        <a:effectLst/>
+      </p:bgPr>
+    </p:bg>
     <p:spTree>
       <p:nvGrpSpPr>
         <p:cNvPr id="1" name=""/>
@@ -19315,6 +19731,10 @@
           <a:lstStyle/>
           <a:p>
             <a:pPr marL="12700" algn="ctr"/>
+            <a:r>
+              <a:rPr lang="fr-FR" sz="2400" dirty="0"/>
+              <a:t/>
+            </a:r>
             <a:br>
               <a:rPr lang="fr-FR" sz="2400" dirty="0"/>
             </a:br>
@@ -19586,6 +20006,14 @@
 <file path=ppt/slides/slide49.xml><?xml version="1.0" encoding="utf-8"?>
 <p:sld xmlns:a="http://schemas.openxmlformats.org/drawingml/2006/main" xmlns:r="http://schemas.openxmlformats.org/officeDocument/2006/relationships" xmlns:p="http://schemas.openxmlformats.org/presentationml/2006/main">
   <p:cSld>
+    <p:bg>
+      <p:bgPr>
+        <a:solidFill>
+          <a:schemeClr val="bg2"/>
+        </a:solidFill>
+        <a:effectLst/>
+      </p:bgPr>
+    </p:bg>
     <p:spTree>
       <p:nvGrpSpPr>
         <p:cNvPr id="1" name=""/>
@@ -20141,6 +20569,14 @@
 <file path=ppt/slides/slide5.xml><?xml version="1.0" encoding="utf-8"?>
 <p:sld xmlns:a="http://schemas.openxmlformats.org/drawingml/2006/main" xmlns:r="http://schemas.openxmlformats.org/officeDocument/2006/relationships" xmlns:p="http://schemas.openxmlformats.org/presentationml/2006/main">
   <p:cSld>
+    <p:bg>
+      <p:bgPr>
+        <a:solidFill>
+          <a:schemeClr val="bg2"/>
+        </a:solidFill>
+        <a:effectLst/>
+      </p:bgPr>
+    </p:bg>
     <p:spTree>
       <p:nvGrpSpPr>
         <p:cNvPr id="1" name=""/>
@@ -20928,8 +21364,16 @@
                 <a:ea typeface="Calibri" panose="020F0502020204030204" pitchFamily="34" charset="0"/>
                 <a:cs typeface="Arial" panose="020B0604020202020204" pitchFamily="34" charset="0"/>
               </a:rPr>
-              <a:t> and published in August 2000</a:t>
-            </a:r>
+              <a:t> </a:t>
+            </a:r>
+            <a:endParaRPr lang="en-US" sz="2000" dirty="0" smtClean="0">
+              <a:solidFill>
+                <a:prstClr val="black"/>
+              </a:solidFill>
+              <a:latin typeface="Calibri" panose="020F0502020204030204" pitchFamily="34" charset="0"/>
+              <a:ea typeface="Calibri" panose="020F0502020204030204" pitchFamily="34" charset="0"/>
+              <a:cs typeface="Arial" panose="020B0604020202020204" pitchFamily="34" charset="0"/>
+            </a:endParaRPr>
           </a:p>
           <a:p>
             <a:pPr marL="342900" lvl="0" indent="-342900">
@@ -20944,7 +21388,7 @@
               <a:defRPr/>
             </a:pPr>
             <a:r>
-              <a:rPr kumimoji="0" lang="fr-FR" sz="2000" b="0" i="0" u="none" strike="noStrike" kern="1200" cap="none" spc="0" normalizeH="0" baseline="0" noProof="0" dirty="0" err="1">
+              <a:rPr kumimoji="0" lang="fr-FR" sz="2000" b="0" i="0" u="none" strike="noStrike" kern="1200" cap="none" spc="0" normalizeH="0" baseline="0" noProof="0" dirty="0" err="1" smtClean="0">
                 <a:ln>
                   <a:noFill/>
                 </a:ln>
@@ -20961,7 +21405,7 @@
               <a:t>Written</a:t>
             </a:r>
             <a:r>
-              <a:rPr kumimoji="0" lang="fr-FR" sz="2000" b="0" i="0" u="none" strike="noStrike" kern="1200" cap="none" spc="0" normalizeH="0" baseline="0" noProof="0" dirty="0">
+              <a:rPr kumimoji="0" lang="fr-FR" sz="2000" b="0" i="0" u="none" strike="noStrike" kern="1200" cap="none" spc="0" normalizeH="0" baseline="0" noProof="0" dirty="0" smtClean="0">
                 <a:ln>
                   <a:noFill/>
                 </a:ln>
@@ -20975,7 +21419,24 @@
                 <a:ea typeface="+mn-ea"/>
                 <a:cs typeface="Arial" panose="020B0604020202020204" pitchFamily="34" charset="0"/>
               </a:rPr>
-              <a:t> in C </a:t>
+              <a:t> </a:t>
+            </a:r>
+            <a:r>
+              <a:rPr kumimoji="0" lang="fr-FR" sz="2000" b="0" i="0" u="none" strike="noStrike" kern="1200" cap="none" spc="0" normalizeH="0" baseline="0" noProof="0" dirty="0">
+                <a:ln>
+                  <a:noFill/>
+                </a:ln>
+                <a:solidFill>
+                  <a:prstClr val="black"/>
+                </a:solidFill>
+                <a:effectLst/>
+                <a:uLnTx/>
+                <a:uFillTx/>
+                <a:latin typeface="Calibri" panose="020F0502020204030204" pitchFamily="34" charset="0"/>
+                <a:ea typeface="+mn-ea"/>
+                <a:cs typeface="Arial" panose="020B0604020202020204" pitchFamily="34" charset="0"/>
+              </a:rPr>
+              <a:t>in C </a:t>
             </a:r>
             <a:r>
               <a:rPr kumimoji="0" lang="fr-FR" sz="2000" b="0" i="0" u="none" strike="noStrike" kern="1200" cap="none" spc="0" normalizeH="0" baseline="0" noProof="0" dirty="0" err="1">
@@ -21676,6 +22137,14 @@
 <file path=ppt/slides/slide50.xml><?xml version="1.0" encoding="utf-8"?>
 <p:sld xmlns:a="http://schemas.openxmlformats.org/drawingml/2006/main" xmlns:r="http://schemas.openxmlformats.org/officeDocument/2006/relationships" xmlns:p="http://schemas.openxmlformats.org/presentationml/2006/main">
   <p:cSld>
+    <p:bg>
+      <p:bgPr>
+        <a:solidFill>
+          <a:schemeClr val="bg2"/>
+        </a:solidFill>
+        <a:effectLst/>
+      </p:bgPr>
+    </p:bg>
     <p:spTree>
       <p:nvGrpSpPr>
         <p:cNvPr id="1" name=""/>
@@ -21777,6 +22246,10 @@
           <a:lstStyle/>
           <a:p>
             <a:pPr marL="12700" algn="ctr"/>
+            <a:r>
+              <a:rPr lang="fr-FR" sz="2400" dirty="0"/>
+              <a:t/>
+            </a:r>
             <a:br>
               <a:rPr lang="fr-FR" sz="2400" dirty="0"/>
             </a:br>
@@ -22505,6 +22978,14 @@
 <file path=ppt/slides/slide52.xml><?xml version="1.0" encoding="utf-8"?>
 <p:sld xmlns:a="http://schemas.openxmlformats.org/drawingml/2006/main" xmlns:r="http://schemas.openxmlformats.org/officeDocument/2006/relationships" xmlns:p="http://schemas.openxmlformats.org/presentationml/2006/main">
   <p:cSld>
+    <p:bg>
+      <p:bgPr>
+        <a:solidFill>
+          <a:schemeClr val="bg2"/>
+        </a:solidFill>
+        <a:effectLst/>
+      </p:bgPr>
+    </p:bg>
     <p:spTree>
       <p:nvGrpSpPr>
         <p:cNvPr id="1" name=""/>
@@ -22606,6 +23087,10 @@
           <a:lstStyle/>
           <a:p>
             <a:pPr marL="12700" algn="ctr"/>
+            <a:r>
+              <a:rPr lang="fr-FR" sz="2400" dirty="0"/>
+              <a:t/>
+            </a:r>
             <a:br>
               <a:rPr lang="fr-FR" sz="2400" dirty="0"/>
             </a:br>
@@ -23148,6 +23633,14 @@
 <file path=ppt/slides/slide53.xml><?xml version="1.0" encoding="utf-8"?>
 <p:sld xmlns:a="http://schemas.openxmlformats.org/drawingml/2006/main" xmlns:r="http://schemas.openxmlformats.org/officeDocument/2006/relationships" xmlns:p="http://schemas.openxmlformats.org/presentationml/2006/main">
   <p:cSld>
+    <p:bg>
+      <p:bgPr>
+        <a:solidFill>
+          <a:schemeClr val="bg2"/>
+        </a:solidFill>
+        <a:effectLst/>
+      </p:bgPr>
+    </p:bg>
     <p:spTree>
       <p:nvGrpSpPr>
         <p:cNvPr id="1" name=""/>
@@ -23250,6 +23743,10 @@
           <a:lstStyle/>
           <a:p>
             <a:pPr marL="12700" algn="ctr"/>
+            <a:r>
+              <a:rPr lang="fr-FR" sz="2400" dirty="0"/>
+              <a:t/>
+            </a:r>
             <a:br>
               <a:rPr lang="fr-FR" sz="2400" dirty="0"/>
             </a:br>
@@ -23766,6 +24263,14 @@
 <file path=ppt/slides/slide54.xml><?xml version="1.0" encoding="utf-8"?>
 <p:sld xmlns:a="http://schemas.openxmlformats.org/drawingml/2006/main" xmlns:r="http://schemas.openxmlformats.org/officeDocument/2006/relationships" xmlns:p="http://schemas.openxmlformats.org/presentationml/2006/main">
   <p:cSld>
+    <p:bg>
+      <p:bgPr>
+        <a:solidFill>
+          <a:schemeClr val="bg2"/>
+        </a:solidFill>
+        <a:effectLst/>
+      </p:bgPr>
+    </p:bg>
     <p:spTree>
       <p:nvGrpSpPr>
         <p:cNvPr id="1" name=""/>
@@ -24259,6 +24764,14 @@
 <file path=ppt/slides/slide56.xml><?xml version="1.0" encoding="utf-8"?>
 <p:sld xmlns:a="http://schemas.openxmlformats.org/drawingml/2006/main" xmlns:r="http://schemas.openxmlformats.org/officeDocument/2006/relationships" xmlns:p="http://schemas.openxmlformats.org/presentationml/2006/main">
   <p:cSld>
+    <p:bg>
+      <p:bgPr>
+        <a:solidFill>
+          <a:schemeClr val="bg2"/>
+        </a:solidFill>
+        <a:effectLst/>
+      </p:bgPr>
+    </p:bg>
     <p:spTree>
       <p:nvGrpSpPr>
         <p:cNvPr id="1" name=""/>
@@ -24609,6 +25122,14 @@
 <file path=ppt/slides/slide57.xml><?xml version="1.0" encoding="utf-8"?>
 <p:sld xmlns:a="http://schemas.openxmlformats.org/drawingml/2006/main" xmlns:r="http://schemas.openxmlformats.org/officeDocument/2006/relationships" xmlns:p="http://schemas.openxmlformats.org/presentationml/2006/main">
   <p:cSld>
+    <p:bg>
+      <p:bgPr>
+        <a:solidFill>
+          <a:schemeClr val="bg2"/>
+        </a:solidFill>
+        <a:effectLst/>
+      </p:bgPr>
+    </p:bg>
     <p:spTree>
       <p:nvGrpSpPr>
         <p:cNvPr id="1" name=""/>
@@ -24959,6 +25480,14 @@
 <file path=ppt/slides/slide58.xml><?xml version="1.0" encoding="utf-8"?>
 <p:sld xmlns:a="http://schemas.openxmlformats.org/drawingml/2006/main" xmlns:r="http://schemas.openxmlformats.org/officeDocument/2006/relationships" xmlns:p="http://schemas.openxmlformats.org/presentationml/2006/main">
   <p:cSld>
+    <p:bg>
+      <p:bgPr>
+        <a:solidFill>
+          <a:schemeClr val="bg2"/>
+        </a:solidFill>
+        <a:effectLst/>
+      </p:bgPr>
+    </p:bg>
     <p:spTree>
       <p:nvGrpSpPr>
         <p:cNvPr id="1" name=""/>
@@ -25309,6 +25838,14 @@
 <file path=ppt/slides/slide59.xml><?xml version="1.0" encoding="utf-8"?>
 <p:sld xmlns:a="http://schemas.openxmlformats.org/drawingml/2006/main" xmlns:r="http://schemas.openxmlformats.org/officeDocument/2006/relationships" xmlns:p="http://schemas.openxmlformats.org/presentationml/2006/main">
   <p:cSld>
+    <p:bg>
+      <p:bgPr>
+        <a:solidFill>
+          <a:schemeClr val="bg2"/>
+        </a:solidFill>
+        <a:effectLst/>
+      </p:bgPr>
+    </p:bg>
     <p:spTree>
       <p:nvGrpSpPr>
         <p:cNvPr id="1" name=""/>
@@ -25345,6 +25882,10 @@
           <a:lstStyle/>
           <a:p>
             <a:pPr marL="12700" algn="ctr"/>
+            <a:r>
+              <a:rPr lang="fr-FR" sz="2400" dirty="0"/>
+              <a:t/>
+            </a:r>
             <a:br>
               <a:rPr lang="fr-FR" sz="2400" dirty="0"/>
             </a:br>
@@ -26540,6 +27081,14 @@
 <file path=ppt/slides/slide6.xml><?xml version="1.0" encoding="utf-8"?>
 <p:sld xmlns:a="http://schemas.openxmlformats.org/drawingml/2006/main" xmlns:r="http://schemas.openxmlformats.org/officeDocument/2006/relationships" xmlns:p="http://schemas.openxmlformats.org/presentationml/2006/main">
   <p:cSld>
+    <p:bg>
+      <p:bgPr>
+        <a:solidFill>
+          <a:schemeClr val="bg2"/>
+        </a:solidFill>
+        <a:effectLst/>
+      </p:bgPr>
+    </p:bg>
     <p:spTree>
       <p:nvGrpSpPr>
         <p:cNvPr id="1" name=""/>
@@ -26703,6 +27252,23 @@
               <a:tabLst/>
               <a:defRPr/>
             </a:pPr>
+            <a:r>
+              <a:rPr kumimoji="0" lang="fr-FR" sz="2400" b="0" i="0" u="none" strike="noStrike" kern="1200" cap="none" spc="0" normalizeH="0" baseline="0" noProof="0" dirty="0">
+                <a:ln>
+                  <a:noFill/>
+                </a:ln>
+                <a:solidFill>
+                  <a:prstClr val="black"/>
+                </a:solidFill>
+                <a:effectLst/>
+                <a:uLnTx/>
+                <a:uFillTx/>
+                <a:latin typeface="Calibri" panose="020F0502020204030204"/>
+                <a:ea typeface="+mn-ea"/>
+                <a:cs typeface="+mn-cs"/>
+              </a:rPr>
+              <a:t/>
+            </a:r>
             <a:br>
               <a:rPr kumimoji="0" lang="fr-FR" sz="2400" b="0" i="0" u="none" strike="noStrike" kern="1200" cap="none" spc="0" normalizeH="0" baseline="0" noProof="0" dirty="0">
                 <a:ln>
@@ -27086,6 +27652,14 @@
 <file path=ppt/slides/slide60.xml><?xml version="1.0" encoding="utf-8"?>
 <p:sld xmlns:a="http://schemas.openxmlformats.org/drawingml/2006/main" xmlns:r="http://schemas.openxmlformats.org/officeDocument/2006/relationships" xmlns:p="http://schemas.openxmlformats.org/presentationml/2006/main">
   <p:cSld>
+    <p:bg>
+      <p:bgPr>
+        <a:solidFill>
+          <a:schemeClr val="bg2"/>
+        </a:solidFill>
+        <a:effectLst/>
+      </p:bgPr>
+    </p:bg>
     <p:spTree>
       <p:nvGrpSpPr>
         <p:cNvPr id="1" name=""/>
@@ -27122,6 +27696,10 @@
           <a:lstStyle/>
           <a:p>
             <a:pPr marL="12700" algn="ctr"/>
+            <a:r>
+              <a:rPr lang="fr-FR" sz="2400" dirty="0"/>
+              <a:t/>
+            </a:r>
             <a:br>
               <a:rPr lang="fr-FR" sz="2400" dirty="0"/>
             </a:br>
@@ -27862,6 +28440,14 @@
 <file path=ppt/slides/slide61.xml><?xml version="1.0" encoding="utf-8"?>
 <p:sld xmlns:a="http://schemas.openxmlformats.org/drawingml/2006/main" xmlns:r="http://schemas.openxmlformats.org/officeDocument/2006/relationships" xmlns:p="http://schemas.openxmlformats.org/presentationml/2006/main">
   <p:cSld>
+    <p:bg>
+      <p:bgPr>
+        <a:solidFill>
+          <a:schemeClr val="bg2"/>
+        </a:solidFill>
+        <a:effectLst/>
+      </p:bgPr>
+    </p:bg>
     <p:spTree>
       <p:nvGrpSpPr>
         <p:cNvPr id="1" name=""/>
@@ -27898,6 +28484,10 @@
           <a:lstStyle/>
           <a:p>
             <a:pPr marL="12700" algn="ctr"/>
+            <a:r>
+              <a:rPr lang="fr-FR" sz="2400" dirty="0"/>
+              <a:t/>
+            </a:r>
             <a:br>
               <a:rPr lang="fr-FR" sz="2400" dirty="0"/>
             </a:br>
@@ -28583,6 +29173,14 @@
 <file path=ppt/slides/slide62.xml><?xml version="1.0" encoding="utf-8"?>
 <p:sld xmlns:a="http://schemas.openxmlformats.org/drawingml/2006/main" xmlns:r="http://schemas.openxmlformats.org/officeDocument/2006/relationships" xmlns:p="http://schemas.openxmlformats.org/presentationml/2006/main">
   <p:cSld>
+    <p:bg>
+      <p:bgPr>
+        <a:solidFill>
+          <a:schemeClr val="bg2"/>
+        </a:solidFill>
+        <a:effectLst/>
+      </p:bgPr>
+    </p:bg>
     <p:spTree>
       <p:nvGrpSpPr>
         <p:cNvPr id="1" name=""/>
@@ -28619,6 +29217,10 @@
           <a:lstStyle/>
           <a:p>
             <a:pPr marL="12700" algn="ctr"/>
+            <a:r>
+              <a:rPr lang="fr-FR" sz="2400" dirty="0"/>
+              <a:t/>
+            </a:r>
             <a:br>
               <a:rPr lang="fr-FR" sz="2400" dirty="0"/>
             </a:br>
@@ -29476,6 +30078,14 @@
 <file path=ppt/slides/slide63.xml><?xml version="1.0" encoding="utf-8"?>
 <p:sld xmlns:a="http://schemas.openxmlformats.org/drawingml/2006/main" xmlns:r="http://schemas.openxmlformats.org/officeDocument/2006/relationships" xmlns:p="http://schemas.openxmlformats.org/presentationml/2006/main">
   <p:cSld>
+    <p:bg>
+      <p:bgPr>
+        <a:solidFill>
+          <a:schemeClr val="bg2"/>
+        </a:solidFill>
+        <a:effectLst/>
+      </p:bgPr>
+    </p:bg>
     <p:spTree>
       <p:nvGrpSpPr>
         <p:cNvPr id="1" name=""/>
@@ -29603,6 +30213,10 @@
           <a:lstStyle/>
           <a:p>
             <a:pPr marL="12700" algn="ctr"/>
+            <a:r>
+              <a:rPr lang="fr-FR" sz="2400" dirty="0"/>
+              <a:t/>
+            </a:r>
             <a:br>
               <a:rPr lang="fr-FR" sz="2400" dirty="0"/>
             </a:br>
@@ -30070,6 +30684,14 @@
 <file path=ppt/slides/slide64.xml><?xml version="1.0" encoding="utf-8"?>
 <p:sld xmlns:a="http://schemas.openxmlformats.org/drawingml/2006/main" xmlns:r="http://schemas.openxmlformats.org/officeDocument/2006/relationships" xmlns:p="http://schemas.openxmlformats.org/presentationml/2006/main">
   <p:cSld>
+    <p:bg>
+      <p:bgPr>
+        <a:solidFill>
+          <a:schemeClr val="bg2"/>
+        </a:solidFill>
+        <a:effectLst/>
+      </p:bgPr>
+    </p:bg>
     <p:spTree>
       <p:nvGrpSpPr>
         <p:cNvPr id="1" name=""/>
@@ -30209,6 +30831,10 @@
           <a:lstStyle/>
           <a:p>
             <a:pPr marL="12700" algn="ctr"/>
+            <a:r>
+              <a:rPr lang="fr-FR" sz="2400" dirty="0"/>
+              <a:t/>
+            </a:r>
             <a:br>
               <a:rPr lang="fr-FR" sz="2400" dirty="0"/>
             </a:br>
@@ -30684,6 +31310,14 @@
 <file path=ppt/slides/slide65.xml><?xml version="1.0" encoding="utf-8"?>
 <p:sld xmlns:a="http://schemas.openxmlformats.org/drawingml/2006/main" xmlns:r="http://schemas.openxmlformats.org/officeDocument/2006/relationships" xmlns:p="http://schemas.openxmlformats.org/presentationml/2006/main">
   <p:cSld>
+    <p:bg>
+      <p:bgPr>
+        <a:solidFill>
+          <a:schemeClr val="bg2"/>
+        </a:solidFill>
+        <a:effectLst/>
+      </p:bgPr>
+    </p:bg>
     <p:spTree>
       <p:nvGrpSpPr>
         <p:cNvPr id="1" name=""/>
@@ -30720,6 +31354,10 @@
           <a:lstStyle/>
           <a:p>
             <a:pPr marL="12700" algn="ctr"/>
+            <a:r>
+              <a:rPr lang="fr-FR" sz="2400" dirty="0"/>
+              <a:t/>
+            </a:r>
             <a:br>
               <a:rPr lang="fr-FR" sz="2400" dirty="0"/>
             </a:br>
@@ -31320,6 +31958,14 @@
 <file path=ppt/slides/slide66.xml><?xml version="1.0" encoding="utf-8"?>
 <p:sld xmlns:a="http://schemas.openxmlformats.org/drawingml/2006/main" xmlns:r="http://schemas.openxmlformats.org/officeDocument/2006/relationships" xmlns:p="http://schemas.openxmlformats.org/presentationml/2006/main">
   <p:cSld>
+    <p:bg>
+      <p:bgPr>
+        <a:solidFill>
+          <a:schemeClr val="bg2"/>
+        </a:solidFill>
+        <a:effectLst/>
+      </p:bgPr>
+    </p:bg>
     <p:spTree>
       <p:nvGrpSpPr>
         <p:cNvPr id="1" name=""/>
@@ -31356,6 +32002,10 @@
           <a:lstStyle/>
           <a:p>
             <a:pPr marL="12700" algn="ctr"/>
+            <a:r>
+              <a:rPr lang="fr-FR" sz="2400" dirty="0"/>
+              <a:t/>
+            </a:r>
             <a:br>
               <a:rPr lang="fr-FR" sz="2400" dirty="0"/>
             </a:br>
@@ -32257,6 +32907,14 @@
 <file path=ppt/slides/slide68.xml><?xml version="1.0" encoding="utf-8"?>
 <p:sld xmlns:a="http://schemas.openxmlformats.org/drawingml/2006/main" xmlns:r="http://schemas.openxmlformats.org/officeDocument/2006/relationships" xmlns:p="http://schemas.openxmlformats.org/presentationml/2006/main">
   <p:cSld>
+    <p:bg>
+      <p:bgPr>
+        <a:solidFill>
+          <a:schemeClr val="bg2"/>
+        </a:solidFill>
+        <a:effectLst/>
+      </p:bgPr>
+    </p:bg>
     <p:spTree>
       <p:nvGrpSpPr>
         <p:cNvPr id="1" name=""/>
@@ -32408,6 +33066,10 @@
           <a:lstStyle/>
           <a:p>
             <a:pPr marL="12700" algn="ctr"/>
+            <a:r>
+              <a:rPr lang="fr-FR" sz="2400" dirty="0"/>
+              <a:t/>
+            </a:r>
             <a:br>
               <a:rPr lang="fr-FR" sz="2400" dirty="0"/>
             </a:br>
@@ -33210,6 +33872,14 @@
 <file path=ppt/slides/slide69.xml><?xml version="1.0" encoding="utf-8"?>
 <p:sld xmlns:a="http://schemas.openxmlformats.org/drawingml/2006/main" xmlns:r="http://schemas.openxmlformats.org/officeDocument/2006/relationships" xmlns:p="http://schemas.openxmlformats.org/presentationml/2006/main">
   <p:cSld>
+    <p:bg>
+      <p:bgPr>
+        <a:solidFill>
+          <a:schemeClr val="bg2"/>
+        </a:solidFill>
+        <a:effectLst/>
+      </p:bgPr>
+    </p:bg>
     <p:spTree>
       <p:nvGrpSpPr>
         <p:cNvPr id="1" name=""/>
@@ -33379,6 +34049,10 @@
           <a:lstStyle/>
           <a:p>
             <a:pPr marL="12700" algn="ctr"/>
+            <a:r>
+              <a:rPr lang="fr-FR" sz="2400" dirty="0"/>
+              <a:t/>
+            </a:r>
             <a:br>
               <a:rPr lang="fr-FR" sz="2400" dirty="0"/>
             </a:br>
@@ -34147,7 +34821,7 @@
     <p:bg>
       <p:bgPr>
         <a:solidFill>
-          <a:srgbClr val="0087AF"/>
+          <a:srgbClr val="C00000"/>
         </a:solidFill>
         <a:effectLst/>
       </p:bgPr>
@@ -34465,6 +35139,14 @@
 <file path=ppt/slides/slide8.xml><?xml version="1.0" encoding="utf-8"?>
 <p:sld xmlns:a="http://schemas.openxmlformats.org/drawingml/2006/main" xmlns:r="http://schemas.openxmlformats.org/officeDocument/2006/relationships" xmlns:p="http://schemas.openxmlformats.org/presentationml/2006/main">
   <p:cSld>
+    <p:bg>
+      <p:bgPr>
+        <a:solidFill>
+          <a:schemeClr val="bg2"/>
+        </a:solidFill>
+        <a:effectLst/>
+      </p:bgPr>
+    </p:bg>
     <p:spTree>
       <p:nvGrpSpPr>
         <p:cNvPr id="1" name=""/>
@@ -34566,6 +35248,10 @@
           <a:lstStyle/>
           <a:p>
             <a:pPr marL="12700" algn="ctr"/>
+            <a:r>
+              <a:rPr lang="fr-FR" sz="2400" dirty="0"/>
+              <a:t/>
+            </a:r>
             <a:br>
               <a:rPr lang="fr-FR" sz="2400" dirty="0"/>
             </a:br>
@@ -36067,6 +36753,14 @@
 <file path=ppt/slides/slide9.xml><?xml version="1.0" encoding="utf-8"?>
 <p:sld xmlns:a="http://schemas.openxmlformats.org/drawingml/2006/main" xmlns:r="http://schemas.openxmlformats.org/officeDocument/2006/relationships" xmlns:p="http://schemas.openxmlformats.org/presentationml/2006/main">
   <p:cSld>
+    <p:bg>
+      <p:bgPr>
+        <a:solidFill>
+          <a:schemeClr val="bg2"/>
+        </a:solidFill>
+        <a:effectLst/>
+      </p:bgPr>
+    </p:bg>
     <p:spTree>
       <p:nvGrpSpPr>
         <p:cNvPr id="1" name=""/>
@@ -36081,41 +36775,6 @@
           <a:chExt cx="0" cy="0"/>
         </a:xfrm>
       </p:grpSpPr>
-      <p:cxnSp>
-        <p:nvCxnSpPr>
-          <p:cNvPr id="2" name="Connecteur droit 25"/>
-          <p:cNvCxnSpPr/>
-          <p:nvPr/>
-        </p:nvCxnSpPr>
-        <p:spPr>
-          <a:xfrm flipV="1">
-            <a:off x="0" y="1073629"/>
-            <a:ext cx="6035040" cy="0"/>
-          </a:xfrm>
-          <a:prstGeom prst="line">
-            <a:avLst/>
-          </a:prstGeom>
-          <a:ln>
-            <a:solidFill>
-              <a:srgbClr val="0087AF"/>
-            </a:solidFill>
-          </a:ln>
-        </p:spPr>
-        <p:style>
-          <a:lnRef idx="2">
-            <a:schemeClr val="accent6"/>
-          </a:lnRef>
-          <a:fillRef idx="0">
-            <a:schemeClr val="accent6"/>
-          </a:fillRef>
-          <a:effectRef idx="1">
-            <a:schemeClr val="accent6"/>
-          </a:effectRef>
-          <a:fontRef idx="minor">
-            <a:schemeClr val="tx1"/>
-          </a:fontRef>
-        </p:style>
-      </p:cxnSp>
       <p:sp>
         <p:nvSpPr>
           <p:cNvPr id="3" name="Titre 1"/>
@@ -36126,8 +36785,8 @@
         </p:nvSpPr>
         <p:spPr>
           <a:xfrm>
-            <a:off x="-1757520" y="422361"/>
-            <a:ext cx="10515600" cy="810950"/>
+            <a:off x="3653015" y="150416"/>
+            <a:ext cx="5161902" cy="810950"/>
           </a:xfrm>
           <a:prstGeom prst="rect">
             <a:avLst/>
@@ -36158,21 +36817,12 @@
           </a:lstStyle>
           <a:p>
             <a:r>
-              <a:rPr lang="fr-FR" sz="3800" dirty="0">
-                <a:solidFill>
-                  <a:prstClr val="black">
-                    <a:lumMod val="85000"/>
-                    <a:lumOff val="15000"/>
-                  </a:prstClr>
-                </a:solidFill>
-                <a:latin typeface="Segoe UI" panose="020B0502040204020203" pitchFamily="34" charset="0"/>
-                <a:cs typeface="Segoe UI" panose="020B0502040204020203" pitchFamily="34" charset="0"/>
-              </a:rPr>
-              <a:t>                    </a:t>
+              <a:rPr lang="fr-FR" b="1" dirty="0" smtClean="0"/>
+              <a:t>DB </a:t>
             </a:r>
             <a:r>
               <a:rPr lang="fr-FR" b="1" dirty="0"/>
-              <a:t>DB Browser for </a:t>
+              <a:t>Browser for </a:t>
             </a:r>
             <a:r>
               <a:rPr lang="fr-FR" b="1" dirty="0" err="1"/>
@@ -36215,6 +36865,10 @@
           <a:lstStyle/>
           <a:p>
             <a:pPr marL="12700" algn="ctr"/>
+            <a:r>
+              <a:rPr lang="fr-FR" sz="2400" dirty="0"/>
+              <a:t/>
+            </a:r>
             <a:br>
               <a:rPr lang="fr-FR" sz="2400" dirty="0"/>
             </a:br>
@@ -36249,8 +36903,8 @@
         </p:blipFill>
         <p:spPr>
           <a:xfrm>
-            <a:off x="6492241" y="1878227"/>
-            <a:ext cx="5126606" cy="2670976"/>
+            <a:off x="6492241" y="1407505"/>
+            <a:ext cx="5126606" cy="3141698"/>
           </a:xfrm>
           <a:prstGeom prst="rect">
             <a:avLst/>
@@ -36336,96 +36990,6 @@
           </a:p>
         </p:txBody>
       </p:sp>
-      <p:pic>
-        <p:nvPicPr>
-          <p:cNvPr id="10" name="Image 16"/>
-          <p:cNvPicPr>
-            <a:picLocks noChangeAspect="1"/>
-          </p:cNvPicPr>
-          <p:nvPr/>
-        </p:nvPicPr>
-        <p:blipFill>
-          <a:blip r:embed="rId3" cstate="print">
-            <a:extLst>
-              <a:ext uri="{28A0092B-C50C-407E-A947-70E740481C1C}">
-                <a14:useLocalDpi xmlns:a14="http://schemas.microsoft.com/office/drawing/2010/main" val="0"/>
-              </a:ext>
-            </a:extLst>
-          </a:blip>
-          <a:stretch>
-            <a:fillRect/>
-          </a:stretch>
-        </p:blipFill>
-        <p:spPr>
-          <a:xfrm>
-            <a:off x="188382" y="1557883"/>
-            <a:ext cx="543056" cy="543056"/>
-          </a:xfrm>
-          <a:prstGeom prst="rect">
-            <a:avLst/>
-          </a:prstGeom>
-        </p:spPr>
-      </p:pic>
-      <p:pic>
-        <p:nvPicPr>
-          <p:cNvPr id="12" name="Image 16"/>
-          <p:cNvPicPr>
-            <a:picLocks noChangeAspect="1"/>
-          </p:cNvPicPr>
-          <p:nvPr/>
-        </p:nvPicPr>
-        <p:blipFill>
-          <a:blip r:embed="rId3" cstate="print">
-            <a:extLst>
-              <a:ext uri="{28A0092B-C50C-407E-A947-70E740481C1C}">
-                <a14:useLocalDpi xmlns:a14="http://schemas.microsoft.com/office/drawing/2010/main" val="0"/>
-              </a:ext>
-            </a:extLst>
-          </a:blip>
-          <a:stretch>
-            <a:fillRect/>
-          </a:stretch>
-        </p:blipFill>
-        <p:spPr>
-          <a:xfrm>
-            <a:off x="188382" y="3869220"/>
-            <a:ext cx="543056" cy="543056"/>
-          </a:xfrm>
-          <a:prstGeom prst="rect">
-            <a:avLst/>
-          </a:prstGeom>
-        </p:spPr>
-      </p:pic>
-      <p:pic>
-        <p:nvPicPr>
-          <p:cNvPr id="13" name="Image 16"/>
-          <p:cNvPicPr>
-            <a:picLocks noChangeAspect="1"/>
-          </p:cNvPicPr>
-          <p:nvPr/>
-        </p:nvPicPr>
-        <p:blipFill>
-          <a:blip r:embed="rId3" cstate="print">
-            <a:extLst>
-              <a:ext uri="{28A0092B-C50C-407E-A947-70E740481C1C}">
-                <a14:useLocalDpi xmlns:a14="http://schemas.microsoft.com/office/drawing/2010/main" val="0"/>
-              </a:ext>
-            </a:extLst>
-          </a:blip>
-          <a:stretch>
-            <a:fillRect/>
-          </a:stretch>
-        </p:blipFill>
-        <p:spPr>
-          <a:xfrm>
-            <a:off x="169183" y="2712614"/>
-            <a:ext cx="543056" cy="543056"/>
-          </a:xfrm>
-          <a:prstGeom prst="rect">
-            <a:avLst/>
-          </a:prstGeom>
-        </p:spPr>
-      </p:pic>
       <p:sp>
         <p:nvSpPr>
           <p:cNvPr id="14" name="TextBox 13"/>
@@ -36453,35 +37017,6 @@
               <a:t>SQL Requests capable with results inspection.</a:t>
             </a:r>
             <a:endParaRPr lang="fr-FR" dirty="0"/>
-          </a:p>
-        </p:txBody>
-      </p:sp>
-      <p:sp>
-        <p:nvSpPr>
-          <p:cNvPr id="17" name="TextBox 16"/>
-          <p:cNvSpPr txBox="1"/>
-          <p:nvPr/>
-        </p:nvSpPr>
-        <p:spPr>
-          <a:xfrm>
-            <a:off x="6492241" y="1233311"/>
-            <a:ext cx="3762102" cy="477054"/>
-          </a:xfrm>
-          <a:prstGeom prst="rect">
-            <a:avLst/>
-          </a:prstGeom>
-          <a:noFill/>
-        </p:spPr>
-        <p:txBody>
-          <a:bodyPr wrap="square" rtlCol="0">
-            <a:spAutoFit/>
-          </a:bodyPr>
-          <a:lstStyle/>
-          <a:p>
-            <a:r>
-              <a:rPr lang="fr-FR" sz="2500" dirty="0"/>
-              <a:t>https://sqlitebrowser.org</a:t>
-            </a:r>
           </a:p>
         </p:txBody>
       </p:sp>
@@ -36507,6 +37042,9 @@
                     <p:cTn id="3" fill="hold">
                       <p:stCondLst>
                         <p:cond delay="indefinite"/>
+                        <p:cond evt="onBegin" delay="0">
+                          <p:tn val="2"/>
+                        </p:cond>
                       </p:stCondLst>
                       <p:childTnLst>
                         <p:par>
@@ -36516,7 +37054,7 @@
                             </p:stCondLst>
                             <p:childTnLst>
                               <p:par>
-                                <p:cTn id="5" presetID="42" presetClass="entr" presetSubtype="0" fill="hold" nodeType="clickEffect">
+                                <p:cTn id="5" presetID="42" presetClass="entr" presetSubtype="0" fill="hold" grpId="0" nodeType="withEffect">
                                   <p:stCondLst>
                                     <p:cond delay="0"/>
                                   </p:stCondLst>
@@ -36529,7 +37067,7 @@
                                           </p:stCondLst>
                                         </p:cTn>
                                         <p:tgtEl>
-                                          <p:spTgt spid="10"/>
+                                          <p:spTgt spid="7"/>
                                         </p:tgtEl>
                                         <p:attrNameLst>
                                           <p:attrName>style.visibility</p:attrName>
@@ -36543,7 +37081,7 @@
                                       <p:cBhvr>
                                         <p:cTn id="7" dur="1000"/>
                                         <p:tgtEl>
-                                          <p:spTgt spid="10"/>
+                                          <p:spTgt spid="7"/>
                                         </p:tgtEl>
                                       </p:cBhvr>
                                     </p:animEffect>
@@ -36551,7 +37089,7 @@
                                       <p:cBhvr>
                                         <p:cTn id="8" dur="1000" fill="hold"/>
                                         <p:tgtEl>
-                                          <p:spTgt spid="10"/>
+                                          <p:spTgt spid="7"/>
                                         </p:tgtEl>
                                         <p:attrNameLst>
                                           <p:attrName>ppt_x</p:attrName>
@@ -36574,7 +37112,7 @@
                                       <p:cBhvr>
                                         <p:cTn id="9" dur="1000" fill="hold"/>
                                         <p:tgtEl>
-                                          <p:spTgt spid="10"/>
+                                          <p:spTgt spid="7"/>
                                         </p:tgtEl>
                                         <p:attrNameLst>
                                           <p:attrName>ppt_y</p:attrName>
@@ -36610,7 +37148,7 @@
                                           </p:stCondLst>
                                         </p:cTn>
                                         <p:tgtEl>
-                                          <p:spTgt spid="7"/>
+                                          <p:spTgt spid="14"/>
                                         </p:tgtEl>
                                         <p:attrNameLst>
                                           <p:attrName>style.visibility</p:attrName>
@@ -36624,193 +37162,13 @@
                                       <p:cBhvr>
                                         <p:cTn id="12" dur="1000"/>
                                         <p:tgtEl>
-                                          <p:spTgt spid="7"/>
+                                          <p:spTgt spid="14"/>
                                         </p:tgtEl>
                                       </p:cBhvr>
                                     </p:animEffect>
                                     <p:anim calcmode="lin" valueType="num">
                                       <p:cBhvr>
                                         <p:cTn id="13" dur="1000" fill="hold"/>
-                                        <p:tgtEl>
-                                          <p:spTgt spid="7"/>
-                                        </p:tgtEl>
-                                        <p:attrNameLst>
-                                          <p:attrName>ppt_x</p:attrName>
-                                        </p:attrNameLst>
-                                      </p:cBhvr>
-                                      <p:tavLst>
-                                        <p:tav tm="0">
-                                          <p:val>
-                                            <p:strVal val="#ppt_x"/>
-                                          </p:val>
-                                        </p:tav>
-                                        <p:tav tm="100000">
-                                          <p:val>
-                                            <p:strVal val="#ppt_x"/>
-                                          </p:val>
-                                        </p:tav>
-                                      </p:tavLst>
-                                    </p:anim>
-                                    <p:anim calcmode="lin" valueType="num">
-                                      <p:cBhvr>
-                                        <p:cTn id="14" dur="1000" fill="hold"/>
-                                        <p:tgtEl>
-                                          <p:spTgt spid="7"/>
-                                        </p:tgtEl>
-                                        <p:attrNameLst>
-                                          <p:attrName>ppt_y</p:attrName>
-                                        </p:attrNameLst>
-                                      </p:cBhvr>
-                                      <p:tavLst>
-                                        <p:tav tm="0">
-                                          <p:val>
-                                            <p:strVal val="#ppt_y+.1"/>
-                                          </p:val>
-                                        </p:tav>
-                                        <p:tav tm="100000">
-                                          <p:val>
-                                            <p:strVal val="#ppt_y"/>
-                                          </p:val>
-                                        </p:tav>
-                                      </p:tavLst>
-                                    </p:anim>
-                                  </p:childTnLst>
-                                </p:cTn>
-                              </p:par>
-                            </p:childTnLst>
-                          </p:cTn>
-                        </p:par>
-                      </p:childTnLst>
-                    </p:cTn>
-                  </p:par>
-                  <p:par>
-                    <p:cTn id="15" fill="hold">
-                      <p:stCondLst>
-                        <p:cond delay="indefinite"/>
-                      </p:stCondLst>
-                      <p:childTnLst>
-                        <p:par>
-                          <p:cTn id="16" fill="hold">
-                            <p:stCondLst>
-                              <p:cond delay="0"/>
-                            </p:stCondLst>
-                            <p:childTnLst>
-                              <p:par>
-                                <p:cTn id="17" presetID="42" presetClass="entr" presetSubtype="0" fill="hold" nodeType="clickEffect">
-                                  <p:stCondLst>
-                                    <p:cond delay="0"/>
-                                  </p:stCondLst>
-                                  <p:childTnLst>
-                                    <p:set>
-                                      <p:cBhvr>
-                                        <p:cTn id="18" dur="1" fill="hold">
-                                          <p:stCondLst>
-                                            <p:cond delay="0"/>
-                                          </p:stCondLst>
-                                        </p:cTn>
-                                        <p:tgtEl>
-                                          <p:spTgt spid="13"/>
-                                        </p:tgtEl>
-                                        <p:attrNameLst>
-                                          <p:attrName>style.visibility</p:attrName>
-                                        </p:attrNameLst>
-                                      </p:cBhvr>
-                                      <p:to>
-                                        <p:strVal val="visible"/>
-                                      </p:to>
-                                    </p:set>
-                                    <p:animEffect transition="in" filter="fade">
-                                      <p:cBhvr>
-                                        <p:cTn id="19" dur="1000"/>
-                                        <p:tgtEl>
-                                          <p:spTgt spid="13"/>
-                                        </p:tgtEl>
-                                      </p:cBhvr>
-                                    </p:animEffect>
-                                    <p:anim calcmode="lin" valueType="num">
-                                      <p:cBhvr>
-                                        <p:cTn id="20" dur="1000" fill="hold"/>
-                                        <p:tgtEl>
-                                          <p:spTgt spid="13"/>
-                                        </p:tgtEl>
-                                        <p:attrNameLst>
-                                          <p:attrName>ppt_x</p:attrName>
-                                        </p:attrNameLst>
-                                      </p:cBhvr>
-                                      <p:tavLst>
-                                        <p:tav tm="0">
-                                          <p:val>
-                                            <p:strVal val="#ppt_x"/>
-                                          </p:val>
-                                        </p:tav>
-                                        <p:tav tm="100000">
-                                          <p:val>
-                                            <p:strVal val="#ppt_x"/>
-                                          </p:val>
-                                        </p:tav>
-                                      </p:tavLst>
-                                    </p:anim>
-                                    <p:anim calcmode="lin" valueType="num">
-                                      <p:cBhvr>
-                                        <p:cTn id="21" dur="1000" fill="hold"/>
-                                        <p:tgtEl>
-                                          <p:spTgt spid="13"/>
-                                        </p:tgtEl>
-                                        <p:attrNameLst>
-                                          <p:attrName>ppt_y</p:attrName>
-                                        </p:attrNameLst>
-                                      </p:cBhvr>
-                                      <p:tavLst>
-                                        <p:tav tm="0">
-                                          <p:val>
-                                            <p:strVal val="#ppt_y+.1"/>
-                                          </p:val>
-                                        </p:tav>
-                                        <p:tav tm="100000">
-                                          <p:val>
-                                            <p:strVal val="#ppt_y"/>
-                                          </p:val>
-                                        </p:tav>
-                                      </p:tavLst>
-                                    </p:anim>
-                                  </p:childTnLst>
-                                </p:cTn>
-                              </p:par>
-                              <p:par>
-                                <p:cTn id="22" presetID="42" presetClass="entr" presetSubtype="0" fill="hold" grpId="0" nodeType="withEffect">
-                                  <p:stCondLst>
-                                    <p:cond delay="0"/>
-                                  </p:stCondLst>
-                                  <p:childTnLst>
-                                    <p:set>
-                                      <p:cBhvr>
-                                        <p:cTn id="23" dur="1" fill="hold">
-                                          <p:stCondLst>
-                                            <p:cond delay="0"/>
-                                          </p:stCondLst>
-                                        </p:cTn>
-                                        <p:tgtEl>
-                                          <p:spTgt spid="14"/>
-                                        </p:tgtEl>
-                                        <p:attrNameLst>
-                                          <p:attrName>style.visibility</p:attrName>
-                                        </p:attrNameLst>
-                                      </p:cBhvr>
-                                      <p:to>
-                                        <p:strVal val="visible"/>
-                                      </p:to>
-                                    </p:set>
-                                    <p:animEffect transition="in" filter="fade">
-                                      <p:cBhvr>
-                                        <p:cTn id="24" dur="1000"/>
-                                        <p:tgtEl>
-                                          <p:spTgt spid="14"/>
-                                        </p:tgtEl>
-                                      </p:cBhvr>
-                                    </p:animEffect>
-                                    <p:anim calcmode="lin" valueType="num">
-                                      <p:cBhvr>
-                                        <p:cTn id="25" dur="1000" fill="hold"/>
                                         <p:tgtEl>
                                           <p:spTgt spid="14"/>
                                         </p:tgtEl>
@@ -36833,7 +37191,7 @@
                                     </p:anim>
                                     <p:anim calcmode="lin" valueType="num">
                                       <p:cBhvr>
-                                        <p:cTn id="26" dur="1000" fill="hold"/>
+                                        <p:cTn id="14" dur="1000" fill="hold"/>
                                         <p:tgtEl>
                                           <p:spTgt spid="14"/>
                                         </p:tgtEl>
@@ -36857,114 +37215,15 @@
                                   </p:childTnLst>
                                 </p:cTn>
                               </p:par>
-                            </p:childTnLst>
-                          </p:cTn>
-                        </p:par>
-                      </p:childTnLst>
-                    </p:cTn>
-                  </p:par>
-                  <p:par>
-                    <p:cTn id="27" fill="hold">
-                      <p:stCondLst>
-                        <p:cond delay="indefinite"/>
-                      </p:stCondLst>
-                      <p:childTnLst>
-                        <p:par>
-                          <p:cTn id="28" fill="hold">
-                            <p:stCondLst>
-                              <p:cond delay="0"/>
-                            </p:stCondLst>
-                            <p:childTnLst>
                               <p:par>
-                                <p:cTn id="29" presetID="42" presetClass="entr" presetSubtype="0" fill="hold" nodeType="clickEffect">
+                                <p:cTn id="15" presetID="42" presetClass="entr" presetSubtype="0" fill="hold" grpId="0" nodeType="withEffect">
                                   <p:stCondLst>
                                     <p:cond delay="0"/>
                                   </p:stCondLst>
                                   <p:childTnLst>
                                     <p:set>
                                       <p:cBhvr>
-                                        <p:cTn id="30" dur="1" fill="hold">
-                                          <p:stCondLst>
-                                            <p:cond delay="0"/>
-                                          </p:stCondLst>
-                                        </p:cTn>
-                                        <p:tgtEl>
-                                          <p:spTgt spid="12"/>
-                                        </p:tgtEl>
-                                        <p:attrNameLst>
-                                          <p:attrName>style.visibility</p:attrName>
-                                        </p:attrNameLst>
-                                      </p:cBhvr>
-                                      <p:to>
-                                        <p:strVal val="visible"/>
-                                      </p:to>
-                                    </p:set>
-                                    <p:animEffect transition="in" filter="fade">
-                                      <p:cBhvr>
-                                        <p:cTn id="31" dur="1000"/>
-                                        <p:tgtEl>
-                                          <p:spTgt spid="12"/>
-                                        </p:tgtEl>
-                                      </p:cBhvr>
-                                    </p:animEffect>
-                                    <p:anim calcmode="lin" valueType="num">
-                                      <p:cBhvr>
-                                        <p:cTn id="32" dur="1000" fill="hold"/>
-                                        <p:tgtEl>
-                                          <p:spTgt spid="12"/>
-                                        </p:tgtEl>
-                                        <p:attrNameLst>
-                                          <p:attrName>ppt_x</p:attrName>
-                                        </p:attrNameLst>
-                                      </p:cBhvr>
-                                      <p:tavLst>
-                                        <p:tav tm="0">
-                                          <p:val>
-                                            <p:strVal val="#ppt_x"/>
-                                          </p:val>
-                                        </p:tav>
-                                        <p:tav tm="100000">
-                                          <p:val>
-                                            <p:strVal val="#ppt_x"/>
-                                          </p:val>
-                                        </p:tav>
-                                      </p:tavLst>
-                                    </p:anim>
-                                    <p:anim calcmode="lin" valueType="num">
-                                      <p:cBhvr>
-                                        <p:cTn id="33" dur="1000" fill="hold"/>
-                                        <p:tgtEl>
-                                          <p:spTgt spid="12"/>
-                                        </p:tgtEl>
-                                        <p:attrNameLst>
-                                          <p:attrName>ppt_y</p:attrName>
-                                        </p:attrNameLst>
-                                      </p:cBhvr>
-                                      <p:tavLst>
-                                        <p:tav tm="0">
-                                          <p:val>
-                                            <p:strVal val="#ppt_y+.1"/>
-                                          </p:val>
-                                        </p:tav>
-                                        <p:tav tm="100000">
-                                          <p:val>
-                                            <p:strVal val="#ppt_y"/>
-                                          </p:val>
-                                        </p:tav>
-                                      </p:tavLst>
-                                    </p:anim>
-                                  </p:childTnLst>
-                                </p:cTn>
-                              </p:par>
-                              <p:par>
-                                <p:cTn id="34" presetID="42" presetClass="entr" presetSubtype="0" fill="hold" grpId="0" nodeType="withEffect">
-                                  <p:stCondLst>
-                                    <p:cond delay="0"/>
-                                  </p:stCondLst>
-                                  <p:childTnLst>
-                                    <p:set>
-                                      <p:cBhvr>
-                                        <p:cTn id="35" dur="1" fill="hold">
+                                        <p:cTn id="16" dur="1" fill="hold">
                                           <p:stCondLst>
                                             <p:cond delay="0"/>
                                           </p:stCondLst>
@@ -36982,7 +37241,7 @@
                                     </p:set>
                                     <p:animEffect transition="in" filter="fade">
                                       <p:cBhvr>
-                                        <p:cTn id="36" dur="1000"/>
+                                        <p:cTn id="17" dur="1000"/>
                                         <p:tgtEl>
                                           <p:spTgt spid="9"/>
                                         </p:tgtEl>
@@ -36990,7 +37249,7 @@
                                     </p:animEffect>
                                     <p:anim calcmode="lin" valueType="num">
                                       <p:cBhvr>
-                                        <p:cTn id="37" dur="1000" fill="hold"/>
+                                        <p:cTn id="18" dur="1000" fill="hold"/>
                                         <p:tgtEl>
                                           <p:spTgt spid="9"/>
                                         </p:tgtEl>
@@ -37013,7 +37272,7 @@
                                     </p:anim>
                                     <p:anim calcmode="lin" valueType="num">
                                       <p:cBhvr>
-                                        <p:cTn id="38" dur="1000" fill="hold"/>
+                                        <p:cTn id="19" dur="1000" fill="hold"/>
                                         <p:tgtEl>
                                           <p:spTgt spid="9"/>
                                         </p:tgtEl>

--- a/Presentation-projet-SQLite (1) - Copy.pptx
+++ b/Presentation-projet-SQLite (1) - Copy.pptx
@@ -7994,6 +7994,13 @@
   <p:clrMapOvr>
     <a:masterClrMapping/>
   </p:clrMapOvr>
+  <p:timing>
+    <p:tnLst>
+      <p:par>
+        <p:cTn id="1" dur="indefinite" restart="never" nodeType="tmRoot"/>
+      </p:par>
+    </p:tnLst>
+  </p:timing>
 </p:sld>
 </file>
 
@@ -8238,6 +8245,13 @@
   <p:clrMapOvr>
     <a:masterClrMapping/>
   </p:clrMapOvr>
+  <p:timing>
+    <p:tnLst>
+      <p:par>
+        <p:cTn id="1" dur="indefinite" restart="never" nodeType="tmRoot"/>
+      </p:par>
+    </p:tnLst>
+  </p:timing>
 </p:sld>
 </file>
 
@@ -8469,6 +8483,13 @@
   <p:clrMapOvr>
     <a:masterClrMapping/>
   </p:clrMapOvr>
+  <p:timing>
+    <p:tnLst>
+      <p:par>
+        <p:cTn id="1" dur="indefinite" restart="never" nodeType="tmRoot"/>
+      </p:par>
+    </p:tnLst>
+  </p:timing>
 </p:sld>
 </file>
 
@@ -11199,6 +11220,13 @@
   <p:clrMapOvr>
     <a:masterClrMapping/>
   </p:clrMapOvr>
+  <p:timing>
+    <p:tnLst>
+      <p:par>
+        <p:cTn id="1" dur="indefinite" restart="never" nodeType="tmRoot"/>
+      </p:par>
+    </p:tnLst>
+  </p:timing>
 </p:sld>
 </file>
 
@@ -11422,6 +11450,13 @@
   <p:clrMapOvr>
     <a:masterClrMapping/>
   </p:clrMapOvr>
+  <p:timing>
+    <p:tnLst>
+      <p:par>
+        <p:cTn id="1" dur="indefinite" restart="never" nodeType="tmRoot"/>
+      </p:par>
+    </p:tnLst>
+  </p:timing>
 </p:sld>
 </file>
 
@@ -11680,6 +11715,13 @@
   <p:clrMapOvr>
     <a:masterClrMapping/>
   </p:clrMapOvr>
+  <p:timing>
+    <p:tnLst>
+      <p:par>
+        <p:cTn id="1" dur="indefinite" restart="never" nodeType="tmRoot"/>
+      </p:par>
+    </p:tnLst>
+  </p:timing>
 </p:sld>
 </file>
 
@@ -11886,6 +11928,13 @@
   <p:clrMapOvr>
     <a:masterClrMapping/>
   </p:clrMapOvr>
+  <p:timing>
+    <p:tnLst>
+      <p:par>
+        <p:cTn id="1" dur="indefinite" restart="never" nodeType="tmRoot"/>
+      </p:par>
+    </p:tnLst>
+  </p:timing>
 </p:sld>
 </file>
 
@@ -12105,6 +12154,13 @@
   <p:clrMapOvr>
     <a:masterClrMapping/>
   </p:clrMapOvr>
+  <p:timing>
+    <p:tnLst>
+      <p:par>
+        <p:cTn id="1" dur="indefinite" restart="never" nodeType="tmRoot"/>
+      </p:par>
+    </p:tnLst>
+  </p:timing>
 </p:sld>
 </file>
 
@@ -12338,6 +12394,13 @@
   <p:clrMapOvr>
     <a:masterClrMapping/>
   </p:clrMapOvr>
+  <p:timing>
+    <p:tnLst>
+      <p:par>
+        <p:cTn id="1" dur="indefinite" restart="never" nodeType="tmRoot"/>
+      </p:par>
+    </p:tnLst>
+  </p:timing>
 </p:sld>
 </file>
 
@@ -12560,6 +12623,13 @@
   <p:clrMapOvr>
     <a:masterClrMapping/>
   </p:clrMapOvr>
+  <p:timing>
+    <p:tnLst>
+      <p:par>
+        <p:cTn id="1" dur="indefinite" restart="never" nodeType="tmRoot"/>
+      </p:par>
+    </p:tnLst>
+  </p:timing>
 </p:sld>
 </file>
 
@@ -12756,6 +12826,13 @@
   <p:clrMapOvr>
     <a:masterClrMapping/>
   </p:clrMapOvr>
+  <p:timing>
+    <p:tnLst>
+      <p:par>
+        <p:cTn id="1" dur="indefinite" restart="never" nodeType="tmRoot"/>
+      </p:par>
+    </p:tnLst>
+  </p:timing>
 </p:sld>
 </file>
 
@@ -12903,6 +12980,13 @@
   <p:clrMapOvr>
     <a:masterClrMapping/>
   </p:clrMapOvr>
+  <p:timing>
+    <p:tnLst>
+      <p:par>
+        <p:cTn id="1" dur="indefinite" restart="never" nodeType="tmRoot"/>
+      </p:par>
+    </p:tnLst>
+  </p:timing>
 </p:sld>
 </file>
 
@@ -13099,6 +13183,13 @@
   <p:clrMapOvr>
     <a:masterClrMapping/>
   </p:clrMapOvr>
+  <p:timing>
+    <p:tnLst>
+      <p:par>
+        <p:cTn id="1" dur="indefinite" restart="never" nodeType="tmRoot"/>
+      </p:par>
+    </p:tnLst>
+  </p:timing>
 </p:sld>
 </file>
 
@@ -13389,6 +13480,13 @@
   <p:clrMapOvr>
     <a:masterClrMapping/>
   </p:clrMapOvr>
+  <p:timing>
+    <p:tnLst>
+      <p:par>
+        <p:cTn id="1" dur="indefinite" restart="never" nodeType="tmRoot"/>
+      </p:par>
+    </p:tnLst>
+  </p:timing>
 </p:sld>
 </file>
 
@@ -13596,6 +13694,13 @@
   <p:clrMapOvr>
     <a:masterClrMapping/>
   </p:clrMapOvr>
+  <p:timing>
+    <p:tnLst>
+      <p:par>
+        <p:cTn id="1" dur="indefinite" restart="never" nodeType="tmRoot"/>
+      </p:par>
+    </p:tnLst>
+  </p:timing>
 </p:sld>
 </file>
 
@@ -13802,6 +13907,13 @@
   <p:clrMapOvr>
     <a:masterClrMapping/>
   </p:clrMapOvr>
+  <p:timing>
+    <p:tnLst>
+      <p:par>
+        <p:cTn id="1" dur="indefinite" restart="never" nodeType="tmRoot"/>
+      </p:par>
+    </p:tnLst>
+  </p:timing>
 </p:sld>
 </file>
 
@@ -13995,6 +14107,13 @@
   <p:clrMapOvr>
     <a:masterClrMapping/>
   </p:clrMapOvr>
+  <p:timing>
+    <p:tnLst>
+      <p:par>
+        <p:cTn id="1" dur="indefinite" restart="never" nodeType="tmRoot"/>
+      </p:par>
+    </p:tnLst>
+  </p:timing>
 </p:sld>
 </file>
 
@@ -14086,6 +14205,13 @@
   <p:clrMapOvr>
     <a:masterClrMapping/>
   </p:clrMapOvr>
+  <p:timing>
+    <p:tnLst>
+      <p:par>
+        <p:cTn id="1" dur="indefinite" restart="never" nodeType="tmRoot"/>
+      </p:par>
+    </p:tnLst>
+  </p:timing>
 </p:sld>
 </file>
 
@@ -14451,441 +14577,9 @@
   <p:timing>
     <p:tnLst>
       <p:par>
-        <p:cTn id="1" dur="indefinite" restart="never" nodeType="tmRoot">
-          <p:childTnLst>
-            <p:seq concurrent="1" nextAc="seek">
-              <p:cTn id="2" dur="indefinite" nodeType="mainSeq">
-                <p:childTnLst>
-                  <p:par>
-                    <p:cTn id="3" fill="hold">
-                      <p:stCondLst>
-                        <p:cond delay="indefinite"/>
-                      </p:stCondLst>
-                      <p:childTnLst>
-                        <p:par>
-                          <p:cTn id="4" fill="hold">
-                            <p:stCondLst>
-                              <p:cond delay="0"/>
-                            </p:stCondLst>
-                            <p:childTnLst>
-                              <p:par>
-                                <p:cTn id="5" presetID="42" presetClass="entr" presetSubtype="0" fill="hold" grpId="0" nodeType="clickEffect">
-                                  <p:stCondLst>
-                                    <p:cond delay="0"/>
-                                  </p:stCondLst>
-                                  <p:childTnLst>
-                                    <p:set>
-                                      <p:cBhvr>
-                                        <p:cTn id="6" dur="1" fill="hold">
-                                          <p:stCondLst>
-                                            <p:cond delay="0"/>
-                                          </p:stCondLst>
-                                        </p:cTn>
-                                        <p:tgtEl>
-                                          <p:spTgt spid="7">
-                                            <p:txEl>
-                                              <p:pRg st="0" end="0"/>
-                                            </p:txEl>
-                                          </p:spTgt>
-                                        </p:tgtEl>
-                                        <p:attrNameLst>
-                                          <p:attrName>style.visibility</p:attrName>
-                                        </p:attrNameLst>
-                                      </p:cBhvr>
-                                      <p:to>
-                                        <p:strVal val="visible"/>
-                                      </p:to>
-                                    </p:set>
-                                    <p:animEffect transition="in" filter="fade">
-                                      <p:cBhvr>
-                                        <p:cTn id="7" dur="500"/>
-                                        <p:tgtEl>
-                                          <p:spTgt spid="7">
-                                            <p:txEl>
-                                              <p:pRg st="0" end="0"/>
-                                            </p:txEl>
-                                          </p:spTgt>
-                                        </p:tgtEl>
-                                      </p:cBhvr>
-                                    </p:animEffect>
-                                    <p:anim calcmode="lin" valueType="num">
-                                      <p:cBhvr>
-                                        <p:cTn id="8" dur="500" fill="hold"/>
-                                        <p:tgtEl>
-                                          <p:spTgt spid="7">
-                                            <p:txEl>
-                                              <p:pRg st="0" end="0"/>
-                                            </p:txEl>
-                                          </p:spTgt>
-                                        </p:tgtEl>
-                                        <p:attrNameLst>
-                                          <p:attrName>ppt_x</p:attrName>
-                                        </p:attrNameLst>
-                                      </p:cBhvr>
-                                      <p:tavLst>
-                                        <p:tav tm="0">
-                                          <p:val>
-                                            <p:strVal val="#ppt_x"/>
-                                          </p:val>
-                                        </p:tav>
-                                        <p:tav tm="100000">
-                                          <p:val>
-                                            <p:strVal val="#ppt_x"/>
-                                          </p:val>
-                                        </p:tav>
-                                      </p:tavLst>
-                                    </p:anim>
-                                    <p:anim calcmode="lin" valueType="num">
-                                      <p:cBhvr>
-                                        <p:cTn id="9" dur="500" fill="hold"/>
-                                        <p:tgtEl>
-                                          <p:spTgt spid="7">
-                                            <p:txEl>
-                                              <p:pRg st="0" end="0"/>
-                                            </p:txEl>
-                                          </p:spTgt>
-                                        </p:tgtEl>
-                                        <p:attrNameLst>
-                                          <p:attrName>ppt_y</p:attrName>
-                                        </p:attrNameLst>
-                                      </p:cBhvr>
-                                      <p:tavLst>
-                                        <p:tav tm="0">
-                                          <p:val>
-                                            <p:strVal val="#ppt_y+.1"/>
-                                          </p:val>
-                                        </p:tav>
-                                        <p:tav tm="100000">
-                                          <p:val>
-                                            <p:strVal val="#ppt_y"/>
-                                          </p:val>
-                                        </p:tav>
-                                      </p:tavLst>
-                                    </p:anim>
-                                  </p:childTnLst>
-                                </p:cTn>
-                              </p:par>
-                              <p:par>
-                                <p:cTn id="10" presetID="42" presetClass="entr" presetSubtype="0" fill="hold" grpId="0" nodeType="withEffect">
-                                  <p:stCondLst>
-                                    <p:cond delay="0"/>
-                                  </p:stCondLst>
-                                  <p:childTnLst>
-                                    <p:set>
-                                      <p:cBhvr>
-                                        <p:cTn id="11" dur="1" fill="hold">
-                                          <p:stCondLst>
-                                            <p:cond delay="0"/>
-                                          </p:stCondLst>
-                                        </p:cTn>
-                                        <p:tgtEl>
-                                          <p:spTgt spid="7">
-                                            <p:txEl>
-                                              <p:pRg st="1" end="1"/>
-                                            </p:txEl>
-                                          </p:spTgt>
-                                        </p:tgtEl>
-                                        <p:attrNameLst>
-                                          <p:attrName>style.visibility</p:attrName>
-                                        </p:attrNameLst>
-                                      </p:cBhvr>
-                                      <p:to>
-                                        <p:strVal val="visible"/>
-                                      </p:to>
-                                    </p:set>
-                                    <p:animEffect transition="in" filter="fade">
-                                      <p:cBhvr>
-                                        <p:cTn id="12" dur="500"/>
-                                        <p:tgtEl>
-                                          <p:spTgt spid="7">
-                                            <p:txEl>
-                                              <p:pRg st="1" end="1"/>
-                                            </p:txEl>
-                                          </p:spTgt>
-                                        </p:tgtEl>
-                                      </p:cBhvr>
-                                    </p:animEffect>
-                                    <p:anim calcmode="lin" valueType="num">
-                                      <p:cBhvr>
-                                        <p:cTn id="13" dur="500" fill="hold"/>
-                                        <p:tgtEl>
-                                          <p:spTgt spid="7">
-                                            <p:txEl>
-                                              <p:pRg st="1" end="1"/>
-                                            </p:txEl>
-                                          </p:spTgt>
-                                        </p:tgtEl>
-                                        <p:attrNameLst>
-                                          <p:attrName>ppt_x</p:attrName>
-                                        </p:attrNameLst>
-                                      </p:cBhvr>
-                                      <p:tavLst>
-                                        <p:tav tm="0">
-                                          <p:val>
-                                            <p:strVal val="#ppt_x"/>
-                                          </p:val>
-                                        </p:tav>
-                                        <p:tav tm="100000">
-                                          <p:val>
-                                            <p:strVal val="#ppt_x"/>
-                                          </p:val>
-                                        </p:tav>
-                                      </p:tavLst>
-                                    </p:anim>
-                                    <p:anim calcmode="lin" valueType="num">
-                                      <p:cBhvr>
-                                        <p:cTn id="14" dur="500" fill="hold"/>
-                                        <p:tgtEl>
-                                          <p:spTgt spid="7">
-                                            <p:txEl>
-                                              <p:pRg st="1" end="1"/>
-                                            </p:txEl>
-                                          </p:spTgt>
-                                        </p:tgtEl>
-                                        <p:attrNameLst>
-                                          <p:attrName>ppt_y</p:attrName>
-                                        </p:attrNameLst>
-                                      </p:cBhvr>
-                                      <p:tavLst>
-                                        <p:tav tm="0">
-                                          <p:val>
-                                            <p:strVal val="#ppt_y+.1"/>
-                                          </p:val>
-                                        </p:tav>
-                                        <p:tav tm="100000">
-                                          <p:val>
-                                            <p:strVal val="#ppt_y"/>
-                                          </p:val>
-                                        </p:tav>
-                                      </p:tavLst>
-                                    </p:anim>
-                                  </p:childTnLst>
-                                </p:cTn>
-                              </p:par>
-                              <p:par>
-                                <p:cTn id="15" presetID="42" presetClass="entr" presetSubtype="0" fill="hold" grpId="0" nodeType="withEffect">
-                                  <p:stCondLst>
-                                    <p:cond delay="0"/>
-                                  </p:stCondLst>
-                                  <p:childTnLst>
-                                    <p:set>
-                                      <p:cBhvr>
-                                        <p:cTn id="16" dur="1" fill="hold">
-                                          <p:stCondLst>
-                                            <p:cond delay="0"/>
-                                          </p:stCondLst>
-                                        </p:cTn>
-                                        <p:tgtEl>
-                                          <p:spTgt spid="7">
-                                            <p:txEl>
-                                              <p:pRg st="2" end="2"/>
-                                            </p:txEl>
-                                          </p:spTgt>
-                                        </p:tgtEl>
-                                        <p:attrNameLst>
-                                          <p:attrName>style.visibility</p:attrName>
-                                        </p:attrNameLst>
-                                      </p:cBhvr>
-                                      <p:to>
-                                        <p:strVal val="visible"/>
-                                      </p:to>
-                                    </p:set>
-                                    <p:animEffect transition="in" filter="fade">
-                                      <p:cBhvr>
-                                        <p:cTn id="17" dur="500"/>
-                                        <p:tgtEl>
-                                          <p:spTgt spid="7">
-                                            <p:txEl>
-                                              <p:pRg st="2" end="2"/>
-                                            </p:txEl>
-                                          </p:spTgt>
-                                        </p:tgtEl>
-                                      </p:cBhvr>
-                                    </p:animEffect>
-                                    <p:anim calcmode="lin" valueType="num">
-                                      <p:cBhvr>
-                                        <p:cTn id="18" dur="500" fill="hold"/>
-                                        <p:tgtEl>
-                                          <p:spTgt spid="7">
-                                            <p:txEl>
-                                              <p:pRg st="2" end="2"/>
-                                            </p:txEl>
-                                          </p:spTgt>
-                                        </p:tgtEl>
-                                        <p:attrNameLst>
-                                          <p:attrName>ppt_x</p:attrName>
-                                        </p:attrNameLst>
-                                      </p:cBhvr>
-                                      <p:tavLst>
-                                        <p:tav tm="0">
-                                          <p:val>
-                                            <p:strVal val="#ppt_x"/>
-                                          </p:val>
-                                        </p:tav>
-                                        <p:tav tm="100000">
-                                          <p:val>
-                                            <p:strVal val="#ppt_x"/>
-                                          </p:val>
-                                        </p:tav>
-                                      </p:tavLst>
-                                    </p:anim>
-                                    <p:anim calcmode="lin" valueType="num">
-                                      <p:cBhvr>
-                                        <p:cTn id="19" dur="500" fill="hold"/>
-                                        <p:tgtEl>
-                                          <p:spTgt spid="7">
-                                            <p:txEl>
-                                              <p:pRg st="2" end="2"/>
-                                            </p:txEl>
-                                          </p:spTgt>
-                                        </p:tgtEl>
-                                        <p:attrNameLst>
-                                          <p:attrName>ppt_y</p:attrName>
-                                        </p:attrNameLst>
-                                      </p:cBhvr>
-                                      <p:tavLst>
-                                        <p:tav tm="0">
-                                          <p:val>
-                                            <p:strVal val="#ppt_y+.1"/>
-                                          </p:val>
-                                        </p:tav>
-                                        <p:tav tm="100000">
-                                          <p:val>
-                                            <p:strVal val="#ppt_y"/>
-                                          </p:val>
-                                        </p:tav>
-                                      </p:tavLst>
-                                    </p:anim>
-                                  </p:childTnLst>
-                                </p:cTn>
-                              </p:par>
-                              <p:par>
-                                <p:cTn id="20" presetID="42" presetClass="entr" presetSubtype="0" fill="hold" grpId="0" nodeType="withEffect">
-                                  <p:stCondLst>
-                                    <p:cond delay="0"/>
-                                  </p:stCondLst>
-                                  <p:childTnLst>
-                                    <p:set>
-                                      <p:cBhvr>
-                                        <p:cTn id="21" dur="1" fill="hold">
-                                          <p:stCondLst>
-                                            <p:cond delay="0"/>
-                                          </p:stCondLst>
-                                        </p:cTn>
-                                        <p:tgtEl>
-                                          <p:spTgt spid="7">
-                                            <p:txEl>
-                                              <p:pRg st="3" end="3"/>
-                                            </p:txEl>
-                                          </p:spTgt>
-                                        </p:tgtEl>
-                                        <p:attrNameLst>
-                                          <p:attrName>style.visibility</p:attrName>
-                                        </p:attrNameLst>
-                                      </p:cBhvr>
-                                      <p:to>
-                                        <p:strVal val="visible"/>
-                                      </p:to>
-                                    </p:set>
-                                    <p:animEffect transition="in" filter="fade">
-                                      <p:cBhvr>
-                                        <p:cTn id="22" dur="500"/>
-                                        <p:tgtEl>
-                                          <p:spTgt spid="7">
-                                            <p:txEl>
-                                              <p:pRg st="3" end="3"/>
-                                            </p:txEl>
-                                          </p:spTgt>
-                                        </p:tgtEl>
-                                      </p:cBhvr>
-                                    </p:animEffect>
-                                    <p:anim calcmode="lin" valueType="num">
-                                      <p:cBhvr>
-                                        <p:cTn id="23" dur="500" fill="hold"/>
-                                        <p:tgtEl>
-                                          <p:spTgt spid="7">
-                                            <p:txEl>
-                                              <p:pRg st="3" end="3"/>
-                                            </p:txEl>
-                                          </p:spTgt>
-                                        </p:tgtEl>
-                                        <p:attrNameLst>
-                                          <p:attrName>ppt_x</p:attrName>
-                                        </p:attrNameLst>
-                                      </p:cBhvr>
-                                      <p:tavLst>
-                                        <p:tav tm="0">
-                                          <p:val>
-                                            <p:strVal val="#ppt_x"/>
-                                          </p:val>
-                                        </p:tav>
-                                        <p:tav tm="100000">
-                                          <p:val>
-                                            <p:strVal val="#ppt_x"/>
-                                          </p:val>
-                                        </p:tav>
-                                      </p:tavLst>
-                                    </p:anim>
-                                    <p:anim calcmode="lin" valueType="num">
-                                      <p:cBhvr>
-                                        <p:cTn id="24" dur="500" fill="hold"/>
-                                        <p:tgtEl>
-                                          <p:spTgt spid="7">
-                                            <p:txEl>
-                                              <p:pRg st="3" end="3"/>
-                                            </p:txEl>
-                                          </p:spTgt>
-                                        </p:tgtEl>
-                                        <p:attrNameLst>
-                                          <p:attrName>ppt_y</p:attrName>
-                                        </p:attrNameLst>
-                                      </p:cBhvr>
-                                      <p:tavLst>
-                                        <p:tav tm="0">
-                                          <p:val>
-                                            <p:strVal val="#ppt_y+.1"/>
-                                          </p:val>
-                                        </p:tav>
-                                        <p:tav tm="100000">
-                                          <p:val>
-                                            <p:strVal val="#ppt_y"/>
-                                          </p:val>
-                                        </p:tav>
-                                      </p:tavLst>
-                                    </p:anim>
-                                  </p:childTnLst>
-                                </p:cTn>
-                              </p:par>
-                            </p:childTnLst>
-                          </p:cTn>
-                        </p:par>
-                      </p:childTnLst>
-                    </p:cTn>
-                  </p:par>
-                </p:childTnLst>
-              </p:cTn>
-              <p:prevCondLst>
-                <p:cond evt="onPrev" delay="0">
-                  <p:tgtEl>
-                    <p:sldTgt/>
-                  </p:tgtEl>
-                </p:cond>
-              </p:prevCondLst>
-              <p:nextCondLst>
-                <p:cond evt="onNext" delay="0">
-                  <p:tgtEl>
-                    <p:sldTgt/>
-                  </p:tgtEl>
-                </p:cond>
-              </p:nextCondLst>
-            </p:seq>
-          </p:childTnLst>
-        </p:cTn>
+        <p:cTn id="1" dur="indefinite" restart="never" nodeType="tmRoot"/>
       </p:par>
     </p:tnLst>
-    <p:bldLst>
-      <p:bldP spid="7" grpId="0" uiExpand="1" build="p"/>
-    </p:bldLst>
   </p:timing>
 </p:sld>
 </file>
@@ -15140,6 +14834,13 @@
   <p:clrMapOvr>
     <a:masterClrMapping/>
   </p:clrMapOvr>
+  <p:timing>
+    <p:tnLst>
+      <p:par>
+        <p:cTn id="1" dur="indefinite" restart="never" nodeType="tmRoot"/>
+      </p:par>
+    </p:tnLst>
+  </p:timing>
 </p:sld>
 </file>
 
@@ -15367,6 +15068,13 @@
   <p:clrMapOvr>
     <a:masterClrMapping/>
   </p:clrMapOvr>
+  <p:timing>
+    <p:tnLst>
+      <p:par>
+        <p:cTn id="1" dur="indefinite" restart="never" nodeType="tmRoot"/>
+      </p:par>
+    </p:tnLst>
+  </p:timing>
 </p:sld>
 </file>
 
@@ -15747,6 +15455,13 @@
   <p:clrMapOvr>
     <a:masterClrMapping/>
   </p:clrMapOvr>
+  <p:timing>
+    <p:tnLst>
+      <p:par>
+        <p:cTn id="1" dur="indefinite" restart="never" nodeType="tmRoot"/>
+      </p:par>
+    </p:tnLst>
+  </p:timing>
 </p:sld>
 </file>
 
@@ -16116,6 +15831,13 @@
   <p:clrMapOvr>
     <a:masterClrMapping/>
   </p:clrMapOvr>
+  <p:timing>
+    <p:tnLst>
+      <p:par>
+        <p:cTn id="1" dur="indefinite" restart="never" nodeType="tmRoot"/>
+      </p:par>
+    </p:tnLst>
+  </p:timing>
 </p:sld>
 </file>
 
@@ -17567,6 +17289,13 @@
   <p:clrMapOvr>
     <a:masterClrMapping/>
   </p:clrMapOvr>
+  <p:timing>
+    <p:tnLst>
+      <p:par>
+        <p:cTn id="1" dur="indefinite" restart="never" nodeType="tmRoot"/>
+      </p:par>
+    </p:tnLst>
+  </p:timing>
 </p:sld>
 </file>
 
@@ -17794,6 +17523,13 @@
   <p:clrMapOvr>
     <a:masterClrMapping/>
   </p:clrMapOvr>
+  <p:timing>
+    <p:tnLst>
+      <p:par>
+        <p:cTn id="1" dur="indefinite" restart="never" nodeType="tmRoot"/>
+      </p:par>
+    </p:tnLst>
+  </p:timing>
 </p:sld>
 </file>
 
@@ -18034,6 +17770,13 @@
   <p:clrMapOvr>
     <a:masterClrMapping/>
   </p:clrMapOvr>
+  <p:timing>
+    <p:tnLst>
+      <p:par>
+        <p:cTn id="1" dur="indefinite" restart="never" nodeType="tmRoot"/>
+      </p:par>
+    </p:tnLst>
+  </p:timing>
 </p:sld>
 </file>
 
@@ -18261,6 +18004,13 @@
   <p:clrMapOvr>
     <a:masterClrMapping/>
   </p:clrMapOvr>
+  <p:timing>
+    <p:tnLst>
+      <p:par>
+        <p:cTn id="1" dur="indefinite" restart="never" nodeType="tmRoot"/>
+      </p:par>
+    </p:tnLst>
+  </p:timing>
 </p:sld>
 </file>
 
@@ -18375,6 +18125,13 @@
   <p:clrMapOvr>
     <a:masterClrMapping/>
   </p:clrMapOvr>
+  <p:timing>
+    <p:tnLst>
+      <p:par>
+        <p:cTn id="1" dur="indefinite" restart="never" nodeType="tmRoot"/>
+      </p:par>
+    </p:tnLst>
+  </p:timing>
 </p:sld>
 </file>
 
@@ -18567,91 +18324,9 @@
   <p:timing>
     <p:tnLst>
       <p:par>
-        <p:cTn id="1" dur="indefinite" restart="never" nodeType="tmRoot">
-          <p:childTnLst>
-            <p:seq concurrent="1" nextAc="seek">
-              <p:cTn id="2" dur="indefinite" nodeType="mainSeq">
-                <p:childTnLst>
-                  <p:par>
-                    <p:cTn id="3" fill="hold">
-                      <p:stCondLst>
-                        <p:cond delay="indefinite"/>
-                        <p:cond evt="onBegin" delay="0">
-                          <p:tn val="2"/>
-                        </p:cond>
-                      </p:stCondLst>
-                      <p:childTnLst>
-                        <p:par>
-                          <p:cTn id="4" fill="hold">
-                            <p:stCondLst>
-                              <p:cond delay="0"/>
-                            </p:stCondLst>
-                            <p:childTnLst>
-                              <p:par>
-                                <p:cTn id="5" presetID="22" presetClass="entr" presetSubtype="4" fill="hold" grpId="0" nodeType="withEffect">
-                                  <p:stCondLst>
-                                    <p:cond delay="0"/>
-                                  </p:stCondLst>
-                                  <p:childTnLst>
-                                    <p:set>
-                                      <p:cBhvr>
-                                        <p:cTn id="6" dur="1" fill="hold">
-                                          <p:stCondLst>
-                                            <p:cond delay="0"/>
-                                          </p:stCondLst>
-                                        </p:cTn>
-                                        <p:tgtEl>
-                                          <p:spTgt spid="18"/>
-                                        </p:tgtEl>
-                                        <p:attrNameLst>
-                                          <p:attrName>style.visibility</p:attrName>
-                                        </p:attrNameLst>
-                                      </p:cBhvr>
-                                      <p:to>
-                                        <p:strVal val="visible"/>
-                                      </p:to>
-                                    </p:set>
-                                    <p:animEffect transition="in" filter="wipe(down)">
-                                      <p:cBhvr>
-                                        <p:cTn id="7" dur="500"/>
-                                        <p:tgtEl>
-                                          <p:spTgt spid="18"/>
-                                        </p:tgtEl>
-                                      </p:cBhvr>
-                                    </p:animEffect>
-                                  </p:childTnLst>
-                                </p:cTn>
-                              </p:par>
-                            </p:childTnLst>
-                          </p:cTn>
-                        </p:par>
-                      </p:childTnLst>
-                    </p:cTn>
-                  </p:par>
-                </p:childTnLst>
-              </p:cTn>
-              <p:prevCondLst>
-                <p:cond evt="onPrev" delay="0">
-                  <p:tgtEl>
-                    <p:sldTgt/>
-                  </p:tgtEl>
-                </p:cond>
-              </p:prevCondLst>
-              <p:nextCondLst>
-                <p:cond evt="onNext" delay="0">
-                  <p:tgtEl>
-                    <p:sldTgt/>
-                  </p:tgtEl>
-                </p:cond>
-              </p:nextCondLst>
-            </p:seq>
-          </p:childTnLst>
-        </p:cTn>
+        <p:cTn id="1" dur="indefinite" restart="never" nodeType="tmRoot"/>
       </p:par>
     </p:tnLst>
-    <p:bldLst>
-      <p:bldP spid="18" grpId="0"/>
-    </p:bldLst>
   </p:timing>
 </p:sld>
 </file>
@@ -18767,6 +18442,13 @@
   <p:clrMapOvr>
     <a:masterClrMapping/>
   </p:clrMapOvr>
+  <p:timing>
+    <p:tnLst>
+      <p:par>
+        <p:cTn id="1" dur="indefinite" restart="never" nodeType="tmRoot"/>
+      </p:par>
+    </p:tnLst>
+  </p:timing>
 </p:sld>
 </file>
 
@@ -19161,459 +18843,9 @@
   <p:timing>
     <p:tnLst>
       <p:par>
-        <p:cTn id="1" dur="indefinite" restart="never" nodeType="tmRoot">
-          <p:childTnLst>
-            <p:seq concurrent="1" nextAc="seek">
-              <p:cTn id="2" dur="indefinite" nodeType="mainSeq">
-                <p:childTnLst>
-                  <p:par>
-                    <p:cTn id="3" fill="hold">
-                      <p:stCondLst>
-                        <p:cond delay="indefinite"/>
-                      </p:stCondLst>
-                      <p:childTnLst>
-                        <p:par>
-                          <p:cTn id="4" fill="hold">
-                            <p:stCondLst>
-                              <p:cond delay="0"/>
-                            </p:stCondLst>
-                            <p:childTnLst>
-                              <p:par>
-                                <p:cTn id="5" presetID="42" presetClass="entr" presetSubtype="0" fill="hold" grpId="0" nodeType="clickEffect">
-                                  <p:stCondLst>
-                                    <p:cond delay="0"/>
-                                  </p:stCondLst>
-                                  <p:childTnLst>
-                                    <p:set>
-                                      <p:cBhvr>
-                                        <p:cTn id="6" dur="1" fill="hold">
-                                          <p:stCondLst>
-                                            <p:cond delay="0"/>
-                                          </p:stCondLst>
-                                        </p:cTn>
-                                        <p:tgtEl>
-                                          <p:spTgt spid="31">
-                                            <p:txEl>
-                                              <p:pRg st="0" end="0"/>
-                                            </p:txEl>
-                                          </p:spTgt>
-                                        </p:tgtEl>
-                                        <p:attrNameLst>
-                                          <p:attrName>style.visibility</p:attrName>
-                                        </p:attrNameLst>
-                                      </p:cBhvr>
-                                      <p:to>
-                                        <p:strVal val="visible"/>
-                                      </p:to>
-                                    </p:set>
-                                    <p:animEffect transition="in" filter="fade">
-                                      <p:cBhvr>
-                                        <p:cTn id="7" dur="500"/>
-                                        <p:tgtEl>
-                                          <p:spTgt spid="31">
-                                            <p:txEl>
-                                              <p:pRg st="0" end="0"/>
-                                            </p:txEl>
-                                          </p:spTgt>
-                                        </p:tgtEl>
-                                      </p:cBhvr>
-                                    </p:animEffect>
-                                    <p:anim calcmode="lin" valueType="num">
-                                      <p:cBhvr>
-                                        <p:cTn id="8" dur="500" fill="hold"/>
-                                        <p:tgtEl>
-                                          <p:spTgt spid="31">
-                                            <p:txEl>
-                                              <p:pRg st="0" end="0"/>
-                                            </p:txEl>
-                                          </p:spTgt>
-                                        </p:tgtEl>
-                                        <p:attrNameLst>
-                                          <p:attrName>ppt_x</p:attrName>
-                                        </p:attrNameLst>
-                                      </p:cBhvr>
-                                      <p:tavLst>
-                                        <p:tav tm="0">
-                                          <p:val>
-                                            <p:strVal val="#ppt_x"/>
-                                          </p:val>
-                                        </p:tav>
-                                        <p:tav tm="100000">
-                                          <p:val>
-                                            <p:strVal val="#ppt_x"/>
-                                          </p:val>
-                                        </p:tav>
-                                      </p:tavLst>
-                                    </p:anim>
-                                    <p:anim calcmode="lin" valueType="num">
-                                      <p:cBhvr>
-                                        <p:cTn id="9" dur="500" fill="hold"/>
-                                        <p:tgtEl>
-                                          <p:spTgt spid="31">
-                                            <p:txEl>
-                                              <p:pRg st="0" end="0"/>
-                                            </p:txEl>
-                                          </p:spTgt>
-                                        </p:tgtEl>
-                                        <p:attrNameLst>
-                                          <p:attrName>ppt_y</p:attrName>
-                                        </p:attrNameLst>
-                                      </p:cBhvr>
-                                      <p:tavLst>
-                                        <p:tav tm="0">
-                                          <p:val>
-                                            <p:strVal val="#ppt_y+.1"/>
-                                          </p:val>
-                                        </p:tav>
-                                        <p:tav tm="100000">
-                                          <p:val>
-                                            <p:strVal val="#ppt_y"/>
-                                          </p:val>
-                                        </p:tav>
-                                      </p:tavLst>
-                                    </p:anim>
-                                  </p:childTnLst>
-                                </p:cTn>
-                              </p:par>
-                              <p:par>
-                                <p:cTn id="10" presetID="42" presetClass="entr" presetSubtype="0" fill="hold" grpId="0" nodeType="withEffect">
-                                  <p:stCondLst>
-                                    <p:cond delay="0"/>
-                                  </p:stCondLst>
-                                  <p:childTnLst>
-                                    <p:set>
-                                      <p:cBhvr>
-                                        <p:cTn id="11" dur="1" fill="hold">
-                                          <p:stCondLst>
-                                            <p:cond delay="0"/>
-                                          </p:stCondLst>
-                                        </p:cTn>
-                                        <p:tgtEl>
-                                          <p:spTgt spid="31">
-                                            <p:txEl>
-                                              <p:pRg st="2" end="2"/>
-                                            </p:txEl>
-                                          </p:spTgt>
-                                        </p:tgtEl>
-                                        <p:attrNameLst>
-                                          <p:attrName>style.visibility</p:attrName>
-                                        </p:attrNameLst>
-                                      </p:cBhvr>
-                                      <p:to>
-                                        <p:strVal val="visible"/>
-                                      </p:to>
-                                    </p:set>
-                                    <p:animEffect transition="in" filter="fade">
-                                      <p:cBhvr>
-                                        <p:cTn id="12" dur="500"/>
-                                        <p:tgtEl>
-                                          <p:spTgt spid="31">
-                                            <p:txEl>
-                                              <p:pRg st="2" end="2"/>
-                                            </p:txEl>
-                                          </p:spTgt>
-                                        </p:tgtEl>
-                                      </p:cBhvr>
-                                    </p:animEffect>
-                                    <p:anim calcmode="lin" valueType="num">
-                                      <p:cBhvr>
-                                        <p:cTn id="13" dur="500" fill="hold"/>
-                                        <p:tgtEl>
-                                          <p:spTgt spid="31">
-                                            <p:txEl>
-                                              <p:pRg st="2" end="2"/>
-                                            </p:txEl>
-                                          </p:spTgt>
-                                        </p:tgtEl>
-                                        <p:attrNameLst>
-                                          <p:attrName>ppt_x</p:attrName>
-                                        </p:attrNameLst>
-                                      </p:cBhvr>
-                                      <p:tavLst>
-                                        <p:tav tm="0">
-                                          <p:val>
-                                            <p:strVal val="#ppt_x"/>
-                                          </p:val>
-                                        </p:tav>
-                                        <p:tav tm="100000">
-                                          <p:val>
-                                            <p:strVal val="#ppt_x"/>
-                                          </p:val>
-                                        </p:tav>
-                                      </p:tavLst>
-                                    </p:anim>
-                                    <p:anim calcmode="lin" valueType="num">
-                                      <p:cBhvr>
-                                        <p:cTn id="14" dur="500" fill="hold"/>
-                                        <p:tgtEl>
-                                          <p:spTgt spid="31">
-                                            <p:txEl>
-                                              <p:pRg st="2" end="2"/>
-                                            </p:txEl>
-                                          </p:spTgt>
-                                        </p:tgtEl>
-                                        <p:attrNameLst>
-                                          <p:attrName>ppt_y</p:attrName>
-                                        </p:attrNameLst>
-                                      </p:cBhvr>
-                                      <p:tavLst>
-                                        <p:tav tm="0">
-                                          <p:val>
-                                            <p:strVal val="#ppt_y+.1"/>
-                                          </p:val>
-                                        </p:tav>
-                                        <p:tav tm="100000">
-                                          <p:val>
-                                            <p:strVal val="#ppt_y"/>
-                                          </p:val>
-                                        </p:tav>
-                                      </p:tavLst>
-                                    </p:anim>
-                                  </p:childTnLst>
-                                </p:cTn>
-                              </p:par>
-                              <p:par>
-                                <p:cTn id="15" presetID="42" presetClass="entr" presetSubtype="0" fill="hold" grpId="0" nodeType="withEffect">
-                                  <p:stCondLst>
-                                    <p:cond delay="0"/>
-                                  </p:stCondLst>
-                                  <p:childTnLst>
-                                    <p:set>
-                                      <p:cBhvr>
-                                        <p:cTn id="16" dur="1" fill="hold">
-                                          <p:stCondLst>
-                                            <p:cond delay="0"/>
-                                          </p:stCondLst>
-                                        </p:cTn>
-                                        <p:tgtEl>
-                                          <p:spTgt spid="31">
-                                            <p:txEl>
-                                              <p:pRg st="4" end="4"/>
-                                            </p:txEl>
-                                          </p:spTgt>
-                                        </p:tgtEl>
-                                        <p:attrNameLst>
-                                          <p:attrName>style.visibility</p:attrName>
-                                        </p:attrNameLst>
-                                      </p:cBhvr>
-                                      <p:to>
-                                        <p:strVal val="visible"/>
-                                      </p:to>
-                                    </p:set>
-                                    <p:animEffect transition="in" filter="fade">
-                                      <p:cBhvr>
-                                        <p:cTn id="17" dur="500"/>
-                                        <p:tgtEl>
-                                          <p:spTgt spid="31">
-                                            <p:txEl>
-                                              <p:pRg st="4" end="4"/>
-                                            </p:txEl>
-                                          </p:spTgt>
-                                        </p:tgtEl>
-                                      </p:cBhvr>
-                                    </p:animEffect>
-                                    <p:anim calcmode="lin" valueType="num">
-                                      <p:cBhvr>
-                                        <p:cTn id="18" dur="500" fill="hold"/>
-                                        <p:tgtEl>
-                                          <p:spTgt spid="31">
-                                            <p:txEl>
-                                              <p:pRg st="4" end="4"/>
-                                            </p:txEl>
-                                          </p:spTgt>
-                                        </p:tgtEl>
-                                        <p:attrNameLst>
-                                          <p:attrName>ppt_x</p:attrName>
-                                        </p:attrNameLst>
-                                      </p:cBhvr>
-                                      <p:tavLst>
-                                        <p:tav tm="0">
-                                          <p:val>
-                                            <p:strVal val="#ppt_x"/>
-                                          </p:val>
-                                        </p:tav>
-                                        <p:tav tm="100000">
-                                          <p:val>
-                                            <p:strVal val="#ppt_x"/>
-                                          </p:val>
-                                        </p:tav>
-                                      </p:tavLst>
-                                    </p:anim>
-                                    <p:anim calcmode="lin" valueType="num">
-                                      <p:cBhvr>
-                                        <p:cTn id="19" dur="500" fill="hold"/>
-                                        <p:tgtEl>
-                                          <p:spTgt spid="31">
-                                            <p:txEl>
-                                              <p:pRg st="4" end="4"/>
-                                            </p:txEl>
-                                          </p:spTgt>
-                                        </p:tgtEl>
-                                        <p:attrNameLst>
-                                          <p:attrName>ppt_y</p:attrName>
-                                        </p:attrNameLst>
-                                      </p:cBhvr>
-                                      <p:tavLst>
-                                        <p:tav tm="0">
-                                          <p:val>
-                                            <p:strVal val="#ppt_y+.1"/>
-                                          </p:val>
-                                        </p:tav>
-                                        <p:tav tm="100000">
-                                          <p:val>
-                                            <p:strVal val="#ppt_y"/>
-                                          </p:val>
-                                        </p:tav>
-                                      </p:tavLst>
-                                    </p:anim>
-                                  </p:childTnLst>
-                                </p:cTn>
-                              </p:par>
-                            </p:childTnLst>
-                          </p:cTn>
-                        </p:par>
-                      </p:childTnLst>
-                    </p:cTn>
-                  </p:par>
-                  <p:par>
-                    <p:cTn id="20" fill="hold">
-                      <p:stCondLst>
-                        <p:cond delay="indefinite"/>
-                      </p:stCondLst>
-                      <p:childTnLst>
-                        <p:par>
-                          <p:cTn id="21" fill="hold">
-                            <p:stCondLst>
-                              <p:cond delay="0"/>
-                            </p:stCondLst>
-                            <p:childTnLst>
-                              <p:par>
-                                <p:cTn id="22" presetID="42" presetClass="entr" presetSubtype="0" fill="hold" nodeType="clickEffect">
-                                  <p:stCondLst>
-                                    <p:cond delay="0"/>
-                                  </p:stCondLst>
-                                  <p:childTnLst>
-                                    <p:set>
-                                      <p:cBhvr>
-                                        <p:cTn id="23" dur="1" fill="hold">
-                                          <p:stCondLst>
-                                            <p:cond delay="0"/>
-                                          </p:stCondLst>
-                                        </p:cTn>
-                                        <p:tgtEl>
-                                          <p:spTgt spid="31">
-                                            <p:txEl>
-                                              <p:pRg st="6" end="6"/>
-                                            </p:txEl>
-                                          </p:spTgt>
-                                        </p:tgtEl>
-                                        <p:attrNameLst>
-                                          <p:attrName>style.visibility</p:attrName>
-                                        </p:attrNameLst>
-                                      </p:cBhvr>
-                                      <p:to>
-                                        <p:strVal val="visible"/>
-                                      </p:to>
-                                    </p:set>
-                                    <p:animEffect transition="in" filter="fade">
-                                      <p:cBhvr>
-                                        <p:cTn id="24" dur="500"/>
-                                        <p:tgtEl>
-                                          <p:spTgt spid="31">
-                                            <p:txEl>
-                                              <p:pRg st="6" end="6"/>
-                                            </p:txEl>
-                                          </p:spTgt>
-                                        </p:tgtEl>
-                                      </p:cBhvr>
-                                    </p:animEffect>
-                                    <p:anim calcmode="lin" valueType="num">
-                                      <p:cBhvr>
-                                        <p:cTn id="25" dur="500" fill="hold"/>
-                                        <p:tgtEl>
-                                          <p:spTgt spid="31">
-                                            <p:txEl>
-                                              <p:pRg st="6" end="6"/>
-                                            </p:txEl>
-                                          </p:spTgt>
-                                        </p:tgtEl>
-                                        <p:attrNameLst>
-                                          <p:attrName>ppt_x</p:attrName>
-                                        </p:attrNameLst>
-                                      </p:cBhvr>
-                                      <p:tavLst>
-                                        <p:tav tm="0">
-                                          <p:val>
-                                            <p:strVal val="#ppt_x"/>
-                                          </p:val>
-                                        </p:tav>
-                                        <p:tav tm="100000">
-                                          <p:val>
-                                            <p:strVal val="#ppt_x"/>
-                                          </p:val>
-                                        </p:tav>
-                                      </p:tavLst>
-                                    </p:anim>
-                                    <p:anim calcmode="lin" valueType="num">
-                                      <p:cBhvr>
-                                        <p:cTn id="26" dur="500" fill="hold"/>
-                                        <p:tgtEl>
-                                          <p:spTgt spid="31">
-                                            <p:txEl>
-                                              <p:pRg st="6" end="6"/>
-                                            </p:txEl>
-                                          </p:spTgt>
-                                        </p:tgtEl>
-                                        <p:attrNameLst>
-                                          <p:attrName>ppt_y</p:attrName>
-                                        </p:attrNameLst>
-                                      </p:cBhvr>
-                                      <p:tavLst>
-                                        <p:tav tm="0">
-                                          <p:val>
-                                            <p:strVal val="#ppt_y+.1"/>
-                                          </p:val>
-                                        </p:tav>
-                                        <p:tav tm="100000">
-                                          <p:val>
-                                            <p:strVal val="#ppt_y"/>
-                                          </p:val>
-                                        </p:tav>
-                                      </p:tavLst>
-                                    </p:anim>
-                                  </p:childTnLst>
-                                </p:cTn>
-                              </p:par>
-                            </p:childTnLst>
-                          </p:cTn>
-                        </p:par>
-                      </p:childTnLst>
-                    </p:cTn>
-                  </p:par>
-                </p:childTnLst>
-              </p:cTn>
-              <p:prevCondLst>
-                <p:cond evt="onPrev" delay="0">
-                  <p:tgtEl>
-                    <p:sldTgt/>
-                  </p:tgtEl>
-                </p:cond>
-              </p:prevCondLst>
-              <p:nextCondLst>
-                <p:cond evt="onNext" delay="0">
-                  <p:tgtEl>
-                    <p:sldTgt/>
-                  </p:tgtEl>
-                </p:cond>
-              </p:nextCondLst>
-            </p:seq>
-          </p:childTnLst>
-        </p:cTn>
+        <p:cTn id="1" dur="indefinite" restart="never" nodeType="tmRoot"/>
       </p:par>
     </p:tnLst>
-    <p:bldLst>
-      <p:bldP spid="31" grpId="0" uiExpand="1" build="p"/>
-    </p:bldLst>
   </p:timing>
 </p:sld>
 </file>
@@ -19871,134 +19103,9 @@
   <p:timing>
     <p:tnLst>
       <p:par>
-        <p:cTn id="1" dur="indefinite" restart="never" nodeType="tmRoot">
-          <p:childTnLst>
-            <p:seq concurrent="1" nextAc="seek">
-              <p:cTn id="2" dur="indefinite" nodeType="mainSeq">
-                <p:childTnLst>
-                  <p:par>
-                    <p:cTn id="3" fill="hold">
-                      <p:stCondLst>
-                        <p:cond delay="indefinite"/>
-                      </p:stCondLst>
-                      <p:childTnLst>
-                        <p:par>
-                          <p:cTn id="4" fill="hold">
-                            <p:stCondLst>
-                              <p:cond delay="0"/>
-                            </p:stCondLst>
-                            <p:childTnLst>
-                              <p:par>
-                                <p:cTn id="5" presetID="42" presetClass="entr" presetSubtype="0" fill="hold" grpId="0" nodeType="clickEffect">
-                                  <p:stCondLst>
-                                    <p:cond delay="0"/>
-                                  </p:stCondLst>
-                                  <p:childTnLst>
-                                    <p:set>
-                                      <p:cBhvr>
-                                        <p:cTn id="6" dur="1" fill="hold">
-                                          <p:stCondLst>
-                                            <p:cond delay="0"/>
-                                          </p:stCondLst>
-                                        </p:cTn>
-                                        <p:tgtEl>
-                                          <p:spTgt spid="6"/>
-                                        </p:tgtEl>
-                                        <p:attrNameLst>
-                                          <p:attrName>style.visibility</p:attrName>
-                                        </p:attrNameLst>
-                                      </p:cBhvr>
-                                      <p:to>
-                                        <p:strVal val="visible"/>
-                                      </p:to>
-                                    </p:set>
-                                    <p:animEffect transition="in" filter="fade">
-                                      <p:cBhvr>
-                                        <p:cTn id="7" dur="1000"/>
-                                        <p:tgtEl>
-                                          <p:spTgt spid="6"/>
-                                        </p:tgtEl>
-                                      </p:cBhvr>
-                                    </p:animEffect>
-                                    <p:anim calcmode="lin" valueType="num">
-                                      <p:cBhvr>
-                                        <p:cTn id="8" dur="1000" fill="hold"/>
-                                        <p:tgtEl>
-                                          <p:spTgt spid="6"/>
-                                        </p:tgtEl>
-                                        <p:attrNameLst>
-                                          <p:attrName>ppt_x</p:attrName>
-                                        </p:attrNameLst>
-                                      </p:cBhvr>
-                                      <p:tavLst>
-                                        <p:tav tm="0">
-                                          <p:val>
-                                            <p:strVal val="#ppt_x"/>
-                                          </p:val>
-                                        </p:tav>
-                                        <p:tav tm="100000">
-                                          <p:val>
-                                            <p:strVal val="#ppt_x"/>
-                                          </p:val>
-                                        </p:tav>
-                                      </p:tavLst>
-                                    </p:anim>
-                                    <p:anim calcmode="lin" valueType="num">
-                                      <p:cBhvr>
-                                        <p:cTn id="9" dur="1000" fill="hold"/>
-                                        <p:tgtEl>
-                                          <p:spTgt spid="6"/>
-                                        </p:tgtEl>
-                                        <p:attrNameLst>
-                                          <p:attrName>ppt_y</p:attrName>
-                                        </p:attrNameLst>
-                                      </p:cBhvr>
-                                      <p:tavLst>
-                                        <p:tav tm="0">
-                                          <p:val>
-                                            <p:strVal val="#ppt_y+.1"/>
-                                          </p:val>
-                                        </p:tav>
-                                        <p:tav tm="100000">
-                                          <p:val>
-                                            <p:strVal val="#ppt_y"/>
-                                          </p:val>
-                                        </p:tav>
-                                      </p:tavLst>
-                                    </p:anim>
-                                  </p:childTnLst>
-                                </p:cTn>
-                              </p:par>
-                            </p:childTnLst>
-                          </p:cTn>
-                        </p:par>
-                      </p:childTnLst>
-                    </p:cTn>
-                  </p:par>
-                </p:childTnLst>
-              </p:cTn>
-              <p:prevCondLst>
-                <p:cond evt="onPrev" delay="0">
-                  <p:tgtEl>
-                    <p:sldTgt/>
-                  </p:tgtEl>
-                </p:cond>
-              </p:prevCondLst>
-              <p:nextCondLst>
-                <p:cond evt="onNext" delay="0">
-                  <p:tgtEl>
-                    <p:sldTgt/>
-                  </p:tgtEl>
-                </p:cond>
-              </p:nextCondLst>
-            </p:seq>
-          </p:childTnLst>
-        </p:cTn>
+        <p:cTn id="1" dur="indefinite" restart="never" nodeType="tmRoot"/>
       </p:par>
     </p:tnLst>
-    <p:bldLst>
-      <p:bldP spid="6" grpId="0"/>
-    </p:bldLst>
   </p:timing>
 </p:sld>
 </file>
@@ -20477,91 +19584,9 @@
   <p:timing>
     <p:tnLst>
       <p:par>
-        <p:cTn id="1" dur="indefinite" restart="never" nodeType="tmRoot">
-          <p:childTnLst>
-            <p:seq concurrent="1" nextAc="seek">
-              <p:cTn id="2" dur="indefinite" nodeType="mainSeq">
-                <p:childTnLst>
-                  <p:par>
-                    <p:cTn id="3" fill="hold">
-                      <p:stCondLst>
-                        <p:cond delay="indefinite"/>
-                        <p:cond evt="onBegin" delay="0">
-                          <p:tn val="2"/>
-                        </p:cond>
-                      </p:stCondLst>
-                      <p:childTnLst>
-                        <p:par>
-                          <p:cTn id="4" fill="hold">
-                            <p:stCondLst>
-                              <p:cond delay="0"/>
-                            </p:stCondLst>
-                            <p:childTnLst>
-                              <p:par>
-                                <p:cTn id="5" presetID="16" presetClass="entr" presetSubtype="21" fill="hold" grpId="0" nodeType="withEffect">
-                                  <p:stCondLst>
-                                    <p:cond delay="0"/>
-                                  </p:stCondLst>
-                                  <p:childTnLst>
-                                    <p:set>
-                                      <p:cBhvr>
-                                        <p:cTn id="6" dur="1" fill="hold">
-                                          <p:stCondLst>
-                                            <p:cond delay="0"/>
-                                          </p:stCondLst>
-                                        </p:cTn>
-                                        <p:tgtEl>
-                                          <p:spTgt spid="9"/>
-                                        </p:tgtEl>
-                                        <p:attrNameLst>
-                                          <p:attrName>style.visibility</p:attrName>
-                                        </p:attrNameLst>
-                                      </p:cBhvr>
-                                      <p:to>
-                                        <p:strVal val="visible"/>
-                                      </p:to>
-                                    </p:set>
-                                    <p:animEffect transition="in" filter="barn(inVertical)">
-                                      <p:cBhvr>
-                                        <p:cTn id="7" dur="500"/>
-                                        <p:tgtEl>
-                                          <p:spTgt spid="9"/>
-                                        </p:tgtEl>
-                                      </p:cBhvr>
-                                    </p:animEffect>
-                                  </p:childTnLst>
-                                </p:cTn>
-                              </p:par>
-                            </p:childTnLst>
-                          </p:cTn>
-                        </p:par>
-                      </p:childTnLst>
-                    </p:cTn>
-                  </p:par>
-                </p:childTnLst>
-              </p:cTn>
-              <p:prevCondLst>
-                <p:cond evt="onPrev" delay="0">
-                  <p:tgtEl>
-                    <p:sldTgt/>
-                  </p:tgtEl>
-                </p:cond>
-              </p:prevCondLst>
-              <p:nextCondLst>
-                <p:cond evt="onNext" delay="0">
-                  <p:tgtEl>
-                    <p:sldTgt/>
-                  </p:tgtEl>
-                </p:cond>
-              </p:nextCondLst>
-            </p:seq>
-          </p:childTnLst>
-        </p:cTn>
+        <p:cTn id="1" dur="indefinite" restart="never" nodeType="tmRoot"/>
       </p:par>
     </p:tnLst>
-    <p:bldLst>
-      <p:bldP spid="9" grpId="0"/>
-    </p:bldLst>
   </p:timing>
 </p:sld>
 </file>
@@ -22790,80 +21815,9 @@
   <p:timing>
     <p:tnLst>
       <p:par>
-        <p:cTn id="1" dur="indefinite" restart="never" nodeType="tmRoot">
-          <p:childTnLst>
-            <p:seq concurrent="1" nextAc="seek">
-              <p:cTn id="2" dur="indefinite" nodeType="mainSeq">
-                <p:childTnLst>
-                  <p:par>
-                    <p:cTn id="3" fill="hold">
-                      <p:stCondLst>
-                        <p:cond delay="indefinite"/>
-                      </p:stCondLst>
-                      <p:childTnLst>
-                        <p:par>
-                          <p:cTn id="4" fill="hold">
-                            <p:stCondLst>
-                              <p:cond delay="0"/>
-                            </p:stCondLst>
-                            <p:childTnLst>
-                              <p:par>
-                                <p:cTn id="5" presetID="1" presetClass="entr" presetSubtype="0" fill="hold" grpId="0" nodeType="clickEffect">
-                                  <p:stCondLst>
-                                    <p:cond delay="0"/>
-                                  </p:stCondLst>
-                                  <p:childTnLst>
-                                    <p:set>
-                                      <p:cBhvr>
-                                        <p:cTn id="6" dur="1" fill="hold">
-                                          <p:stCondLst>
-                                            <p:cond delay="0"/>
-                                          </p:stCondLst>
-                                        </p:cTn>
-                                        <p:tgtEl>
-                                          <p:spTgt spid="7"/>
-                                        </p:tgtEl>
-                                        <p:attrNameLst>
-                                          <p:attrName>style.visibility</p:attrName>
-                                        </p:attrNameLst>
-                                      </p:cBhvr>
-                                      <p:to>
-                                        <p:strVal val="visible"/>
-                                      </p:to>
-                                    </p:set>
-                                  </p:childTnLst>
-                                </p:cTn>
-                              </p:par>
-                            </p:childTnLst>
-                          </p:cTn>
-                        </p:par>
-                      </p:childTnLst>
-                    </p:cTn>
-                  </p:par>
-                </p:childTnLst>
-              </p:cTn>
-              <p:prevCondLst>
-                <p:cond evt="onPrev" delay="0">
-                  <p:tgtEl>
-                    <p:sldTgt/>
-                  </p:tgtEl>
-                </p:cond>
-              </p:prevCondLst>
-              <p:nextCondLst>
-                <p:cond evt="onNext" delay="0">
-                  <p:tgtEl>
-                    <p:sldTgt/>
-                  </p:tgtEl>
-                </p:cond>
-              </p:nextCondLst>
-            </p:seq>
-          </p:childTnLst>
-        </p:cTn>
+        <p:cTn id="1" dur="indefinite" restart="never" nodeType="tmRoot"/>
       </p:par>
     </p:tnLst>
-    <p:bldLst>
-      <p:bldP spid="7" grpId="0"/>
-    </p:bldLst>
   </p:timing>
 </p:sld>
 </file>
@@ -22972,6 +21926,13 @@
   <p:clrMapOvr>
     <a:masterClrMapping/>
   </p:clrMapOvr>
+  <p:timing>
+    <p:tnLst>
+      <p:par>
+        <p:cTn id="1" dur="indefinite" restart="never" nodeType="tmRoot"/>
+      </p:par>
+    </p:tnLst>
+  </p:timing>
 </p:sld>
 </file>
 
@@ -23289,35 +22250,6 @@
           </a:p>
         </p:txBody>
       </p:sp>
-      <p:sp>
-        <p:nvSpPr>
-          <p:cNvPr id="12" name="Slide Number Placeholder 11">
-            <a:extLst>
-              <a:ext uri="{FF2B5EF4-FFF2-40B4-BE49-F238E27FC236}">
-                <a16:creationId xmlns:a16="http://schemas.microsoft.com/office/drawing/2014/main" id="{50222381-C8F9-426E-B097-D8F317E8C3CB}"/>
-              </a:ext>
-            </a:extLst>
-          </p:cNvPr>
-          <p:cNvSpPr>
-            <a:spLocks noGrp="1"/>
-          </p:cNvSpPr>
-          <p:nvPr>
-            <p:ph type="sldNum" sz="quarter" idx="12"/>
-          </p:nvPr>
-        </p:nvSpPr>
-        <p:spPr/>
-        <p:txBody>
-          <a:bodyPr/>
-          <a:lstStyle/>
-          <a:p>
-            <a:fld id="{2376E620-B82E-4BB3-B55A-C1C511C62C08}" type="slidenum">
-              <a:rPr lang="fr-FR" smtClean="0"/>
-              <a:t>52</a:t>
-            </a:fld>
-            <a:endParaRPr lang="fr-FR"/>
-          </a:p>
-        </p:txBody>
-      </p:sp>
     </p:spTree>
     <p:extLst>
       <p:ext uri="{BB962C8B-B14F-4D97-AF65-F5344CB8AC3E}">
@@ -23334,298 +22266,9 @@
   <p:timing>
     <p:tnLst>
       <p:par>
-        <p:cTn id="1" dur="indefinite" restart="never" nodeType="tmRoot">
-          <p:childTnLst>
-            <p:seq concurrent="1" nextAc="seek">
-              <p:cTn id="2" dur="indefinite" nodeType="mainSeq">
-                <p:childTnLst>
-                  <p:par>
-                    <p:cTn id="3" fill="hold">
-                      <p:stCondLst>
-                        <p:cond delay="indefinite"/>
-                      </p:stCondLst>
-                      <p:childTnLst>
-                        <p:par>
-                          <p:cTn id="4" fill="hold">
-                            <p:stCondLst>
-                              <p:cond delay="0"/>
-                            </p:stCondLst>
-                            <p:childTnLst>
-                              <p:par>
-                                <p:cTn id="5" presetID="42" presetClass="entr" presetSubtype="0" fill="hold" grpId="0" nodeType="clickEffect">
-                                  <p:stCondLst>
-                                    <p:cond delay="0"/>
-                                  </p:stCondLst>
-                                  <p:childTnLst>
-                                    <p:set>
-                                      <p:cBhvr>
-                                        <p:cTn id="6" dur="1" fill="hold">
-                                          <p:stCondLst>
-                                            <p:cond delay="0"/>
-                                          </p:stCondLst>
-                                        </p:cTn>
-                                        <p:tgtEl>
-                                          <p:spTgt spid="6"/>
-                                        </p:tgtEl>
-                                        <p:attrNameLst>
-                                          <p:attrName>style.visibility</p:attrName>
-                                        </p:attrNameLst>
-                                      </p:cBhvr>
-                                      <p:to>
-                                        <p:strVal val="visible"/>
-                                      </p:to>
-                                    </p:set>
-                                    <p:animEffect transition="in" filter="fade">
-                                      <p:cBhvr>
-                                        <p:cTn id="7" dur="1000"/>
-                                        <p:tgtEl>
-                                          <p:spTgt spid="6"/>
-                                        </p:tgtEl>
-                                      </p:cBhvr>
-                                    </p:animEffect>
-                                    <p:anim calcmode="lin" valueType="num">
-                                      <p:cBhvr>
-                                        <p:cTn id="8" dur="1000" fill="hold"/>
-                                        <p:tgtEl>
-                                          <p:spTgt spid="6"/>
-                                        </p:tgtEl>
-                                        <p:attrNameLst>
-                                          <p:attrName>ppt_x</p:attrName>
-                                        </p:attrNameLst>
-                                      </p:cBhvr>
-                                      <p:tavLst>
-                                        <p:tav tm="0">
-                                          <p:val>
-                                            <p:strVal val="#ppt_x"/>
-                                          </p:val>
-                                        </p:tav>
-                                        <p:tav tm="100000">
-                                          <p:val>
-                                            <p:strVal val="#ppt_x"/>
-                                          </p:val>
-                                        </p:tav>
-                                      </p:tavLst>
-                                    </p:anim>
-                                    <p:anim calcmode="lin" valueType="num">
-                                      <p:cBhvr>
-                                        <p:cTn id="9" dur="1000" fill="hold"/>
-                                        <p:tgtEl>
-                                          <p:spTgt spid="6"/>
-                                        </p:tgtEl>
-                                        <p:attrNameLst>
-                                          <p:attrName>ppt_y</p:attrName>
-                                        </p:attrNameLst>
-                                      </p:cBhvr>
-                                      <p:tavLst>
-                                        <p:tav tm="0">
-                                          <p:val>
-                                            <p:strVal val="#ppt_y+.1"/>
-                                          </p:val>
-                                        </p:tav>
-                                        <p:tav tm="100000">
-                                          <p:val>
-                                            <p:strVal val="#ppt_y"/>
-                                          </p:val>
-                                        </p:tav>
-                                      </p:tavLst>
-                                    </p:anim>
-                                  </p:childTnLst>
-                                </p:cTn>
-                              </p:par>
-                              <p:par>
-                                <p:cTn id="10" presetID="42" presetClass="entr" presetSubtype="0" fill="hold" grpId="0" nodeType="withEffect">
-                                  <p:stCondLst>
-                                    <p:cond delay="0"/>
-                                  </p:stCondLst>
-                                  <p:childTnLst>
-                                    <p:set>
-                                      <p:cBhvr>
-                                        <p:cTn id="11" dur="1" fill="hold">
-                                          <p:stCondLst>
-                                            <p:cond delay="0"/>
-                                          </p:stCondLst>
-                                        </p:cTn>
-                                        <p:tgtEl>
-                                          <p:spTgt spid="10"/>
-                                        </p:tgtEl>
-                                        <p:attrNameLst>
-                                          <p:attrName>style.visibility</p:attrName>
-                                        </p:attrNameLst>
-                                      </p:cBhvr>
-                                      <p:to>
-                                        <p:strVal val="visible"/>
-                                      </p:to>
-                                    </p:set>
-                                    <p:animEffect transition="in" filter="fade">
-                                      <p:cBhvr>
-                                        <p:cTn id="12" dur="1000"/>
-                                        <p:tgtEl>
-                                          <p:spTgt spid="10"/>
-                                        </p:tgtEl>
-                                      </p:cBhvr>
-                                    </p:animEffect>
-                                    <p:anim calcmode="lin" valueType="num">
-                                      <p:cBhvr>
-                                        <p:cTn id="13" dur="1000" fill="hold"/>
-                                        <p:tgtEl>
-                                          <p:spTgt spid="10"/>
-                                        </p:tgtEl>
-                                        <p:attrNameLst>
-                                          <p:attrName>ppt_x</p:attrName>
-                                        </p:attrNameLst>
-                                      </p:cBhvr>
-                                      <p:tavLst>
-                                        <p:tav tm="0">
-                                          <p:val>
-                                            <p:strVal val="#ppt_x"/>
-                                          </p:val>
-                                        </p:tav>
-                                        <p:tav tm="100000">
-                                          <p:val>
-                                            <p:strVal val="#ppt_x"/>
-                                          </p:val>
-                                        </p:tav>
-                                      </p:tavLst>
-                                    </p:anim>
-                                    <p:anim calcmode="lin" valueType="num">
-                                      <p:cBhvr>
-                                        <p:cTn id="14" dur="1000" fill="hold"/>
-                                        <p:tgtEl>
-                                          <p:spTgt spid="10"/>
-                                        </p:tgtEl>
-                                        <p:attrNameLst>
-                                          <p:attrName>ppt_y</p:attrName>
-                                        </p:attrNameLst>
-                                      </p:cBhvr>
-                                      <p:tavLst>
-                                        <p:tav tm="0">
-                                          <p:val>
-                                            <p:strVal val="#ppt_y+.1"/>
-                                          </p:val>
-                                        </p:tav>
-                                        <p:tav tm="100000">
-                                          <p:val>
-                                            <p:strVal val="#ppt_y"/>
-                                          </p:val>
-                                        </p:tav>
-                                      </p:tavLst>
-                                    </p:anim>
-                                  </p:childTnLst>
-                                </p:cTn>
-                              </p:par>
-                              <p:par>
-                                <p:cTn id="15" presetID="42" presetClass="entr" presetSubtype="0" fill="hold" grpId="0" nodeType="withEffect">
-                                  <p:stCondLst>
-                                    <p:cond delay="0"/>
-                                  </p:stCondLst>
-                                  <p:childTnLst>
-                                    <p:set>
-                                      <p:cBhvr>
-                                        <p:cTn id="16" dur="1" fill="hold">
-                                          <p:stCondLst>
-                                            <p:cond delay="0"/>
-                                          </p:stCondLst>
-                                        </p:cTn>
-                                        <p:tgtEl>
-                                          <p:spTgt spid="11"/>
-                                        </p:tgtEl>
-                                        <p:attrNameLst>
-                                          <p:attrName>style.visibility</p:attrName>
-                                        </p:attrNameLst>
-                                      </p:cBhvr>
-                                      <p:to>
-                                        <p:strVal val="visible"/>
-                                      </p:to>
-                                    </p:set>
-                                    <p:animEffect transition="in" filter="fade">
-                                      <p:cBhvr>
-                                        <p:cTn id="17" dur="1000"/>
-                                        <p:tgtEl>
-                                          <p:spTgt spid="11"/>
-                                        </p:tgtEl>
-                                      </p:cBhvr>
-                                    </p:animEffect>
-                                    <p:anim calcmode="lin" valueType="num">
-                                      <p:cBhvr>
-                                        <p:cTn id="18" dur="1000" fill="hold"/>
-                                        <p:tgtEl>
-                                          <p:spTgt spid="11"/>
-                                        </p:tgtEl>
-                                        <p:attrNameLst>
-                                          <p:attrName>ppt_x</p:attrName>
-                                        </p:attrNameLst>
-                                      </p:cBhvr>
-                                      <p:tavLst>
-                                        <p:tav tm="0">
-                                          <p:val>
-                                            <p:strVal val="#ppt_x"/>
-                                          </p:val>
-                                        </p:tav>
-                                        <p:tav tm="100000">
-                                          <p:val>
-                                            <p:strVal val="#ppt_x"/>
-                                          </p:val>
-                                        </p:tav>
-                                      </p:tavLst>
-                                    </p:anim>
-                                    <p:anim calcmode="lin" valueType="num">
-                                      <p:cBhvr>
-                                        <p:cTn id="19" dur="1000" fill="hold"/>
-                                        <p:tgtEl>
-                                          <p:spTgt spid="11"/>
-                                        </p:tgtEl>
-                                        <p:attrNameLst>
-                                          <p:attrName>ppt_y</p:attrName>
-                                        </p:attrNameLst>
-                                      </p:cBhvr>
-                                      <p:tavLst>
-                                        <p:tav tm="0">
-                                          <p:val>
-                                            <p:strVal val="#ppt_y+.1"/>
-                                          </p:val>
-                                        </p:tav>
-                                        <p:tav tm="100000">
-                                          <p:val>
-                                            <p:strVal val="#ppt_y"/>
-                                          </p:val>
-                                        </p:tav>
-                                      </p:tavLst>
-                                    </p:anim>
-                                  </p:childTnLst>
-                                </p:cTn>
-                              </p:par>
-                            </p:childTnLst>
-                          </p:cTn>
-                        </p:par>
-                      </p:childTnLst>
-                    </p:cTn>
-                  </p:par>
-                </p:childTnLst>
-              </p:cTn>
-              <p:prevCondLst>
-                <p:cond evt="onPrev" delay="0">
-                  <p:tgtEl>
-                    <p:sldTgt/>
-                  </p:tgtEl>
-                </p:cond>
-              </p:prevCondLst>
-              <p:nextCondLst>
-                <p:cond evt="onNext" delay="0">
-                  <p:tgtEl>
-                    <p:sldTgt/>
-                  </p:tgtEl>
-                </p:cond>
-              </p:nextCondLst>
-            </p:seq>
-          </p:childTnLst>
-        </p:cTn>
+        <p:cTn id="1" dur="indefinite" restart="never" nodeType="tmRoot"/>
       </p:par>
     </p:tnLst>
-    <p:bldLst>
-      <p:bldP spid="6" grpId="0" animBg="1"/>
-      <p:bldP spid="10" grpId="0"/>
-      <p:bldP spid="11" grpId="0"/>
-    </p:bldLst>
   </p:timing>
 </p:sld>
 </file>
@@ -24058,35 +22701,6 @@
           </a:p>
         </p:txBody>
       </p:sp>
-      <p:sp>
-        <p:nvSpPr>
-          <p:cNvPr id="10" name="Slide Number Placeholder 9">
-            <a:extLst>
-              <a:ext uri="{FF2B5EF4-FFF2-40B4-BE49-F238E27FC236}">
-                <a16:creationId xmlns:a16="http://schemas.microsoft.com/office/drawing/2014/main" id="{D6C6B23D-8379-4B50-B47E-46720EF12C17}"/>
-              </a:ext>
-            </a:extLst>
-          </p:cNvPr>
-          <p:cNvSpPr>
-            <a:spLocks noGrp="1"/>
-          </p:cNvSpPr>
-          <p:nvPr>
-            <p:ph type="sldNum" sz="quarter" idx="12"/>
-          </p:nvPr>
-        </p:nvSpPr>
-        <p:spPr/>
-        <p:txBody>
-          <a:bodyPr/>
-          <a:lstStyle/>
-          <a:p>
-            <a:fld id="{2376E620-B82E-4BB3-B55A-C1C511C62C08}" type="slidenum">
-              <a:rPr lang="fr-FR" smtClean="0"/>
-              <a:t>53</a:t>
-            </a:fld>
-            <a:endParaRPr lang="fr-FR"/>
-          </a:p>
-        </p:txBody>
-      </p:sp>
     </p:spTree>
     <p:extLst>
       <p:ext uri="{BB962C8B-B14F-4D97-AF65-F5344CB8AC3E}">
@@ -24112,150 +22726,9 @@
   <p:timing>
     <p:tnLst>
       <p:par>
-        <p:cTn id="1" dur="indefinite" restart="never" nodeType="tmRoot">
-          <p:childTnLst>
-            <p:seq concurrent="1" nextAc="seek">
-              <p:cTn id="2" dur="indefinite" nodeType="mainSeq">
-                <p:childTnLst>
-                  <p:par>
-                    <p:cTn id="3" fill="hold">
-                      <p:stCondLst>
-                        <p:cond delay="indefinite"/>
-                        <p:cond evt="onBegin" delay="0">
-                          <p:tn val="2"/>
-                        </p:cond>
-                      </p:stCondLst>
-                      <p:childTnLst>
-                        <p:par>
-                          <p:cTn id="4" fill="hold">
-                            <p:stCondLst>
-                              <p:cond delay="0"/>
-                            </p:stCondLst>
-                            <p:childTnLst>
-                              <p:par>
-                                <p:cTn id="5" presetID="10" presetClass="entr" presetSubtype="0" fill="hold" grpId="0" nodeType="withEffect">
-                                  <p:stCondLst>
-                                    <p:cond delay="0"/>
-                                  </p:stCondLst>
-                                  <p:childTnLst>
-                                    <p:set>
-                                      <p:cBhvr>
-                                        <p:cTn id="6" dur="1" fill="hold">
-                                          <p:stCondLst>
-                                            <p:cond delay="0"/>
-                                          </p:stCondLst>
-                                        </p:cTn>
-                                        <p:tgtEl>
-                                          <p:spTgt spid="6"/>
-                                        </p:tgtEl>
-                                        <p:attrNameLst>
-                                          <p:attrName>style.visibility</p:attrName>
-                                        </p:attrNameLst>
-                                      </p:cBhvr>
-                                      <p:to>
-                                        <p:strVal val="visible"/>
-                                      </p:to>
-                                    </p:set>
-                                    <p:animEffect transition="in" filter="fade">
-                                      <p:cBhvr>
-                                        <p:cTn id="7" dur="500"/>
-                                        <p:tgtEl>
-                                          <p:spTgt spid="6"/>
-                                        </p:tgtEl>
-                                      </p:cBhvr>
-                                    </p:animEffect>
-                                  </p:childTnLst>
-                                </p:cTn>
-                              </p:par>
-                            </p:childTnLst>
-                          </p:cTn>
-                        </p:par>
-                      </p:childTnLst>
-                    </p:cTn>
-                  </p:par>
-                  <p:par>
-                    <p:cTn id="8" fill="hold">
-                      <p:stCondLst>
-                        <p:cond delay="indefinite"/>
-                      </p:stCondLst>
-                      <p:childTnLst>
-                        <p:par>
-                          <p:cTn id="9" fill="hold">
-                            <p:stCondLst>
-                              <p:cond delay="0"/>
-                            </p:stCondLst>
-                            <p:childTnLst>
-                              <p:par>
-                                <p:cTn id="10" presetID="16" presetClass="entr" presetSubtype="21" fill="hold" grpId="0" nodeType="clickEffect" nodePh="1">
-                                  <p:stCondLst>
-                                    <p:cond delay="0"/>
-                                  </p:stCondLst>
-                                  <p:endCondLst>
-                                    <p:cond evt="begin" delay="0">
-                                      <p:tn val="10"/>
-                                    </p:cond>
-                                  </p:endCondLst>
-                                  <p:childTnLst>
-                                    <p:set>
-                                      <p:cBhvr>
-                                        <p:cTn id="11" dur="1" fill="hold">
-                                          <p:stCondLst>
-                                            <p:cond delay="0"/>
-                                          </p:stCondLst>
-                                        </p:cTn>
-                                        <p:tgtEl>
-                                          <p:spTgt spid="9"/>
-                                        </p:tgtEl>
-                                        <p:attrNameLst>
-                                          <p:attrName>style.visibility</p:attrName>
-                                        </p:attrNameLst>
-                                      </p:cBhvr>
-                                      <p:to>
-                                        <p:strVal val="visible"/>
-                                      </p:to>
-                                    </p:set>
-                                    <p:animEffect transition="in" filter="barn(inVertical)">
-                                      <p:cBhvr>
-                                        <p:cTn id="12" dur="500"/>
-                                        <p:tgtEl>
-                                          <p:spTgt spid="9"/>
-                                        </p:tgtEl>
-                                      </p:cBhvr>
-                                    </p:animEffect>
-                                  </p:childTnLst>
-                                </p:cTn>
-                              </p:par>
-                            </p:childTnLst>
-                          </p:cTn>
-                        </p:par>
-                      </p:childTnLst>
-                    </p:cTn>
-                  </p:par>
-                </p:childTnLst>
-              </p:cTn>
-              <p:prevCondLst>
-                <p:cond evt="onPrev" delay="0">
-                  <p:tgtEl>
-                    <p:sldTgt/>
-                  </p:tgtEl>
-                </p:cond>
-              </p:prevCondLst>
-              <p:nextCondLst>
-                <p:cond evt="onNext" delay="0">
-                  <p:tgtEl>
-                    <p:sldTgt/>
-                  </p:tgtEl>
-                </p:cond>
-              </p:nextCondLst>
-            </p:seq>
-          </p:childTnLst>
-        </p:cTn>
+        <p:cTn id="1" dur="indefinite" restart="never" nodeType="tmRoot"/>
       </p:par>
     </p:tnLst>
-    <p:bldLst>
-      <p:bldP spid="6" grpId="0" animBg="1"/>
-      <p:bldP spid="9" grpId="0"/>
-    </p:bldLst>
   </p:timing>
 </p:sld>
 </file>
@@ -24530,134 +23003,9 @@
   <p:timing>
     <p:tnLst>
       <p:par>
-        <p:cTn id="1" dur="indefinite" restart="never" nodeType="tmRoot">
-          <p:childTnLst>
-            <p:seq concurrent="1" nextAc="seek">
-              <p:cTn id="2" dur="indefinite" nodeType="mainSeq">
-                <p:childTnLst>
-                  <p:par>
-                    <p:cTn id="3" fill="hold">
-                      <p:stCondLst>
-                        <p:cond delay="indefinite"/>
-                      </p:stCondLst>
-                      <p:childTnLst>
-                        <p:par>
-                          <p:cTn id="4" fill="hold">
-                            <p:stCondLst>
-                              <p:cond delay="0"/>
-                            </p:stCondLst>
-                            <p:childTnLst>
-                              <p:par>
-                                <p:cTn id="5" presetID="42" presetClass="entr" presetSubtype="0" fill="hold" grpId="0" nodeType="clickEffect">
-                                  <p:stCondLst>
-                                    <p:cond delay="0"/>
-                                  </p:stCondLst>
-                                  <p:childTnLst>
-                                    <p:set>
-                                      <p:cBhvr>
-                                        <p:cTn id="6" dur="1" fill="hold">
-                                          <p:stCondLst>
-                                            <p:cond delay="0"/>
-                                          </p:stCondLst>
-                                        </p:cTn>
-                                        <p:tgtEl>
-                                          <p:spTgt spid="6"/>
-                                        </p:tgtEl>
-                                        <p:attrNameLst>
-                                          <p:attrName>style.visibility</p:attrName>
-                                        </p:attrNameLst>
-                                      </p:cBhvr>
-                                      <p:to>
-                                        <p:strVal val="visible"/>
-                                      </p:to>
-                                    </p:set>
-                                    <p:animEffect transition="in" filter="fade">
-                                      <p:cBhvr>
-                                        <p:cTn id="7" dur="1000"/>
-                                        <p:tgtEl>
-                                          <p:spTgt spid="6"/>
-                                        </p:tgtEl>
-                                      </p:cBhvr>
-                                    </p:animEffect>
-                                    <p:anim calcmode="lin" valueType="num">
-                                      <p:cBhvr>
-                                        <p:cTn id="8" dur="1000" fill="hold"/>
-                                        <p:tgtEl>
-                                          <p:spTgt spid="6"/>
-                                        </p:tgtEl>
-                                        <p:attrNameLst>
-                                          <p:attrName>ppt_x</p:attrName>
-                                        </p:attrNameLst>
-                                      </p:cBhvr>
-                                      <p:tavLst>
-                                        <p:tav tm="0">
-                                          <p:val>
-                                            <p:strVal val="#ppt_x"/>
-                                          </p:val>
-                                        </p:tav>
-                                        <p:tav tm="100000">
-                                          <p:val>
-                                            <p:strVal val="#ppt_x"/>
-                                          </p:val>
-                                        </p:tav>
-                                      </p:tavLst>
-                                    </p:anim>
-                                    <p:anim calcmode="lin" valueType="num">
-                                      <p:cBhvr>
-                                        <p:cTn id="9" dur="1000" fill="hold"/>
-                                        <p:tgtEl>
-                                          <p:spTgt spid="6"/>
-                                        </p:tgtEl>
-                                        <p:attrNameLst>
-                                          <p:attrName>ppt_y</p:attrName>
-                                        </p:attrNameLst>
-                                      </p:cBhvr>
-                                      <p:tavLst>
-                                        <p:tav tm="0">
-                                          <p:val>
-                                            <p:strVal val="#ppt_y+.1"/>
-                                          </p:val>
-                                        </p:tav>
-                                        <p:tav tm="100000">
-                                          <p:val>
-                                            <p:strVal val="#ppt_y"/>
-                                          </p:val>
-                                        </p:tav>
-                                      </p:tavLst>
-                                    </p:anim>
-                                  </p:childTnLst>
-                                </p:cTn>
-                              </p:par>
-                            </p:childTnLst>
-                          </p:cTn>
-                        </p:par>
-                      </p:childTnLst>
-                    </p:cTn>
-                  </p:par>
-                </p:childTnLst>
-              </p:cTn>
-              <p:prevCondLst>
-                <p:cond evt="onPrev" delay="0">
-                  <p:tgtEl>
-                    <p:sldTgt/>
-                  </p:tgtEl>
-                </p:cond>
-              </p:prevCondLst>
-              <p:nextCondLst>
-                <p:cond evt="onNext" delay="0">
-                  <p:tgtEl>
-                    <p:sldTgt/>
-                  </p:tgtEl>
-                </p:cond>
-              </p:nextCondLst>
-            </p:seq>
-          </p:childTnLst>
-        </p:cTn>
+        <p:cTn id="1" dur="indefinite" restart="never" nodeType="tmRoot"/>
       </p:par>
     </p:tnLst>
-    <p:bldLst>
-      <p:bldP spid="6" grpId="0"/>
-    </p:bldLst>
   </p:timing>
 </p:sld>
 </file>
@@ -24758,6 +23106,13 @@
   <p:clrMapOvr>
     <a:masterClrMapping/>
   </p:clrMapOvr>
+  <p:timing>
+    <p:tnLst>
+      <p:par>
+        <p:cTn id="1" dur="indefinite" restart="never" nodeType="tmRoot"/>
+      </p:par>
+    </p:tnLst>
+  </p:timing>
 </p:sld>
 </file>
 
@@ -24990,129 +23345,7 @@
   <p:timing>
     <p:tnLst>
       <p:par>
-        <p:cTn id="1" dur="indefinite" restart="never" nodeType="tmRoot">
-          <p:childTnLst>
-            <p:seq concurrent="1" nextAc="seek">
-              <p:cTn id="2" dur="indefinite" nodeType="mainSeq">
-                <p:childTnLst>
-                  <p:par>
-                    <p:cTn id="3" fill="hold">
-                      <p:stCondLst>
-                        <p:cond delay="indefinite"/>
-                      </p:stCondLst>
-                      <p:childTnLst>
-                        <p:par>
-                          <p:cTn id="4" fill="hold">
-                            <p:stCondLst>
-                              <p:cond delay="0"/>
-                            </p:stCondLst>
-                            <p:childTnLst>
-                              <p:par>
-                                <p:cTn id="5" presetID="42" presetClass="entr" presetSubtype="0" fill="hold" nodeType="clickEffect">
-                                  <p:stCondLst>
-                                    <p:cond delay="0"/>
-                                  </p:stCondLst>
-                                  <p:childTnLst>
-                                    <p:set>
-                                      <p:cBhvr>
-                                        <p:cTn id="6" dur="1" fill="hold">
-                                          <p:stCondLst>
-                                            <p:cond delay="0"/>
-                                          </p:stCondLst>
-                                        </p:cTn>
-                                        <p:tgtEl>
-                                          <p:spTgt spid="11"/>
-                                        </p:tgtEl>
-                                        <p:attrNameLst>
-                                          <p:attrName>style.visibility</p:attrName>
-                                        </p:attrNameLst>
-                                      </p:cBhvr>
-                                      <p:to>
-                                        <p:strVal val="visible"/>
-                                      </p:to>
-                                    </p:set>
-                                    <p:animEffect transition="in" filter="fade">
-                                      <p:cBhvr>
-                                        <p:cTn id="7" dur="1000"/>
-                                        <p:tgtEl>
-                                          <p:spTgt spid="11"/>
-                                        </p:tgtEl>
-                                      </p:cBhvr>
-                                    </p:animEffect>
-                                    <p:anim calcmode="lin" valueType="num">
-                                      <p:cBhvr>
-                                        <p:cTn id="8" dur="1000" fill="hold"/>
-                                        <p:tgtEl>
-                                          <p:spTgt spid="11"/>
-                                        </p:tgtEl>
-                                        <p:attrNameLst>
-                                          <p:attrName>ppt_x</p:attrName>
-                                        </p:attrNameLst>
-                                      </p:cBhvr>
-                                      <p:tavLst>
-                                        <p:tav tm="0">
-                                          <p:val>
-                                            <p:strVal val="#ppt_x"/>
-                                          </p:val>
-                                        </p:tav>
-                                        <p:tav tm="100000">
-                                          <p:val>
-                                            <p:strVal val="#ppt_x"/>
-                                          </p:val>
-                                        </p:tav>
-                                      </p:tavLst>
-                                    </p:anim>
-                                    <p:anim calcmode="lin" valueType="num">
-                                      <p:cBhvr>
-                                        <p:cTn id="9" dur="1000" fill="hold"/>
-                                        <p:tgtEl>
-                                          <p:spTgt spid="11"/>
-                                        </p:tgtEl>
-                                        <p:attrNameLst>
-                                          <p:attrName>ppt_y</p:attrName>
-                                        </p:attrNameLst>
-                                      </p:cBhvr>
-                                      <p:tavLst>
-                                        <p:tav tm="0">
-                                          <p:val>
-                                            <p:strVal val="#ppt_y+.1"/>
-                                          </p:val>
-                                        </p:tav>
-                                        <p:tav tm="100000">
-                                          <p:val>
-                                            <p:strVal val="#ppt_y"/>
-                                          </p:val>
-                                        </p:tav>
-                                      </p:tavLst>
-                                    </p:anim>
-                                  </p:childTnLst>
-                                </p:cTn>
-                              </p:par>
-                            </p:childTnLst>
-                          </p:cTn>
-                        </p:par>
-                      </p:childTnLst>
-                    </p:cTn>
-                  </p:par>
-                </p:childTnLst>
-              </p:cTn>
-              <p:prevCondLst>
-                <p:cond evt="onPrev" delay="0">
-                  <p:tgtEl>
-                    <p:sldTgt/>
-                  </p:tgtEl>
-                </p:cond>
-              </p:prevCondLst>
-              <p:nextCondLst>
-                <p:cond evt="onNext" delay="0">
-                  <p:tgtEl>
-                    <p:sldTgt/>
-                  </p:tgtEl>
-                </p:cond>
-              </p:nextCondLst>
-            </p:seq>
-          </p:childTnLst>
-        </p:cTn>
+        <p:cTn id="1" dur="indefinite" restart="never" nodeType="tmRoot"/>
       </p:par>
     </p:tnLst>
   </p:timing>
@@ -25348,129 +23581,7 @@
   <p:timing>
     <p:tnLst>
       <p:par>
-        <p:cTn id="1" dur="indefinite" restart="never" nodeType="tmRoot">
-          <p:childTnLst>
-            <p:seq concurrent="1" nextAc="seek">
-              <p:cTn id="2" dur="indefinite" nodeType="mainSeq">
-                <p:childTnLst>
-                  <p:par>
-                    <p:cTn id="3" fill="hold">
-                      <p:stCondLst>
-                        <p:cond delay="indefinite"/>
-                      </p:stCondLst>
-                      <p:childTnLst>
-                        <p:par>
-                          <p:cTn id="4" fill="hold">
-                            <p:stCondLst>
-                              <p:cond delay="0"/>
-                            </p:stCondLst>
-                            <p:childTnLst>
-                              <p:par>
-                                <p:cTn id="5" presetID="42" presetClass="entr" presetSubtype="0" fill="hold" nodeType="clickEffect">
-                                  <p:stCondLst>
-                                    <p:cond delay="0"/>
-                                  </p:stCondLst>
-                                  <p:childTnLst>
-                                    <p:set>
-                                      <p:cBhvr>
-                                        <p:cTn id="6" dur="1" fill="hold">
-                                          <p:stCondLst>
-                                            <p:cond delay="0"/>
-                                          </p:stCondLst>
-                                        </p:cTn>
-                                        <p:tgtEl>
-                                          <p:spTgt spid="10"/>
-                                        </p:tgtEl>
-                                        <p:attrNameLst>
-                                          <p:attrName>style.visibility</p:attrName>
-                                        </p:attrNameLst>
-                                      </p:cBhvr>
-                                      <p:to>
-                                        <p:strVal val="visible"/>
-                                      </p:to>
-                                    </p:set>
-                                    <p:animEffect transition="in" filter="fade">
-                                      <p:cBhvr>
-                                        <p:cTn id="7" dur="1000"/>
-                                        <p:tgtEl>
-                                          <p:spTgt spid="10"/>
-                                        </p:tgtEl>
-                                      </p:cBhvr>
-                                    </p:animEffect>
-                                    <p:anim calcmode="lin" valueType="num">
-                                      <p:cBhvr>
-                                        <p:cTn id="8" dur="1000" fill="hold"/>
-                                        <p:tgtEl>
-                                          <p:spTgt spid="10"/>
-                                        </p:tgtEl>
-                                        <p:attrNameLst>
-                                          <p:attrName>ppt_x</p:attrName>
-                                        </p:attrNameLst>
-                                      </p:cBhvr>
-                                      <p:tavLst>
-                                        <p:tav tm="0">
-                                          <p:val>
-                                            <p:strVal val="#ppt_x"/>
-                                          </p:val>
-                                        </p:tav>
-                                        <p:tav tm="100000">
-                                          <p:val>
-                                            <p:strVal val="#ppt_x"/>
-                                          </p:val>
-                                        </p:tav>
-                                      </p:tavLst>
-                                    </p:anim>
-                                    <p:anim calcmode="lin" valueType="num">
-                                      <p:cBhvr>
-                                        <p:cTn id="9" dur="1000" fill="hold"/>
-                                        <p:tgtEl>
-                                          <p:spTgt spid="10"/>
-                                        </p:tgtEl>
-                                        <p:attrNameLst>
-                                          <p:attrName>ppt_y</p:attrName>
-                                        </p:attrNameLst>
-                                      </p:cBhvr>
-                                      <p:tavLst>
-                                        <p:tav tm="0">
-                                          <p:val>
-                                            <p:strVal val="#ppt_y+.1"/>
-                                          </p:val>
-                                        </p:tav>
-                                        <p:tav tm="100000">
-                                          <p:val>
-                                            <p:strVal val="#ppt_y"/>
-                                          </p:val>
-                                        </p:tav>
-                                      </p:tavLst>
-                                    </p:anim>
-                                  </p:childTnLst>
-                                </p:cTn>
-                              </p:par>
-                            </p:childTnLst>
-                          </p:cTn>
-                        </p:par>
-                      </p:childTnLst>
-                    </p:cTn>
-                  </p:par>
-                </p:childTnLst>
-              </p:cTn>
-              <p:prevCondLst>
-                <p:cond evt="onPrev" delay="0">
-                  <p:tgtEl>
-                    <p:sldTgt/>
-                  </p:tgtEl>
-                </p:cond>
-              </p:prevCondLst>
-              <p:nextCondLst>
-                <p:cond evt="onNext" delay="0">
-                  <p:tgtEl>
-                    <p:sldTgt/>
-                  </p:tgtEl>
-                </p:cond>
-              </p:nextCondLst>
-            </p:seq>
-          </p:childTnLst>
-        </p:cTn>
+        <p:cTn id="1" dur="indefinite" restart="never" nodeType="tmRoot"/>
       </p:par>
     </p:tnLst>
   </p:timing>
@@ -25706,129 +23817,7 @@
   <p:timing>
     <p:tnLst>
       <p:par>
-        <p:cTn id="1" dur="indefinite" restart="never" nodeType="tmRoot">
-          <p:childTnLst>
-            <p:seq concurrent="1" nextAc="seek">
-              <p:cTn id="2" dur="indefinite" nodeType="mainSeq">
-                <p:childTnLst>
-                  <p:par>
-                    <p:cTn id="3" fill="hold">
-                      <p:stCondLst>
-                        <p:cond delay="indefinite"/>
-                      </p:stCondLst>
-                      <p:childTnLst>
-                        <p:par>
-                          <p:cTn id="4" fill="hold">
-                            <p:stCondLst>
-                              <p:cond delay="0"/>
-                            </p:stCondLst>
-                            <p:childTnLst>
-                              <p:par>
-                                <p:cTn id="5" presetID="42" presetClass="entr" presetSubtype="0" fill="hold" nodeType="clickEffect">
-                                  <p:stCondLst>
-                                    <p:cond delay="0"/>
-                                  </p:stCondLst>
-                                  <p:childTnLst>
-                                    <p:set>
-                                      <p:cBhvr>
-                                        <p:cTn id="6" dur="1" fill="hold">
-                                          <p:stCondLst>
-                                            <p:cond delay="0"/>
-                                          </p:stCondLst>
-                                        </p:cTn>
-                                        <p:tgtEl>
-                                          <p:spTgt spid="9"/>
-                                        </p:tgtEl>
-                                        <p:attrNameLst>
-                                          <p:attrName>style.visibility</p:attrName>
-                                        </p:attrNameLst>
-                                      </p:cBhvr>
-                                      <p:to>
-                                        <p:strVal val="visible"/>
-                                      </p:to>
-                                    </p:set>
-                                    <p:animEffect transition="in" filter="fade">
-                                      <p:cBhvr>
-                                        <p:cTn id="7" dur="1000"/>
-                                        <p:tgtEl>
-                                          <p:spTgt spid="9"/>
-                                        </p:tgtEl>
-                                      </p:cBhvr>
-                                    </p:animEffect>
-                                    <p:anim calcmode="lin" valueType="num">
-                                      <p:cBhvr>
-                                        <p:cTn id="8" dur="1000" fill="hold"/>
-                                        <p:tgtEl>
-                                          <p:spTgt spid="9"/>
-                                        </p:tgtEl>
-                                        <p:attrNameLst>
-                                          <p:attrName>ppt_x</p:attrName>
-                                        </p:attrNameLst>
-                                      </p:cBhvr>
-                                      <p:tavLst>
-                                        <p:tav tm="0">
-                                          <p:val>
-                                            <p:strVal val="#ppt_x"/>
-                                          </p:val>
-                                        </p:tav>
-                                        <p:tav tm="100000">
-                                          <p:val>
-                                            <p:strVal val="#ppt_x"/>
-                                          </p:val>
-                                        </p:tav>
-                                      </p:tavLst>
-                                    </p:anim>
-                                    <p:anim calcmode="lin" valueType="num">
-                                      <p:cBhvr>
-                                        <p:cTn id="9" dur="1000" fill="hold"/>
-                                        <p:tgtEl>
-                                          <p:spTgt spid="9"/>
-                                        </p:tgtEl>
-                                        <p:attrNameLst>
-                                          <p:attrName>ppt_y</p:attrName>
-                                        </p:attrNameLst>
-                                      </p:cBhvr>
-                                      <p:tavLst>
-                                        <p:tav tm="0">
-                                          <p:val>
-                                            <p:strVal val="#ppt_y+.1"/>
-                                          </p:val>
-                                        </p:tav>
-                                        <p:tav tm="100000">
-                                          <p:val>
-                                            <p:strVal val="#ppt_y"/>
-                                          </p:val>
-                                        </p:tav>
-                                      </p:tavLst>
-                                    </p:anim>
-                                  </p:childTnLst>
-                                </p:cTn>
-                              </p:par>
-                            </p:childTnLst>
-                          </p:cTn>
-                        </p:par>
-                      </p:childTnLst>
-                    </p:cTn>
-                  </p:par>
-                </p:childTnLst>
-              </p:cTn>
-              <p:prevCondLst>
-                <p:cond evt="onPrev" delay="0">
-                  <p:tgtEl>
-                    <p:sldTgt/>
-                  </p:tgtEl>
-                </p:cond>
-              </p:prevCondLst>
-              <p:nextCondLst>
-                <p:cond evt="onNext" delay="0">
-                  <p:tgtEl>
-                    <p:sldTgt/>
-                  </p:tgtEl>
-                </p:cond>
-              </p:nextCondLst>
-            </p:seq>
-          </p:childTnLst>
-        </p:cTn>
+        <p:cTn id="1" dur="indefinite" restart="never" nodeType="tmRoot"/>
       </p:par>
     </p:tnLst>
   </p:timing>
@@ -26618,462 +24607,9 @@
   <p:timing>
     <p:tnLst>
       <p:par>
-        <p:cTn id="1" dur="indefinite" restart="never" nodeType="tmRoot">
-          <p:childTnLst>
-            <p:seq concurrent="1" nextAc="seek">
-              <p:cTn id="2" dur="indefinite" nodeType="mainSeq">
-                <p:childTnLst>
-                  <p:par>
-                    <p:cTn id="3" fill="hold">
-                      <p:stCondLst>
-                        <p:cond delay="indefinite"/>
-                      </p:stCondLst>
-                      <p:childTnLst>
-                        <p:par>
-                          <p:cTn id="4" fill="hold">
-                            <p:stCondLst>
-                              <p:cond delay="0"/>
-                            </p:stCondLst>
-                            <p:childTnLst>
-                              <p:par>
-                                <p:cTn id="5" presetID="42" presetClass="entr" presetSubtype="0" fill="hold" grpId="0" nodeType="clickEffect">
-                                  <p:stCondLst>
-                                    <p:cond delay="0"/>
-                                  </p:stCondLst>
-                                  <p:childTnLst>
-                                    <p:set>
-                                      <p:cBhvr>
-                                        <p:cTn id="6" dur="1" fill="hold">
-                                          <p:stCondLst>
-                                            <p:cond delay="0"/>
-                                          </p:stCondLst>
-                                        </p:cTn>
-                                        <p:tgtEl>
-                                          <p:spTgt spid="6"/>
-                                        </p:tgtEl>
-                                        <p:attrNameLst>
-                                          <p:attrName>style.visibility</p:attrName>
-                                        </p:attrNameLst>
-                                      </p:cBhvr>
-                                      <p:to>
-                                        <p:strVal val="visible"/>
-                                      </p:to>
-                                    </p:set>
-                                    <p:animEffect transition="in" filter="fade">
-                                      <p:cBhvr>
-                                        <p:cTn id="7" dur="1000"/>
-                                        <p:tgtEl>
-                                          <p:spTgt spid="6"/>
-                                        </p:tgtEl>
-                                      </p:cBhvr>
-                                    </p:animEffect>
-                                    <p:anim calcmode="lin" valueType="num">
-                                      <p:cBhvr>
-                                        <p:cTn id="8" dur="1000" fill="hold"/>
-                                        <p:tgtEl>
-                                          <p:spTgt spid="6"/>
-                                        </p:tgtEl>
-                                        <p:attrNameLst>
-                                          <p:attrName>ppt_x</p:attrName>
-                                        </p:attrNameLst>
-                                      </p:cBhvr>
-                                      <p:tavLst>
-                                        <p:tav tm="0">
-                                          <p:val>
-                                            <p:strVal val="#ppt_x"/>
-                                          </p:val>
-                                        </p:tav>
-                                        <p:tav tm="100000">
-                                          <p:val>
-                                            <p:strVal val="#ppt_x"/>
-                                          </p:val>
-                                        </p:tav>
-                                      </p:tavLst>
-                                    </p:anim>
-                                    <p:anim calcmode="lin" valueType="num">
-                                      <p:cBhvr>
-                                        <p:cTn id="9" dur="1000" fill="hold"/>
-                                        <p:tgtEl>
-                                          <p:spTgt spid="6"/>
-                                        </p:tgtEl>
-                                        <p:attrNameLst>
-                                          <p:attrName>ppt_y</p:attrName>
-                                        </p:attrNameLst>
-                                      </p:cBhvr>
-                                      <p:tavLst>
-                                        <p:tav tm="0">
-                                          <p:val>
-                                            <p:strVal val="#ppt_y+.1"/>
-                                          </p:val>
-                                        </p:tav>
-                                        <p:tav tm="100000">
-                                          <p:val>
-                                            <p:strVal val="#ppt_y"/>
-                                          </p:val>
-                                        </p:tav>
-                                      </p:tavLst>
-                                    </p:anim>
-                                  </p:childTnLst>
-                                </p:cTn>
-                              </p:par>
-                              <p:par>
-                                <p:cTn id="10" presetID="42" presetClass="entr" presetSubtype="0" fill="hold" grpId="0" nodeType="withEffect">
-                                  <p:stCondLst>
-                                    <p:cond delay="0"/>
-                                  </p:stCondLst>
-                                  <p:childTnLst>
-                                    <p:set>
-                                      <p:cBhvr>
-                                        <p:cTn id="11" dur="1" fill="hold">
-                                          <p:stCondLst>
-                                            <p:cond delay="0"/>
-                                          </p:stCondLst>
-                                        </p:cTn>
-                                        <p:tgtEl>
-                                          <p:spTgt spid="10"/>
-                                        </p:tgtEl>
-                                        <p:attrNameLst>
-                                          <p:attrName>style.visibility</p:attrName>
-                                        </p:attrNameLst>
-                                      </p:cBhvr>
-                                      <p:to>
-                                        <p:strVal val="visible"/>
-                                      </p:to>
-                                    </p:set>
-                                    <p:animEffect transition="in" filter="fade">
-                                      <p:cBhvr>
-                                        <p:cTn id="12" dur="1000"/>
-                                        <p:tgtEl>
-                                          <p:spTgt spid="10"/>
-                                        </p:tgtEl>
-                                      </p:cBhvr>
-                                    </p:animEffect>
-                                    <p:anim calcmode="lin" valueType="num">
-                                      <p:cBhvr>
-                                        <p:cTn id="13" dur="1000" fill="hold"/>
-                                        <p:tgtEl>
-                                          <p:spTgt spid="10"/>
-                                        </p:tgtEl>
-                                        <p:attrNameLst>
-                                          <p:attrName>ppt_x</p:attrName>
-                                        </p:attrNameLst>
-                                      </p:cBhvr>
-                                      <p:tavLst>
-                                        <p:tav tm="0">
-                                          <p:val>
-                                            <p:strVal val="#ppt_x"/>
-                                          </p:val>
-                                        </p:tav>
-                                        <p:tav tm="100000">
-                                          <p:val>
-                                            <p:strVal val="#ppt_x"/>
-                                          </p:val>
-                                        </p:tav>
-                                      </p:tavLst>
-                                    </p:anim>
-                                    <p:anim calcmode="lin" valueType="num">
-                                      <p:cBhvr>
-                                        <p:cTn id="14" dur="1000" fill="hold"/>
-                                        <p:tgtEl>
-                                          <p:spTgt spid="10"/>
-                                        </p:tgtEl>
-                                        <p:attrNameLst>
-                                          <p:attrName>ppt_y</p:attrName>
-                                        </p:attrNameLst>
-                                      </p:cBhvr>
-                                      <p:tavLst>
-                                        <p:tav tm="0">
-                                          <p:val>
-                                            <p:strVal val="#ppt_y+.1"/>
-                                          </p:val>
-                                        </p:tav>
-                                        <p:tav tm="100000">
-                                          <p:val>
-                                            <p:strVal val="#ppt_y"/>
-                                          </p:val>
-                                        </p:tav>
-                                      </p:tavLst>
-                                    </p:anim>
-                                  </p:childTnLst>
-                                </p:cTn>
-                              </p:par>
-                              <p:par>
-                                <p:cTn id="15" presetID="42" presetClass="entr" presetSubtype="0" fill="hold" grpId="0" nodeType="withEffect">
-                                  <p:stCondLst>
-                                    <p:cond delay="0"/>
-                                  </p:stCondLst>
-                                  <p:childTnLst>
-                                    <p:set>
-                                      <p:cBhvr>
-                                        <p:cTn id="16" dur="1" fill="hold">
-                                          <p:stCondLst>
-                                            <p:cond delay="0"/>
-                                          </p:stCondLst>
-                                        </p:cTn>
-                                        <p:tgtEl>
-                                          <p:spTgt spid="11"/>
-                                        </p:tgtEl>
-                                        <p:attrNameLst>
-                                          <p:attrName>style.visibility</p:attrName>
-                                        </p:attrNameLst>
-                                      </p:cBhvr>
-                                      <p:to>
-                                        <p:strVal val="visible"/>
-                                      </p:to>
-                                    </p:set>
-                                    <p:animEffect transition="in" filter="fade">
-                                      <p:cBhvr>
-                                        <p:cTn id="17" dur="1000"/>
-                                        <p:tgtEl>
-                                          <p:spTgt spid="11"/>
-                                        </p:tgtEl>
-                                      </p:cBhvr>
-                                    </p:animEffect>
-                                    <p:anim calcmode="lin" valueType="num">
-                                      <p:cBhvr>
-                                        <p:cTn id="18" dur="1000" fill="hold"/>
-                                        <p:tgtEl>
-                                          <p:spTgt spid="11"/>
-                                        </p:tgtEl>
-                                        <p:attrNameLst>
-                                          <p:attrName>ppt_x</p:attrName>
-                                        </p:attrNameLst>
-                                      </p:cBhvr>
-                                      <p:tavLst>
-                                        <p:tav tm="0">
-                                          <p:val>
-                                            <p:strVal val="#ppt_x"/>
-                                          </p:val>
-                                        </p:tav>
-                                        <p:tav tm="100000">
-                                          <p:val>
-                                            <p:strVal val="#ppt_x"/>
-                                          </p:val>
-                                        </p:tav>
-                                      </p:tavLst>
-                                    </p:anim>
-                                    <p:anim calcmode="lin" valueType="num">
-                                      <p:cBhvr>
-                                        <p:cTn id="19" dur="1000" fill="hold"/>
-                                        <p:tgtEl>
-                                          <p:spTgt spid="11"/>
-                                        </p:tgtEl>
-                                        <p:attrNameLst>
-                                          <p:attrName>ppt_y</p:attrName>
-                                        </p:attrNameLst>
-                                      </p:cBhvr>
-                                      <p:tavLst>
-                                        <p:tav tm="0">
-                                          <p:val>
-                                            <p:strVal val="#ppt_y+.1"/>
-                                          </p:val>
-                                        </p:tav>
-                                        <p:tav tm="100000">
-                                          <p:val>
-                                            <p:strVal val="#ppt_y"/>
-                                          </p:val>
-                                        </p:tav>
-                                      </p:tavLst>
-                                    </p:anim>
-                                  </p:childTnLst>
-                                </p:cTn>
-                              </p:par>
-                              <p:par>
-                                <p:cTn id="20" presetID="42" presetClass="entr" presetSubtype="0" fill="hold" grpId="0" nodeType="withEffect">
-                                  <p:stCondLst>
-                                    <p:cond delay="0"/>
-                                  </p:stCondLst>
-                                  <p:childTnLst>
-                                    <p:set>
-                                      <p:cBhvr>
-                                        <p:cTn id="21" dur="1" fill="hold">
-                                          <p:stCondLst>
-                                            <p:cond delay="0"/>
-                                          </p:stCondLst>
-                                        </p:cTn>
-                                        <p:tgtEl>
-                                          <p:spTgt spid="13"/>
-                                        </p:tgtEl>
-                                        <p:attrNameLst>
-                                          <p:attrName>style.visibility</p:attrName>
-                                        </p:attrNameLst>
-                                      </p:cBhvr>
-                                      <p:to>
-                                        <p:strVal val="visible"/>
-                                      </p:to>
-                                    </p:set>
-                                    <p:animEffect transition="in" filter="fade">
-                                      <p:cBhvr>
-                                        <p:cTn id="22" dur="1000"/>
-                                        <p:tgtEl>
-                                          <p:spTgt spid="13"/>
-                                        </p:tgtEl>
-                                      </p:cBhvr>
-                                    </p:animEffect>
-                                    <p:anim calcmode="lin" valueType="num">
-                                      <p:cBhvr>
-                                        <p:cTn id="23" dur="1000" fill="hold"/>
-                                        <p:tgtEl>
-                                          <p:spTgt spid="13"/>
-                                        </p:tgtEl>
-                                        <p:attrNameLst>
-                                          <p:attrName>ppt_x</p:attrName>
-                                        </p:attrNameLst>
-                                      </p:cBhvr>
-                                      <p:tavLst>
-                                        <p:tav tm="0">
-                                          <p:val>
-                                            <p:strVal val="#ppt_x"/>
-                                          </p:val>
-                                        </p:tav>
-                                        <p:tav tm="100000">
-                                          <p:val>
-                                            <p:strVal val="#ppt_x"/>
-                                          </p:val>
-                                        </p:tav>
-                                      </p:tavLst>
-                                    </p:anim>
-                                    <p:anim calcmode="lin" valueType="num">
-                                      <p:cBhvr>
-                                        <p:cTn id="24" dur="1000" fill="hold"/>
-                                        <p:tgtEl>
-                                          <p:spTgt spid="13"/>
-                                        </p:tgtEl>
-                                        <p:attrNameLst>
-                                          <p:attrName>ppt_y</p:attrName>
-                                        </p:attrNameLst>
-                                      </p:cBhvr>
-                                      <p:tavLst>
-                                        <p:tav tm="0">
-                                          <p:val>
-                                            <p:strVal val="#ppt_y+.1"/>
-                                          </p:val>
-                                        </p:tav>
-                                        <p:tav tm="100000">
-                                          <p:val>
-                                            <p:strVal val="#ppt_y"/>
-                                          </p:val>
-                                        </p:tav>
-                                      </p:tavLst>
-                                    </p:anim>
-                                  </p:childTnLst>
-                                </p:cTn>
-                              </p:par>
-                              <p:par>
-                                <p:cTn id="25" presetID="42" presetClass="entr" presetSubtype="0" fill="hold" grpId="0" nodeType="withEffect">
-                                  <p:stCondLst>
-                                    <p:cond delay="0"/>
-                                  </p:stCondLst>
-                                  <p:childTnLst>
-                                    <p:set>
-                                      <p:cBhvr>
-                                        <p:cTn id="26" dur="1" fill="hold">
-                                          <p:stCondLst>
-                                            <p:cond delay="0"/>
-                                          </p:stCondLst>
-                                        </p:cTn>
-                                        <p:tgtEl>
-                                          <p:spTgt spid="16"/>
-                                        </p:tgtEl>
-                                        <p:attrNameLst>
-                                          <p:attrName>style.visibility</p:attrName>
-                                        </p:attrNameLst>
-                                      </p:cBhvr>
-                                      <p:to>
-                                        <p:strVal val="visible"/>
-                                      </p:to>
-                                    </p:set>
-                                    <p:animEffect transition="in" filter="fade">
-                                      <p:cBhvr>
-                                        <p:cTn id="27" dur="1000"/>
-                                        <p:tgtEl>
-                                          <p:spTgt spid="16"/>
-                                        </p:tgtEl>
-                                      </p:cBhvr>
-                                    </p:animEffect>
-                                    <p:anim calcmode="lin" valueType="num">
-                                      <p:cBhvr>
-                                        <p:cTn id="28" dur="1000" fill="hold"/>
-                                        <p:tgtEl>
-                                          <p:spTgt spid="16"/>
-                                        </p:tgtEl>
-                                        <p:attrNameLst>
-                                          <p:attrName>ppt_x</p:attrName>
-                                        </p:attrNameLst>
-                                      </p:cBhvr>
-                                      <p:tavLst>
-                                        <p:tav tm="0">
-                                          <p:val>
-                                            <p:strVal val="#ppt_x"/>
-                                          </p:val>
-                                        </p:tav>
-                                        <p:tav tm="100000">
-                                          <p:val>
-                                            <p:strVal val="#ppt_x"/>
-                                          </p:val>
-                                        </p:tav>
-                                      </p:tavLst>
-                                    </p:anim>
-                                    <p:anim calcmode="lin" valueType="num">
-                                      <p:cBhvr>
-                                        <p:cTn id="29" dur="1000" fill="hold"/>
-                                        <p:tgtEl>
-                                          <p:spTgt spid="16"/>
-                                        </p:tgtEl>
-                                        <p:attrNameLst>
-                                          <p:attrName>ppt_y</p:attrName>
-                                        </p:attrNameLst>
-                                      </p:cBhvr>
-                                      <p:tavLst>
-                                        <p:tav tm="0">
-                                          <p:val>
-                                            <p:strVal val="#ppt_y+.1"/>
-                                          </p:val>
-                                        </p:tav>
-                                        <p:tav tm="100000">
-                                          <p:val>
-                                            <p:strVal val="#ppt_y"/>
-                                          </p:val>
-                                        </p:tav>
-                                      </p:tavLst>
-                                    </p:anim>
-                                  </p:childTnLst>
-                                </p:cTn>
-                              </p:par>
-                            </p:childTnLst>
-                          </p:cTn>
-                        </p:par>
-                      </p:childTnLst>
-                    </p:cTn>
-                  </p:par>
-                </p:childTnLst>
-              </p:cTn>
-              <p:prevCondLst>
-                <p:cond evt="onPrev" delay="0">
-                  <p:tgtEl>
-                    <p:sldTgt/>
-                  </p:tgtEl>
-                </p:cond>
-              </p:prevCondLst>
-              <p:nextCondLst>
-                <p:cond evt="onNext" delay="0">
-                  <p:tgtEl>
-                    <p:sldTgt/>
-                  </p:tgtEl>
-                </p:cond>
-              </p:nextCondLst>
-            </p:seq>
-          </p:childTnLst>
-        </p:cTn>
+        <p:cTn id="1" dur="indefinite" restart="never" nodeType="tmRoot"/>
       </p:par>
     </p:tnLst>
-    <p:bldLst>
-      <p:bldP spid="6" grpId="0"/>
-      <p:bldP spid="10" grpId="0"/>
-      <p:bldP spid="11" grpId="0"/>
-      <p:bldP spid="13" grpId="0"/>
-      <p:bldP spid="16" grpId="0"/>
-    </p:bldLst>
   </p:timing>
 </p:sld>
 </file>
@@ -28141,298 +25677,9 @@
   <p:timing>
     <p:tnLst>
       <p:par>
-        <p:cTn id="1" dur="indefinite" restart="never" nodeType="tmRoot">
-          <p:childTnLst>
-            <p:seq concurrent="1" nextAc="seek">
-              <p:cTn id="2" dur="indefinite" nodeType="mainSeq">
-                <p:childTnLst>
-                  <p:par>
-                    <p:cTn id="3" fill="hold">
-                      <p:stCondLst>
-                        <p:cond delay="indefinite"/>
-                      </p:stCondLst>
-                      <p:childTnLst>
-                        <p:par>
-                          <p:cTn id="4" fill="hold">
-                            <p:stCondLst>
-                              <p:cond delay="0"/>
-                            </p:stCondLst>
-                            <p:childTnLst>
-                              <p:par>
-                                <p:cTn id="5" presetID="42" presetClass="entr" presetSubtype="0" fill="hold" grpId="0" nodeType="clickEffect">
-                                  <p:stCondLst>
-                                    <p:cond delay="0"/>
-                                  </p:stCondLst>
-                                  <p:childTnLst>
-                                    <p:set>
-                                      <p:cBhvr>
-                                        <p:cTn id="6" dur="1" fill="hold">
-                                          <p:stCondLst>
-                                            <p:cond delay="0"/>
-                                          </p:stCondLst>
-                                        </p:cTn>
-                                        <p:tgtEl>
-                                          <p:spTgt spid="6"/>
-                                        </p:tgtEl>
-                                        <p:attrNameLst>
-                                          <p:attrName>style.visibility</p:attrName>
-                                        </p:attrNameLst>
-                                      </p:cBhvr>
-                                      <p:to>
-                                        <p:strVal val="visible"/>
-                                      </p:to>
-                                    </p:set>
-                                    <p:animEffect transition="in" filter="fade">
-                                      <p:cBhvr>
-                                        <p:cTn id="7" dur="1000"/>
-                                        <p:tgtEl>
-                                          <p:spTgt spid="6"/>
-                                        </p:tgtEl>
-                                      </p:cBhvr>
-                                    </p:animEffect>
-                                    <p:anim calcmode="lin" valueType="num">
-                                      <p:cBhvr>
-                                        <p:cTn id="8" dur="1000" fill="hold"/>
-                                        <p:tgtEl>
-                                          <p:spTgt spid="6"/>
-                                        </p:tgtEl>
-                                        <p:attrNameLst>
-                                          <p:attrName>ppt_x</p:attrName>
-                                        </p:attrNameLst>
-                                      </p:cBhvr>
-                                      <p:tavLst>
-                                        <p:tav tm="0">
-                                          <p:val>
-                                            <p:strVal val="#ppt_x"/>
-                                          </p:val>
-                                        </p:tav>
-                                        <p:tav tm="100000">
-                                          <p:val>
-                                            <p:strVal val="#ppt_x"/>
-                                          </p:val>
-                                        </p:tav>
-                                      </p:tavLst>
-                                    </p:anim>
-                                    <p:anim calcmode="lin" valueType="num">
-                                      <p:cBhvr>
-                                        <p:cTn id="9" dur="1000" fill="hold"/>
-                                        <p:tgtEl>
-                                          <p:spTgt spid="6"/>
-                                        </p:tgtEl>
-                                        <p:attrNameLst>
-                                          <p:attrName>ppt_y</p:attrName>
-                                        </p:attrNameLst>
-                                      </p:cBhvr>
-                                      <p:tavLst>
-                                        <p:tav tm="0">
-                                          <p:val>
-                                            <p:strVal val="#ppt_y+.1"/>
-                                          </p:val>
-                                        </p:tav>
-                                        <p:tav tm="100000">
-                                          <p:val>
-                                            <p:strVal val="#ppt_y"/>
-                                          </p:val>
-                                        </p:tav>
-                                      </p:tavLst>
-                                    </p:anim>
-                                  </p:childTnLst>
-                                </p:cTn>
-                              </p:par>
-                              <p:par>
-                                <p:cTn id="10" presetID="42" presetClass="entr" presetSubtype="0" fill="hold" grpId="0" nodeType="withEffect">
-                                  <p:stCondLst>
-                                    <p:cond delay="0"/>
-                                  </p:stCondLst>
-                                  <p:childTnLst>
-                                    <p:set>
-                                      <p:cBhvr>
-                                        <p:cTn id="11" dur="1" fill="hold">
-                                          <p:stCondLst>
-                                            <p:cond delay="0"/>
-                                          </p:stCondLst>
-                                        </p:cTn>
-                                        <p:tgtEl>
-                                          <p:spTgt spid="10"/>
-                                        </p:tgtEl>
-                                        <p:attrNameLst>
-                                          <p:attrName>style.visibility</p:attrName>
-                                        </p:attrNameLst>
-                                      </p:cBhvr>
-                                      <p:to>
-                                        <p:strVal val="visible"/>
-                                      </p:to>
-                                    </p:set>
-                                    <p:animEffect transition="in" filter="fade">
-                                      <p:cBhvr>
-                                        <p:cTn id="12" dur="1000"/>
-                                        <p:tgtEl>
-                                          <p:spTgt spid="10"/>
-                                        </p:tgtEl>
-                                      </p:cBhvr>
-                                    </p:animEffect>
-                                    <p:anim calcmode="lin" valueType="num">
-                                      <p:cBhvr>
-                                        <p:cTn id="13" dur="1000" fill="hold"/>
-                                        <p:tgtEl>
-                                          <p:spTgt spid="10"/>
-                                        </p:tgtEl>
-                                        <p:attrNameLst>
-                                          <p:attrName>ppt_x</p:attrName>
-                                        </p:attrNameLst>
-                                      </p:cBhvr>
-                                      <p:tavLst>
-                                        <p:tav tm="0">
-                                          <p:val>
-                                            <p:strVal val="#ppt_x"/>
-                                          </p:val>
-                                        </p:tav>
-                                        <p:tav tm="100000">
-                                          <p:val>
-                                            <p:strVal val="#ppt_x"/>
-                                          </p:val>
-                                        </p:tav>
-                                      </p:tavLst>
-                                    </p:anim>
-                                    <p:anim calcmode="lin" valueType="num">
-                                      <p:cBhvr>
-                                        <p:cTn id="14" dur="1000" fill="hold"/>
-                                        <p:tgtEl>
-                                          <p:spTgt spid="10"/>
-                                        </p:tgtEl>
-                                        <p:attrNameLst>
-                                          <p:attrName>ppt_y</p:attrName>
-                                        </p:attrNameLst>
-                                      </p:cBhvr>
-                                      <p:tavLst>
-                                        <p:tav tm="0">
-                                          <p:val>
-                                            <p:strVal val="#ppt_y+.1"/>
-                                          </p:val>
-                                        </p:tav>
-                                        <p:tav tm="100000">
-                                          <p:val>
-                                            <p:strVal val="#ppt_y"/>
-                                          </p:val>
-                                        </p:tav>
-                                      </p:tavLst>
-                                    </p:anim>
-                                  </p:childTnLst>
-                                </p:cTn>
-                              </p:par>
-                              <p:par>
-                                <p:cTn id="15" presetID="42" presetClass="entr" presetSubtype="0" fill="hold" grpId="0" nodeType="withEffect">
-                                  <p:stCondLst>
-                                    <p:cond delay="0"/>
-                                  </p:stCondLst>
-                                  <p:childTnLst>
-                                    <p:set>
-                                      <p:cBhvr>
-                                        <p:cTn id="16" dur="1" fill="hold">
-                                          <p:stCondLst>
-                                            <p:cond delay="0"/>
-                                          </p:stCondLst>
-                                        </p:cTn>
-                                        <p:tgtEl>
-                                          <p:spTgt spid="11"/>
-                                        </p:tgtEl>
-                                        <p:attrNameLst>
-                                          <p:attrName>style.visibility</p:attrName>
-                                        </p:attrNameLst>
-                                      </p:cBhvr>
-                                      <p:to>
-                                        <p:strVal val="visible"/>
-                                      </p:to>
-                                    </p:set>
-                                    <p:animEffect transition="in" filter="fade">
-                                      <p:cBhvr>
-                                        <p:cTn id="17" dur="1000"/>
-                                        <p:tgtEl>
-                                          <p:spTgt spid="11"/>
-                                        </p:tgtEl>
-                                      </p:cBhvr>
-                                    </p:animEffect>
-                                    <p:anim calcmode="lin" valueType="num">
-                                      <p:cBhvr>
-                                        <p:cTn id="18" dur="1000" fill="hold"/>
-                                        <p:tgtEl>
-                                          <p:spTgt spid="11"/>
-                                        </p:tgtEl>
-                                        <p:attrNameLst>
-                                          <p:attrName>ppt_x</p:attrName>
-                                        </p:attrNameLst>
-                                      </p:cBhvr>
-                                      <p:tavLst>
-                                        <p:tav tm="0">
-                                          <p:val>
-                                            <p:strVal val="#ppt_x"/>
-                                          </p:val>
-                                        </p:tav>
-                                        <p:tav tm="100000">
-                                          <p:val>
-                                            <p:strVal val="#ppt_x"/>
-                                          </p:val>
-                                        </p:tav>
-                                      </p:tavLst>
-                                    </p:anim>
-                                    <p:anim calcmode="lin" valueType="num">
-                                      <p:cBhvr>
-                                        <p:cTn id="19" dur="1000" fill="hold"/>
-                                        <p:tgtEl>
-                                          <p:spTgt spid="11"/>
-                                        </p:tgtEl>
-                                        <p:attrNameLst>
-                                          <p:attrName>ppt_y</p:attrName>
-                                        </p:attrNameLst>
-                                      </p:cBhvr>
-                                      <p:tavLst>
-                                        <p:tav tm="0">
-                                          <p:val>
-                                            <p:strVal val="#ppt_y+.1"/>
-                                          </p:val>
-                                        </p:tav>
-                                        <p:tav tm="100000">
-                                          <p:val>
-                                            <p:strVal val="#ppt_y"/>
-                                          </p:val>
-                                        </p:tav>
-                                      </p:tavLst>
-                                    </p:anim>
-                                  </p:childTnLst>
-                                </p:cTn>
-                              </p:par>
-                            </p:childTnLst>
-                          </p:cTn>
-                        </p:par>
-                      </p:childTnLst>
-                    </p:cTn>
-                  </p:par>
-                </p:childTnLst>
-              </p:cTn>
-              <p:prevCondLst>
-                <p:cond evt="onPrev" delay="0">
-                  <p:tgtEl>
-                    <p:sldTgt/>
-                  </p:tgtEl>
-                </p:cond>
-              </p:prevCondLst>
-              <p:nextCondLst>
-                <p:cond evt="onNext" delay="0">
-                  <p:tgtEl>
-                    <p:sldTgt/>
-                  </p:tgtEl>
-                </p:cond>
-              </p:nextCondLst>
-            </p:seq>
-          </p:childTnLst>
-        </p:cTn>
+        <p:cTn id="1" dur="indefinite" restart="never" nodeType="tmRoot"/>
       </p:par>
     </p:tnLst>
-    <p:bldLst>
-      <p:bldP spid="6" grpId="0"/>
-      <p:bldP spid="10" grpId="0"/>
-      <p:bldP spid="11" grpId="0"/>
-    </p:bldLst>
   </p:timing>
 </p:sld>
 </file>
@@ -29092,80 +26339,9 @@
   <p:timing>
     <p:tnLst>
       <p:par>
-        <p:cTn id="1" dur="indefinite" restart="never" nodeType="tmRoot">
-          <p:childTnLst>
-            <p:seq concurrent="1" nextAc="seek">
-              <p:cTn id="2" dur="indefinite" nodeType="mainSeq">
-                <p:childTnLst>
-                  <p:par>
-                    <p:cTn id="3" fill="hold">
-                      <p:stCondLst>
-                        <p:cond delay="indefinite"/>
-                      </p:stCondLst>
-                      <p:childTnLst>
-                        <p:par>
-                          <p:cTn id="4" fill="hold">
-                            <p:stCondLst>
-                              <p:cond delay="0"/>
-                            </p:stCondLst>
-                            <p:childTnLst>
-                              <p:par>
-                                <p:cTn id="5" presetID="1" presetClass="entr" presetSubtype="0" fill="hold" grpId="0" nodeType="clickEffect">
-                                  <p:stCondLst>
-                                    <p:cond delay="0"/>
-                                  </p:stCondLst>
-                                  <p:childTnLst>
-                                    <p:set>
-                                      <p:cBhvr>
-                                        <p:cTn id="6" dur="1" fill="hold">
-                                          <p:stCondLst>
-                                            <p:cond delay="0"/>
-                                          </p:stCondLst>
-                                        </p:cTn>
-                                        <p:tgtEl>
-                                          <p:spTgt spid="6"/>
-                                        </p:tgtEl>
-                                        <p:attrNameLst>
-                                          <p:attrName>style.visibility</p:attrName>
-                                        </p:attrNameLst>
-                                      </p:cBhvr>
-                                      <p:to>
-                                        <p:strVal val="visible"/>
-                                      </p:to>
-                                    </p:set>
-                                  </p:childTnLst>
-                                </p:cTn>
-                              </p:par>
-                            </p:childTnLst>
-                          </p:cTn>
-                        </p:par>
-                      </p:childTnLst>
-                    </p:cTn>
-                  </p:par>
-                </p:childTnLst>
-              </p:cTn>
-              <p:prevCondLst>
-                <p:cond evt="onPrev" delay="0">
-                  <p:tgtEl>
-                    <p:sldTgt/>
-                  </p:tgtEl>
-                </p:cond>
-              </p:prevCondLst>
-              <p:nextCondLst>
-                <p:cond evt="onNext" delay="0">
-                  <p:tgtEl>
-                    <p:sldTgt/>
-                  </p:tgtEl>
-                </p:cond>
-              </p:nextCondLst>
-            </p:seq>
-          </p:childTnLst>
-        </p:cTn>
+        <p:cTn id="1" dur="indefinite" restart="never" nodeType="tmRoot"/>
       </p:par>
     </p:tnLst>
-    <p:bldLst>
-      <p:bldP spid="6" grpId="0"/>
-    </p:bldLst>
   </p:timing>
 </p:sld>
 </file>
@@ -29997,80 +27173,9 @@
   <p:timing>
     <p:tnLst>
       <p:par>
-        <p:cTn id="1" dur="indefinite" restart="never" nodeType="tmRoot">
-          <p:childTnLst>
-            <p:seq concurrent="1" nextAc="seek">
-              <p:cTn id="2" dur="indefinite" nodeType="mainSeq">
-                <p:childTnLst>
-                  <p:par>
-                    <p:cTn id="3" fill="hold">
-                      <p:stCondLst>
-                        <p:cond delay="indefinite"/>
-                      </p:stCondLst>
-                      <p:childTnLst>
-                        <p:par>
-                          <p:cTn id="4" fill="hold">
-                            <p:stCondLst>
-                              <p:cond delay="0"/>
-                            </p:stCondLst>
-                            <p:childTnLst>
-                              <p:par>
-                                <p:cTn id="5" presetID="1" presetClass="entr" presetSubtype="0" fill="hold" grpId="0" nodeType="clickEffect">
-                                  <p:stCondLst>
-                                    <p:cond delay="0"/>
-                                  </p:stCondLst>
-                                  <p:childTnLst>
-                                    <p:set>
-                                      <p:cBhvr>
-                                        <p:cTn id="6" dur="1" fill="hold">
-                                          <p:stCondLst>
-                                            <p:cond delay="0"/>
-                                          </p:stCondLst>
-                                        </p:cTn>
-                                        <p:tgtEl>
-                                          <p:spTgt spid="6"/>
-                                        </p:tgtEl>
-                                        <p:attrNameLst>
-                                          <p:attrName>style.visibility</p:attrName>
-                                        </p:attrNameLst>
-                                      </p:cBhvr>
-                                      <p:to>
-                                        <p:strVal val="visible"/>
-                                      </p:to>
-                                    </p:set>
-                                  </p:childTnLst>
-                                </p:cTn>
-                              </p:par>
-                            </p:childTnLst>
-                          </p:cTn>
-                        </p:par>
-                      </p:childTnLst>
-                    </p:cTn>
-                  </p:par>
-                </p:childTnLst>
-              </p:cTn>
-              <p:prevCondLst>
-                <p:cond evt="onPrev" delay="0">
-                  <p:tgtEl>
-                    <p:sldTgt/>
-                  </p:tgtEl>
-                </p:cond>
-              </p:prevCondLst>
-              <p:nextCondLst>
-                <p:cond evt="onNext" delay="0">
-                  <p:tgtEl>
-                    <p:sldTgt/>
-                  </p:tgtEl>
-                </p:cond>
-              </p:nextCondLst>
-            </p:seq>
-          </p:childTnLst>
-        </p:cTn>
+        <p:cTn id="1" dur="indefinite" restart="never" nodeType="tmRoot"/>
       </p:par>
     </p:tnLst>
-    <p:bldLst>
-      <p:bldP spid="6" grpId="0"/>
-    </p:bldLst>
   </p:timing>
 </p:sld>
 </file>
@@ -30603,80 +27708,9 @@
   <p:timing>
     <p:tnLst>
       <p:par>
-        <p:cTn id="1" dur="indefinite" restart="never" nodeType="tmRoot">
-          <p:childTnLst>
-            <p:seq concurrent="1" nextAc="seek">
-              <p:cTn id="2" dur="indefinite" nodeType="mainSeq">
-                <p:childTnLst>
-                  <p:par>
-                    <p:cTn id="3" fill="hold">
-                      <p:stCondLst>
-                        <p:cond delay="indefinite"/>
-                      </p:stCondLst>
-                      <p:childTnLst>
-                        <p:par>
-                          <p:cTn id="4" fill="hold">
-                            <p:stCondLst>
-                              <p:cond delay="0"/>
-                            </p:stCondLst>
-                            <p:childTnLst>
-                              <p:par>
-                                <p:cTn id="5" presetID="1" presetClass="entr" presetSubtype="0" fill="hold" grpId="0" nodeType="clickEffect">
-                                  <p:stCondLst>
-                                    <p:cond delay="0"/>
-                                  </p:stCondLst>
-                                  <p:childTnLst>
-                                    <p:set>
-                                      <p:cBhvr>
-                                        <p:cTn id="6" dur="1" fill="hold">
-                                          <p:stCondLst>
-                                            <p:cond delay="0"/>
-                                          </p:stCondLst>
-                                        </p:cTn>
-                                        <p:tgtEl>
-                                          <p:spTgt spid="18"/>
-                                        </p:tgtEl>
-                                        <p:attrNameLst>
-                                          <p:attrName>style.visibility</p:attrName>
-                                        </p:attrNameLst>
-                                      </p:cBhvr>
-                                      <p:to>
-                                        <p:strVal val="visible"/>
-                                      </p:to>
-                                    </p:set>
-                                  </p:childTnLst>
-                                </p:cTn>
-                              </p:par>
-                            </p:childTnLst>
-                          </p:cTn>
-                        </p:par>
-                      </p:childTnLst>
-                    </p:cTn>
-                  </p:par>
-                </p:childTnLst>
-              </p:cTn>
-              <p:prevCondLst>
-                <p:cond evt="onPrev" delay="0">
-                  <p:tgtEl>
-                    <p:sldTgt/>
-                  </p:tgtEl>
-                </p:cond>
-              </p:prevCondLst>
-              <p:nextCondLst>
-                <p:cond evt="onNext" delay="0">
-                  <p:tgtEl>
-                    <p:sldTgt/>
-                  </p:tgtEl>
-                </p:cond>
-              </p:nextCondLst>
-            </p:seq>
-          </p:childTnLst>
-        </p:cTn>
+        <p:cTn id="1" dur="indefinite" restart="never" nodeType="tmRoot"/>
       </p:par>
     </p:tnLst>
-    <p:bldLst>
-      <p:bldP spid="18" grpId="0"/>
-    </p:bldLst>
   </p:timing>
 </p:sld>
 </file>
@@ -31229,80 +28263,9 @@
   <p:timing>
     <p:tnLst>
       <p:par>
-        <p:cTn id="1" dur="indefinite" restart="never" nodeType="tmRoot">
-          <p:childTnLst>
-            <p:seq concurrent="1" nextAc="seek">
-              <p:cTn id="2" dur="indefinite" nodeType="mainSeq">
-                <p:childTnLst>
-                  <p:par>
-                    <p:cTn id="3" fill="hold">
-                      <p:stCondLst>
-                        <p:cond delay="indefinite"/>
-                      </p:stCondLst>
-                      <p:childTnLst>
-                        <p:par>
-                          <p:cTn id="4" fill="hold">
-                            <p:stCondLst>
-                              <p:cond delay="0"/>
-                            </p:stCondLst>
-                            <p:childTnLst>
-                              <p:par>
-                                <p:cTn id="5" presetID="1" presetClass="entr" presetSubtype="0" fill="hold" grpId="0" nodeType="clickEffect">
-                                  <p:stCondLst>
-                                    <p:cond delay="0"/>
-                                  </p:stCondLst>
-                                  <p:childTnLst>
-                                    <p:set>
-                                      <p:cBhvr>
-                                        <p:cTn id="6" dur="1" fill="hold">
-                                          <p:stCondLst>
-                                            <p:cond delay="0"/>
-                                          </p:stCondLst>
-                                        </p:cTn>
-                                        <p:tgtEl>
-                                          <p:spTgt spid="6"/>
-                                        </p:tgtEl>
-                                        <p:attrNameLst>
-                                          <p:attrName>style.visibility</p:attrName>
-                                        </p:attrNameLst>
-                                      </p:cBhvr>
-                                      <p:to>
-                                        <p:strVal val="visible"/>
-                                      </p:to>
-                                    </p:set>
-                                  </p:childTnLst>
-                                </p:cTn>
-                              </p:par>
-                            </p:childTnLst>
-                          </p:cTn>
-                        </p:par>
-                      </p:childTnLst>
-                    </p:cTn>
-                  </p:par>
-                </p:childTnLst>
-              </p:cTn>
-              <p:prevCondLst>
-                <p:cond evt="onPrev" delay="0">
-                  <p:tgtEl>
-                    <p:sldTgt/>
-                  </p:tgtEl>
-                </p:cond>
-              </p:prevCondLst>
-              <p:nextCondLst>
-                <p:cond evt="onNext" delay="0">
-                  <p:tgtEl>
-                    <p:sldTgt/>
-                  </p:tgtEl>
-                </p:cond>
-              </p:nextCondLst>
-            </p:seq>
-          </p:childTnLst>
-        </p:cTn>
+        <p:cTn id="1" dur="indefinite" restart="never" nodeType="tmRoot"/>
       </p:par>
     </p:tnLst>
-    <p:bldLst>
-      <p:bldP spid="6" grpId="0"/>
-    </p:bldLst>
   </p:timing>
 </p:sld>
 </file>
@@ -31877,80 +28840,9 @@
   <p:timing>
     <p:tnLst>
       <p:par>
-        <p:cTn id="1" dur="indefinite" restart="never" nodeType="tmRoot">
-          <p:childTnLst>
-            <p:seq concurrent="1" nextAc="seek">
-              <p:cTn id="2" dur="indefinite" nodeType="mainSeq">
-                <p:childTnLst>
-                  <p:par>
-                    <p:cTn id="3" fill="hold">
-                      <p:stCondLst>
-                        <p:cond delay="indefinite"/>
-                      </p:stCondLst>
-                      <p:childTnLst>
-                        <p:par>
-                          <p:cTn id="4" fill="hold">
-                            <p:stCondLst>
-                              <p:cond delay="0"/>
-                            </p:stCondLst>
-                            <p:childTnLst>
-                              <p:par>
-                                <p:cTn id="5" presetID="1" presetClass="entr" presetSubtype="0" fill="hold" grpId="0" nodeType="clickEffect">
-                                  <p:stCondLst>
-                                    <p:cond delay="0"/>
-                                  </p:stCondLst>
-                                  <p:childTnLst>
-                                    <p:set>
-                                      <p:cBhvr>
-                                        <p:cTn id="6" dur="1" fill="hold">
-                                          <p:stCondLst>
-                                            <p:cond delay="0"/>
-                                          </p:stCondLst>
-                                        </p:cTn>
-                                        <p:tgtEl>
-                                          <p:spTgt spid="6"/>
-                                        </p:tgtEl>
-                                        <p:attrNameLst>
-                                          <p:attrName>style.visibility</p:attrName>
-                                        </p:attrNameLst>
-                                      </p:cBhvr>
-                                      <p:to>
-                                        <p:strVal val="visible"/>
-                                      </p:to>
-                                    </p:set>
-                                  </p:childTnLst>
-                                </p:cTn>
-                              </p:par>
-                            </p:childTnLst>
-                          </p:cTn>
-                        </p:par>
-                      </p:childTnLst>
-                    </p:cTn>
-                  </p:par>
-                </p:childTnLst>
-              </p:cTn>
-              <p:prevCondLst>
-                <p:cond evt="onPrev" delay="0">
-                  <p:tgtEl>
-                    <p:sldTgt/>
-                  </p:tgtEl>
-                </p:cond>
-              </p:prevCondLst>
-              <p:nextCondLst>
-                <p:cond evt="onNext" delay="0">
-                  <p:tgtEl>
-                    <p:sldTgt/>
-                  </p:tgtEl>
-                </p:cond>
-              </p:nextCondLst>
-            </p:seq>
-          </p:childTnLst>
-        </p:cTn>
+        <p:cTn id="1" dur="indefinite" restart="never" nodeType="tmRoot"/>
       </p:par>
     </p:tnLst>
-    <p:bldLst>
-      <p:bldP spid="6" grpId="0"/>
-    </p:bldLst>
   </p:timing>
 </p:sld>
 </file>
@@ -32572,80 +29464,9 @@
   <p:timing>
     <p:tnLst>
       <p:par>
-        <p:cTn id="1" dur="indefinite" restart="never" nodeType="tmRoot">
-          <p:childTnLst>
-            <p:seq concurrent="1" nextAc="seek">
-              <p:cTn id="2" dur="indefinite" nodeType="mainSeq">
-                <p:childTnLst>
-                  <p:par>
-                    <p:cTn id="3" fill="hold">
-                      <p:stCondLst>
-                        <p:cond delay="indefinite"/>
-                      </p:stCondLst>
-                      <p:childTnLst>
-                        <p:par>
-                          <p:cTn id="4" fill="hold">
-                            <p:stCondLst>
-                              <p:cond delay="0"/>
-                            </p:stCondLst>
-                            <p:childTnLst>
-                              <p:par>
-                                <p:cTn id="5" presetID="1" presetClass="entr" presetSubtype="0" fill="hold" grpId="0" nodeType="clickEffect">
-                                  <p:stCondLst>
-                                    <p:cond delay="0"/>
-                                  </p:stCondLst>
-                                  <p:childTnLst>
-                                    <p:set>
-                                      <p:cBhvr>
-                                        <p:cTn id="6" dur="1" fill="hold">
-                                          <p:stCondLst>
-                                            <p:cond delay="0"/>
-                                          </p:stCondLst>
-                                        </p:cTn>
-                                        <p:tgtEl>
-                                          <p:spTgt spid="6"/>
-                                        </p:tgtEl>
-                                        <p:attrNameLst>
-                                          <p:attrName>style.visibility</p:attrName>
-                                        </p:attrNameLst>
-                                      </p:cBhvr>
-                                      <p:to>
-                                        <p:strVal val="visible"/>
-                                      </p:to>
-                                    </p:set>
-                                  </p:childTnLst>
-                                </p:cTn>
-                              </p:par>
-                            </p:childTnLst>
-                          </p:cTn>
-                        </p:par>
-                      </p:childTnLst>
-                    </p:cTn>
-                  </p:par>
-                </p:childTnLst>
-              </p:cTn>
-              <p:prevCondLst>
-                <p:cond evt="onPrev" delay="0">
-                  <p:tgtEl>
-                    <p:sldTgt/>
-                  </p:tgtEl>
-                </p:cond>
-              </p:prevCondLst>
-              <p:nextCondLst>
-                <p:cond evt="onNext" delay="0">
-                  <p:tgtEl>
-                    <p:sldTgt/>
-                  </p:tgtEl>
-                </p:cond>
-              </p:nextCondLst>
-            </p:seq>
-          </p:childTnLst>
-        </p:cTn>
+        <p:cTn id="1" dur="indefinite" restart="never" nodeType="tmRoot"/>
       </p:par>
     </p:tnLst>
-    <p:bldLst>
-      <p:bldP spid="6" grpId="0"/>
-    </p:bldLst>
   </p:timing>
 </p:sld>
 </file>
@@ -32717,10 +29538,24 @@
                 <a:ea typeface="Segoe UI" pitchFamily="34" charset="0"/>
                 <a:cs typeface="Segoe UI" pitchFamily="34" charset="0"/>
               </a:rPr>
-              <a:t> &amp; </a:t>
-            </a:r>
-            <a:r>
-              <a:rPr lang="fr-FR" sz="6000" b="1" dirty="0" err="1">
+              <a:t> </a:t>
+            </a:r>
+            <a:r>
+              <a:rPr lang="fr-FR" sz="6000" b="1" dirty="0" smtClean="0">
+                <a:solidFill>
+                  <a:prstClr val="white"/>
+                </a:solidFill>
+                <a:latin typeface="Segoe UI" pitchFamily="34" charset="0"/>
+                <a:ea typeface="Segoe UI" pitchFamily="34" charset="0"/>
+                <a:cs typeface="Segoe UI" pitchFamily="34" charset="0"/>
+              </a:rPr>
+              <a:t>and</a:t>
+            </a:r>
+          </a:p>
+          <a:p>
+            <a:pPr algn="r"/>
+            <a:r>
+              <a:rPr lang="fr-FR" sz="6000" b="1" dirty="0" err="1" smtClean="0">
                 <a:solidFill>
                   <a:prstClr val="white"/>
                 </a:solidFill>
@@ -32737,156 +29572,6 @@
               <a:latin typeface="Segoe UI" pitchFamily="34" charset="0"/>
               <a:ea typeface="Segoe UI" pitchFamily="34" charset="0"/>
               <a:cs typeface="Segoe UI" pitchFamily="34" charset="0"/>
-            </a:endParaRPr>
-          </a:p>
-        </p:txBody>
-      </p:sp>
-      <p:sp>
-        <p:nvSpPr>
-          <p:cNvPr id="3" name="Rectangle 2"/>
-          <p:cNvSpPr/>
-          <p:nvPr/>
-        </p:nvSpPr>
-        <p:spPr>
-          <a:xfrm>
-            <a:off x="10101739" y="2650846"/>
-            <a:ext cx="373332" cy="1354217"/>
-          </a:xfrm>
-          <a:prstGeom prst="rect">
-            <a:avLst/>
-          </a:prstGeom>
-          <a:solidFill>
-            <a:srgbClr val="FFE67D"/>
-          </a:solidFill>
-          <a:ln>
-            <a:noFill/>
-          </a:ln>
-        </p:spPr>
-        <p:style>
-          <a:lnRef idx="2">
-            <a:schemeClr val="accent1">
-              <a:shade val="50000"/>
-            </a:schemeClr>
-          </a:lnRef>
-          <a:fillRef idx="1">
-            <a:schemeClr val="accent1"/>
-          </a:fillRef>
-          <a:effectRef idx="0">
-            <a:schemeClr val="accent1"/>
-          </a:effectRef>
-          <a:fontRef idx="minor">
-            <a:schemeClr val="lt1"/>
-          </a:fontRef>
-        </p:style>
-        <p:txBody>
-          <a:bodyPr rtlCol="0" anchor="ctr"/>
-          <a:lstStyle/>
-          <a:p>
-            <a:pPr algn="ctr"/>
-            <a:endParaRPr lang="fr-FR" sz="2400">
-              <a:solidFill>
-                <a:prstClr val="white"/>
-              </a:solidFill>
-            </a:endParaRPr>
-          </a:p>
-        </p:txBody>
-      </p:sp>
-      <p:sp>
-        <p:nvSpPr>
-          <p:cNvPr id="4" name="Rectangle 3"/>
-          <p:cNvSpPr/>
-          <p:nvPr/>
-        </p:nvSpPr>
-        <p:spPr>
-          <a:xfrm>
-            <a:off x="10533787" y="2650846"/>
-            <a:ext cx="93332" cy="1354217"/>
-          </a:xfrm>
-          <a:prstGeom prst="rect">
-            <a:avLst/>
-          </a:prstGeom>
-          <a:solidFill>
-            <a:srgbClr val="FFE67D"/>
-          </a:solidFill>
-          <a:ln>
-            <a:noFill/>
-          </a:ln>
-        </p:spPr>
-        <p:style>
-          <a:lnRef idx="2">
-            <a:schemeClr val="accent1">
-              <a:shade val="50000"/>
-            </a:schemeClr>
-          </a:lnRef>
-          <a:fillRef idx="1">
-            <a:schemeClr val="accent1"/>
-          </a:fillRef>
-          <a:effectRef idx="0">
-            <a:schemeClr val="accent1"/>
-          </a:effectRef>
-          <a:fontRef idx="minor">
-            <a:schemeClr val="lt1"/>
-          </a:fontRef>
-        </p:style>
-        <p:txBody>
-          <a:bodyPr rtlCol="0" anchor="ctr"/>
-          <a:lstStyle/>
-          <a:p>
-            <a:pPr algn="ctr"/>
-            <a:endParaRPr lang="fr-FR" sz="2400">
-              <a:solidFill>
-                <a:prstClr val="white"/>
-              </a:solidFill>
-            </a:endParaRPr>
-          </a:p>
-        </p:txBody>
-      </p:sp>
-      <p:sp>
-        <p:nvSpPr>
-          <p:cNvPr id="5" name="Rectangle 4"/>
-          <p:cNvSpPr/>
-          <p:nvPr/>
-        </p:nvSpPr>
-        <p:spPr>
-          <a:xfrm>
-            <a:off x="10678606" y="2650845"/>
-            <a:ext cx="60959" cy="1354217"/>
-          </a:xfrm>
-          <a:prstGeom prst="rect">
-            <a:avLst/>
-          </a:prstGeom>
-          <a:solidFill>
-            <a:srgbClr val="FFE67D"/>
-          </a:solidFill>
-          <a:ln>
-            <a:noFill/>
-          </a:ln>
-        </p:spPr>
-        <p:style>
-          <a:lnRef idx="2">
-            <a:schemeClr val="accent1">
-              <a:shade val="50000"/>
-            </a:schemeClr>
-          </a:lnRef>
-          <a:fillRef idx="1">
-            <a:schemeClr val="accent1"/>
-          </a:fillRef>
-          <a:effectRef idx="0">
-            <a:schemeClr val="accent1"/>
-          </a:effectRef>
-          <a:fontRef idx="minor">
-            <a:schemeClr val="lt1"/>
-          </a:fontRef>
-        </p:style>
-        <p:txBody>
-          <a:bodyPr rtlCol="0" anchor="ctr"/>
-          <a:lstStyle/>
-          <a:p>
-            <a:pPr algn="ctr"/>
-            <a:endParaRPr lang="fr-FR" sz="2400">
-              <a:solidFill>
-                <a:prstClr val="white"/>
-              </a:solidFill>
             </a:endParaRPr>
           </a:p>
         </p:txBody>
@@ -32901,6 +29586,13 @@
   <p:clrMapOvr>
     <a:masterClrMapping/>
   </p:clrMapOvr>
+  <p:timing>
+    <p:tnLst>
+      <p:par>
+        <p:cTn id="1" dur="indefinite" restart="never" nodeType="tmRoot"/>
+      </p:par>
+    </p:tnLst>
+  </p:timing>
 </p:sld>
 </file>
 
@@ -33409,462 +30101,9 @@
   <p:timing>
     <p:tnLst>
       <p:par>
-        <p:cTn id="1" dur="indefinite" restart="never" nodeType="tmRoot">
-          <p:childTnLst>
-            <p:seq concurrent="1" nextAc="seek">
-              <p:cTn id="2" dur="indefinite" nodeType="mainSeq">
-                <p:childTnLst>
-                  <p:par>
-                    <p:cTn id="3" fill="hold">
-                      <p:stCondLst>
-                        <p:cond delay="indefinite"/>
-                      </p:stCondLst>
-                      <p:childTnLst>
-                        <p:par>
-                          <p:cTn id="4" fill="hold">
-                            <p:stCondLst>
-                              <p:cond delay="0"/>
-                            </p:stCondLst>
-                            <p:childTnLst>
-                              <p:par>
-                                <p:cTn id="5" presetID="42" presetClass="entr" presetSubtype="0" fill="hold" grpId="0" nodeType="clickEffect">
-                                  <p:stCondLst>
-                                    <p:cond delay="0"/>
-                                  </p:stCondLst>
-                                  <p:childTnLst>
-                                    <p:set>
-                                      <p:cBhvr>
-                                        <p:cTn id="6" dur="1" fill="hold">
-                                          <p:stCondLst>
-                                            <p:cond delay="0"/>
-                                          </p:stCondLst>
-                                        </p:cTn>
-                                        <p:tgtEl>
-                                          <p:spTgt spid="7"/>
-                                        </p:tgtEl>
-                                        <p:attrNameLst>
-                                          <p:attrName>style.visibility</p:attrName>
-                                        </p:attrNameLst>
-                                      </p:cBhvr>
-                                      <p:to>
-                                        <p:strVal val="visible"/>
-                                      </p:to>
-                                    </p:set>
-                                    <p:animEffect transition="in" filter="fade">
-                                      <p:cBhvr>
-                                        <p:cTn id="7" dur="1000"/>
-                                        <p:tgtEl>
-                                          <p:spTgt spid="7"/>
-                                        </p:tgtEl>
-                                      </p:cBhvr>
-                                    </p:animEffect>
-                                    <p:anim calcmode="lin" valueType="num">
-                                      <p:cBhvr>
-                                        <p:cTn id="8" dur="1000" fill="hold"/>
-                                        <p:tgtEl>
-                                          <p:spTgt spid="7"/>
-                                        </p:tgtEl>
-                                        <p:attrNameLst>
-                                          <p:attrName>ppt_x</p:attrName>
-                                        </p:attrNameLst>
-                                      </p:cBhvr>
-                                      <p:tavLst>
-                                        <p:tav tm="0">
-                                          <p:val>
-                                            <p:strVal val="#ppt_x"/>
-                                          </p:val>
-                                        </p:tav>
-                                        <p:tav tm="100000">
-                                          <p:val>
-                                            <p:strVal val="#ppt_x"/>
-                                          </p:val>
-                                        </p:tav>
-                                      </p:tavLst>
-                                    </p:anim>
-                                    <p:anim calcmode="lin" valueType="num">
-                                      <p:cBhvr>
-                                        <p:cTn id="9" dur="1000" fill="hold"/>
-                                        <p:tgtEl>
-                                          <p:spTgt spid="7"/>
-                                        </p:tgtEl>
-                                        <p:attrNameLst>
-                                          <p:attrName>ppt_y</p:attrName>
-                                        </p:attrNameLst>
-                                      </p:cBhvr>
-                                      <p:tavLst>
-                                        <p:tav tm="0">
-                                          <p:val>
-                                            <p:strVal val="#ppt_y+.1"/>
-                                          </p:val>
-                                        </p:tav>
-                                        <p:tav tm="100000">
-                                          <p:val>
-                                            <p:strVal val="#ppt_y"/>
-                                          </p:val>
-                                        </p:tav>
-                                      </p:tavLst>
-                                    </p:anim>
-                                  </p:childTnLst>
-                                </p:cTn>
-                              </p:par>
-                              <p:par>
-                                <p:cTn id="10" presetID="42" presetClass="entr" presetSubtype="0" fill="hold" grpId="0" nodeType="withEffect">
-                                  <p:stCondLst>
-                                    <p:cond delay="0"/>
-                                  </p:stCondLst>
-                                  <p:childTnLst>
-                                    <p:set>
-                                      <p:cBhvr>
-                                        <p:cTn id="11" dur="1" fill="hold">
-                                          <p:stCondLst>
-                                            <p:cond delay="0"/>
-                                          </p:stCondLst>
-                                        </p:cTn>
-                                        <p:tgtEl>
-                                          <p:spTgt spid="11"/>
-                                        </p:tgtEl>
-                                        <p:attrNameLst>
-                                          <p:attrName>style.visibility</p:attrName>
-                                        </p:attrNameLst>
-                                      </p:cBhvr>
-                                      <p:to>
-                                        <p:strVal val="visible"/>
-                                      </p:to>
-                                    </p:set>
-                                    <p:animEffect transition="in" filter="fade">
-                                      <p:cBhvr>
-                                        <p:cTn id="12" dur="1000"/>
-                                        <p:tgtEl>
-                                          <p:spTgt spid="11"/>
-                                        </p:tgtEl>
-                                      </p:cBhvr>
-                                    </p:animEffect>
-                                    <p:anim calcmode="lin" valueType="num">
-                                      <p:cBhvr>
-                                        <p:cTn id="13" dur="1000" fill="hold"/>
-                                        <p:tgtEl>
-                                          <p:spTgt spid="11"/>
-                                        </p:tgtEl>
-                                        <p:attrNameLst>
-                                          <p:attrName>ppt_x</p:attrName>
-                                        </p:attrNameLst>
-                                      </p:cBhvr>
-                                      <p:tavLst>
-                                        <p:tav tm="0">
-                                          <p:val>
-                                            <p:strVal val="#ppt_x"/>
-                                          </p:val>
-                                        </p:tav>
-                                        <p:tav tm="100000">
-                                          <p:val>
-                                            <p:strVal val="#ppt_x"/>
-                                          </p:val>
-                                        </p:tav>
-                                      </p:tavLst>
-                                    </p:anim>
-                                    <p:anim calcmode="lin" valueType="num">
-                                      <p:cBhvr>
-                                        <p:cTn id="14" dur="1000" fill="hold"/>
-                                        <p:tgtEl>
-                                          <p:spTgt spid="11"/>
-                                        </p:tgtEl>
-                                        <p:attrNameLst>
-                                          <p:attrName>ppt_y</p:attrName>
-                                        </p:attrNameLst>
-                                      </p:cBhvr>
-                                      <p:tavLst>
-                                        <p:tav tm="0">
-                                          <p:val>
-                                            <p:strVal val="#ppt_y+.1"/>
-                                          </p:val>
-                                        </p:tav>
-                                        <p:tav tm="100000">
-                                          <p:val>
-                                            <p:strVal val="#ppt_y"/>
-                                          </p:val>
-                                        </p:tav>
-                                      </p:tavLst>
-                                    </p:anim>
-                                  </p:childTnLst>
-                                </p:cTn>
-                              </p:par>
-                              <p:par>
-                                <p:cTn id="15" presetID="42" presetClass="entr" presetSubtype="0" fill="hold" grpId="0" nodeType="withEffect">
-                                  <p:stCondLst>
-                                    <p:cond delay="0"/>
-                                  </p:stCondLst>
-                                  <p:childTnLst>
-                                    <p:set>
-                                      <p:cBhvr>
-                                        <p:cTn id="16" dur="1" fill="hold">
-                                          <p:stCondLst>
-                                            <p:cond delay="0"/>
-                                          </p:stCondLst>
-                                        </p:cTn>
-                                        <p:tgtEl>
-                                          <p:spTgt spid="12"/>
-                                        </p:tgtEl>
-                                        <p:attrNameLst>
-                                          <p:attrName>style.visibility</p:attrName>
-                                        </p:attrNameLst>
-                                      </p:cBhvr>
-                                      <p:to>
-                                        <p:strVal val="visible"/>
-                                      </p:to>
-                                    </p:set>
-                                    <p:animEffect transition="in" filter="fade">
-                                      <p:cBhvr>
-                                        <p:cTn id="17" dur="1000"/>
-                                        <p:tgtEl>
-                                          <p:spTgt spid="12"/>
-                                        </p:tgtEl>
-                                      </p:cBhvr>
-                                    </p:animEffect>
-                                    <p:anim calcmode="lin" valueType="num">
-                                      <p:cBhvr>
-                                        <p:cTn id="18" dur="1000" fill="hold"/>
-                                        <p:tgtEl>
-                                          <p:spTgt spid="12"/>
-                                        </p:tgtEl>
-                                        <p:attrNameLst>
-                                          <p:attrName>ppt_x</p:attrName>
-                                        </p:attrNameLst>
-                                      </p:cBhvr>
-                                      <p:tavLst>
-                                        <p:tav tm="0">
-                                          <p:val>
-                                            <p:strVal val="#ppt_x"/>
-                                          </p:val>
-                                        </p:tav>
-                                        <p:tav tm="100000">
-                                          <p:val>
-                                            <p:strVal val="#ppt_x"/>
-                                          </p:val>
-                                        </p:tav>
-                                      </p:tavLst>
-                                    </p:anim>
-                                    <p:anim calcmode="lin" valueType="num">
-                                      <p:cBhvr>
-                                        <p:cTn id="19" dur="1000" fill="hold"/>
-                                        <p:tgtEl>
-                                          <p:spTgt spid="12"/>
-                                        </p:tgtEl>
-                                        <p:attrNameLst>
-                                          <p:attrName>ppt_y</p:attrName>
-                                        </p:attrNameLst>
-                                      </p:cBhvr>
-                                      <p:tavLst>
-                                        <p:tav tm="0">
-                                          <p:val>
-                                            <p:strVal val="#ppt_y+.1"/>
-                                          </p:val>
-                                        </p:tav>
-                                        <p:tav tm="100000">
-                                          <p:val>
-                                            <p:strVal val="#ppt_y"/>
-                                          </p:val>
-                                        </p:tav>
-                                      </p:tavLst>
-                                    </p:anim>
-                                  </p:childTnLst>
-                                </p:cTn>
-                              </p:par>
-                              <p:par>
-                                <p:cTn id="20" presetID="42" presetClass="entr" presetSubtype="0" fill="hold" grpId="0" nodeType="withEffect">
-                                  <p:stCondLst>
-                                    <p:cond delay="0"/>
-                                  </p:stCondLst>
-                                  <p:childTnLst>
-                                    <p:set>
-                                      <p:cBhvr>
-                                        <p:cTn id="21" dur="1" fill="hold">
-                                          <p:stCondLst>
-                                            <p:cond delay="0"/>
-                                          </p:stCondLst>
-                                        </p:cTn>
-                                        <p:tgtEl>
-                                          <p:spTgt spid="5"/>
-                                        </p:tgtEl>
-                                        <p:attrNameLst>
-                                          <p:attrName>style.visibility</p:attrName>
-                                        </p:attrNameLst>
-                                      </p:cBhvr>
-                                      <p:to>
-                                        <p:strVal val="visible"/>
-                                      </p:to>
-                                    </p:set>
-                                    <p:animEffect transition="in" filter="fade">
-                                      <p:cBhvr>
-                                        <p:cTn id="22" dur="1000"/>
-                                        <p:tgtEl>
-                                          <p:spTgt spid="5"/>
-                                        </p:tgtEl>
-                                      </p:cBhvr>
-                                    </p:animEffect>
-                                    <p:anim calcmode="lin" valueType="num">
-                                      <p:cBhvr>
-                                        <p:cTn id="23" dur="1000" fill="hold"/>
-                                        <p:tgtEl>
-                                          <p:spTgt spid="5"/>
-                                        </p:tgtEl>
-                                        <p:attrNameLst>
-                                          <p:attrName>ppt_x</p:attrName>
-                                        </p:attrNameLst>
-                                      </p:cBhvr>
-                                      <p:tavLst>
-                                        <p:tav tm="0">
-                                          <p:val>
-                                            <p:strVal val="#ppt_x"/>
-                                          </p:val>
-                                        </p:tav>
-                                        <p:tav tm="100000">
-                                          <p:val>
-                                            <p:strVal val="#ppt_x"/>
-                                          </p:val>
-                                        </p:tav>
-                                      </p:tavLst>
-                                    </p:anim>
-                                    <p:anim calcmode="lin" valueType="num">
-                                      <p:cBhvr>
-                                        <p:cTn id="24" dur="1000" fill="hold"/>
-                                        <p:tgtEl>
-                                          <p:spTgt spid="5"/>
-                                        </p:tgtEl>
-                                        <p:attrNameLst>
-                                          <p:attrName>ppt_y</p:attrName>
-                                        </p:attrNameLst>
-                                      </p:cBhvr>
-                                      <p:tavLst>
-                                        <p:tav tm="0">
-                                          <p:val>
-                                            <p:strVal val="#ppt_y+.1"/>
-                                          </p:val>
-                                        </p:tav>
-                                        <p:tav tm="100000">
-                                          <p:val>
-                                            <p:strVal val="#ppt_y"/>
-                                          </p:val>
-                                        </p:tav>
-                                      </p:tavLst>
-                                    </p:anim>
-                                  </p:childTnLst>
-                                </p:cTn>
-                              </p:par>
-                              <p:par>
-                                <p:cTn id="25" presetID="42" presetClass="entr" presetSubtype="0" fill="hold" grpId="0" nodeType="withEffect">
-                                  <p:stCondLst>
-                                    <p:cond delay="0"/>
-                                  </p:stCondLst>
-                                  <p:childTnLst>
-                                    <p:set>
-                                      <p:cBhvr>
-                                        <p:cTn id="26" dur="1" fill="hold">
-                                          <p:stCondLst>
-                                            <p:cond delay="0"/>
-                                          </p:stCondLst>
-                                        </p:cTn>
-                                        <p:tgtEl>
-                                          <p:spTgt spid="18"/>
-                                        </p:tgtEl>
-                                        <p:attrNameLst>
-                                          <p:attrName>style.visibility</p:attrName>
-                                        </p:attrNameLst>
-                                      </p:cBhvr>
-                                      <p:to>
-                                        <p:strVal val="visible"/>
-                                      </p:to>
-                                    </p:set>
-                                    <p:animEffect transition="in" filter="fade">
-                                      <p:cBhvr>
-                                        <p:cTn id="27" dur="1000"/>
-                                        <p:tgtEl>
-                                          <p:spTgt spid="18"/>
-                                        </p:tgtEl>
-                                      </p:cBhvr>
-                                    </p:animEffect>
-                                    <p:anim calcmode="lin" valueType="num">
-                                      <p:cBhvr>
-                                        <p:cTn id="28" dur="1000" fill="hold"/>
-                                        <p:tgtEl>
-                                          <p:spTgt spid="18"/>
-                                        </p:tgtEl>
-                                        <p:attrNameLst>
-                                          <p:attrName>ppt_x</p:attrName>
-                                        </p:attrNameLst>
-                                      </p:cBhvr>
-                                      <p:tavLst>
-                                        <p:tav tm="0">
-                                          <p:val>
-                                            <p:strVal val="#ppt_x"/>
-                                          </p:val>
-                                        </p:tav>
-                                        <p:tav tm="100000">
-                                          <p:val>
-                                            <p:strVal val="#ppt_x"/>
-                                          </p:val>
-                                        </p:tav>
-                                      </p:tavLst>
-                                    </p:anim>
-                                    <p:anim calcmode="lin" valueType="num">
-                                      <p:cBhvr>
-                                        <p:cTn id="29" dur="1000" fill="hold"/>
-                                        <p:tgtEl>
-                                          <p:spTgt spid="18"/>
-                                        </p:tgtEl>
-                                        <p:attrNameLst>
-                                          <p:attrName>ppt_y</p:attrName>
-                                        </p:attrNameLst>
-                                      </p:cBhvr>
-                                      <p:tavLst>
-                                        <p:tav tm="0">
-                                          <p:val>
-                                            <p:strVal val="#ppt_y+.1"/>
-                                          </p:val>
-                                        </p:tav>
-                                        <p:tav tm="100000">
-                                          <p:val>
-                                            <p:strVal val="#ppt_y"/>
-                                          </p:val>
-                                        </p:tav>
-                                      </p:tavLst>
-                                    </p:anim>
-                                  </p:childTnLst>
-                                </p:cTn>
-                              </p:par>
-                            </p:childTnLst>
-                          </p:cTn>
-                        </p:par>
-                      </p:childTnLst>
-                    </p:cTn>
-                  </p:par>
-                </p:childTnLst>
-              </p:cTn>
-              <p:prevCondLst>
-                <p:cond evt="onPrev" delay="0">
-                  <p:tgtEl>
-                    <p:sldTgt/>
-                  </p:tgtEl>
-                </p:cond>
-              </p:prevCondLst>
-              <p:nextCondLst>
-                <p:cond evt="onNext" delay="0">
-                  <p:tgtEl>
-                    <p:sldTgt/>
-                  </p:tgtEl>
-                </p:cond>
-              </p:nextCondLst>
-            </p:seq>
-          </p:childTnLst>
-        </p:cTn>
+        <p:cTn id="1" dur="indefinite" restart="never" nodeType="tmRoot"/>
       </p:par>
     </p:tnLst>
-    <p:bldLst>
-      <p:bldP spid="7" grpId="0"/>
-      <p:bldP spid="11" grpId="0"/>
-      <p:bldP spid="12" grpId="0"/>
-      <p:bldP spid="5" grpId="0"/>
-      <p:bldP spid="18" grpId="0"/>
-    </p:bldLst>
   </p:timing>
 </p:sld>
 </file>
@@ -34598,219 +30837,9 @@
   <p:timing>
     <p:tnLst>
       <p:par>
-        <p:cTn id="1" dur="indefinite" restart="never" nodeType="tmRoot">
-          <p:childTnLst>
-            <p:seq concurrent="1" nextAc="seek">
-              <p:cTn id="2" dur="indefinite" nodeType="mainSeq">
-                <p:childTnLst>
-                  <p:par>
-                    <p:cTn id="3" fill="hold">
-                      <p:stCondLst>
-                        <p:cond delay="indefinite"/>
-                        <p:cond evt="onBegin" delay="0">
-                          <p:tn val="2"/>
-                        </p:cond>
-                      </p:stCondLst>
-                      <p:childTnLst>
-                        <p:par>
-                          <p:cTn id="4" fill="hold">
-                            <p:stCondLst>
-                              <p:cond delay="0"/>
-                            </p:stCondLst>
-                            <p:childTnLst>
-                              <p:par>
-                                <p:cTn id="5" presetID="42" presetClass="entr" presetSubtype="0" fill="hold" grpId="0" nodeType="withEffect">
-                                  <p:stCondLst>
-                                    <p:cond delay="0"/>
-                                  </p:stCondLst>
-                                  <p:childTnLst>
-                                    <p:set>
-                                      <p:cBhvr>
-                                        <p:cTn id="6" dur="1" fill="hold">
-                                          <p:stCondLst>
-                                            <p:cond delay="0"/>
-                                          </p:stCondLst>
-                                        </p:cTn>
-                                        <p:tgtEl>
-                                          <p:spTgt spid="7"/>
-                                        </p:tgtEl>
-                                        <p:attrNameLst>
-                                          <p:attrName>style.visibility</p:attrName>
-                                        </p:attrNameLst>
-                                      </p:cBhvr>
-                                      <p:to>
-                                        <p:strVal val="visible"/>
-                                      </p:to>
-                                    </p:set>
-                                    <p:animEffect transition="in" filter="fade">
-                                      <p:cBhvr>
-                                        <p:cTn id="7" dur="1000"/>
-                                        <p:tgtEl>
-                                          <p:spTgt spid="7"/>
-                                        </p:tgtEl>
-                                      </p:cBhvr>
-                                    </p:animEffect>
-                                    <p:anim calcmode="lin" valueType="num">
-                                      <p:cBhvr>
-                                        <p:cTn id="8" dur="1000" fill="hold"/>
-                                        <p:tgtEl>
-                                          <p:spTgt spid="7"/>
-                                        </p:tgtEl>
-                                        <p:attrNameLst>
-                                          <p:attrName>ppt_x</p:attrName>
-                                        </p:attrNameLst>
-                                      </p:cBhvr>
-                                      <p:tavLst>
-                                        <p:tav tm="0">
-                                          <p:val>
-                                            <p:strVal val="#ppt_x"/>
-                                          </p:val>
-                                        </p:tav>
-                                        <p:tav tm="100000">
-                                          <p:val>
-                                            <p:strVal val="#ppt_x"/>
-                                          </p:val>
-                                        </p:tav>
-                                      </p:tavLst>
-                                    </p:anim>
-                                    <p:anim calcmode="lin" valueType="num">
-                                      <p:cBhvr>
-                                        <p:cTn id="9" dur="1000" fill="hold"/>
-                                        <p:tgtEl>
-                                          <p:spTgt spid="7"/>
-                                        </p:tgtEl>
-                                        <p:attrNameLst>
-                                          <p:attrName>ppt_y</p:attrName>
-                                        </p:attrNameLst>
-                                      </p:cBhvr>
-                                      <p:tavLst>
-                                        <p:tav tm="0">
-                                          <p:val>
-                                            <p:strVal val="#ppt_y+.1"/>
-                                          </p:val>
-                                        </p:tav>
-                                        <p:tav tm="100000">
-                                          <p:val>
-                                            <p:strVal val="#ppt_y"/>
-                                          </p:val>
-                                        </p:tav>
-                                      </p:tavLst>
-                                    </p:anim>
-                                  </p:childTnLst>
-                                </p:cTn>
-                              </p:par>
-                              <p:par>
-                                <p:cTn id="10" presetID="42" presetClass="entr" presetSubtype="0" fill="hold" grpId="0" nodeType="withEffect">
-                                  <p:stCondLst>
-                                    <p:cond delay="0"/>
-                                  </p:stCondLst>
-                                  <p:childTnLst>
-                                    <p:set>
-                                      <p:cBhvr>
-                                        <p:cTn id="11" dur="1" fill="hold">
-                                          <p:stCondLst>
-                                            <p:cond delay="0"/>
-                                          </p:stCondLst>
-                                        </p:cTn>
-                                        <p:tgtEl>
-                                          <p:spTgt spid="15"/>
-                                        </p:tgtEl>
-                                        <p:attrNameLst>
-                                          <p:attrName>style.visibility</p:attrName>
-                                        </p:attrNameLst>
-                                      </p:cBhvr>
-                                      <p:to>
-                                        <p:strVal val="visible"/>
-                                      </p:to>
-                                    </p:set>
-                                    <p:animEffect transition="in" filter="fade">
-                                      <p:cBhvr>
-                                        <p:cTn id="12" dur="1000"/>
-                                        <p:tgtEl>
-                                          <p:spTgt spid="15"/>
-                                        </p:tgtEl>
-                                      </p:cBhvr>
-                                    </p:animEffect>
-                                    <p:anim calcmode="lin" valueType="num">
-                                      <p:cBhvr>
-                                        <p:cTn id="13" dur="1000" fill="hold"/>
-                                        <p:tgtEl>
-                                          <p:spTgt spid="15"/>
-                                        </p:tgtEl>
-                                        <p:attrNameLst>
-                                          <p:attrName>ppt_x</p:attrName>
-                                        </p:attrNameLst>
-                                      </p:cBhvr>
-                                      <p:tavLst>
-                                        <p:tav tm="0">
-                                          <p:val>
-                                            <p:strVal val="#ppt_x"/>
-                                          </p:val>
-                                        </p:tav>
-                                        <p:tav tm="100000">
-                                          <p:val>
-                                            <p:strVal val="#ppt_x"/>
-                                          </p:val>
-                                        </p:tav>
-                                      </p:tavLst>
-                                    </p:anim>
-                                    <p:anim calcmode="lin" valueType="num">
-                                      <p:cBhvr>
-                                        <p:cTn id="14" dur="1000" fill="hold"/>
-                                        <p:tgtEl>
-                                          <p:spTgt spid="15"/>
-                                        </p:tgtEl>
-                                        <p:attrNameLst>
-                                          <p:attrName>ppt_y</p:attrName>
-                                        </p:attrNameLst>
-                                      </p:cBhvr>
-                                      <p:tavLst>
-                                        <p:tav tm="0">
-                                          <p:val>
-                                            <p:strVal val="#ppt_y+.1"/>
-                                          </p:val>
-                                        </p:tav>
-                                        <p:tav tm="100000">
-                                          <p:val>
-                                            <p:strVal val="#ppt_y"/>
-                                          </p:val>
-                                        </p:tav>
-                                      </p:tavLst>
-                                    </p:anim>
-                                  </p:childTnLst>
-                                </p:cTn>
-                              </p:par>
-                            </p:childTnLst>
-                          </p:cTn>
-                        </p:par>
-                      </p:childTnLst>
-                    </p:cTn>
-                  </p:par>
-                </p:childTnLst>
-              </p:cTn>
-              <p:prevCondLst>
-                <p:cond evt="onPrev" delay="0">
-                  <p:tgtEl>
-                    <p:sldTgt/>
-                  </p:tgtEl>
-                </p:cond>
-              </p:prevCondLst>
-              <p:nextCondLst>
-                <p:cond evt="onNext" delay="0">
-                  <p:tgtEl>
-                    <p:sldTgt/>
-                  </p:tgtEl>
-                </p:cond>
-              </p:nextCondLst>
-            </p:seq>
-          </p:childTnLst>
-        </p:cTn>
+        <p:cTn id="1" dur="indefinite" restart="never" nodeType="tmRoot"/>
       </p:par>
     </p:tnLst>
-    <p:bldLst>
-      <p:bldP spid="7" grpId="0"/>
-      <p:bldP spid="15" grpId="0"/>
-    </p:bldLst>
   </p:timing>
 </p:sld>
 </file>
@@ -34973,156 +31002,6 @@
           </a:p>
         </p:txBody>
       </p:sp>
-      <p:sp>
-        <p:nvSpPr>
-          <p:cNvPr id="3" name="Rectangle 2"/>
-          <p:cNvSpPr/>
-          <p:nvPr/>
-        </p:nvSpPr>
-        <p:spPr>
-          <a:xfrm>
-            <a:off x="10101739" y="2650846"/>
-            <a:ext cx="373332" cy="1354217"/>
-          </a:xfrm>
-          <a:prstGeom prst="rect">
-            <a:avLst/>
-          </a:prstGeom>
-          <a:solidFill>
-            <a:srgbClr val="C5C5C5"/>
-          </a:solidFill>
-          <a:ln>
-            <a:noFill/>
-          </a:ln>
-        </p:spPr>
-        <p:style>
-          <a:lnRef idx="2">
-            <a:schemeClr val="accent1">
-              <a:shade val="50000"/>
-            </a:schemeClr>
-          </a:lnRef>
-          <a:fillRef idx="1">
-            <a:schemeClr val="accent1"/>
-          </a:fillRef>
-          <a:effectRef idx="0">
-            <a:schemeClr val="accent1"/>
-          </a:effectRef>
-          <a:fontRef idx="minor">
-            <a:schemeClr val="lt1"/>
-          </a:fontRef>
-        </p:style>
-        <p:txBody>
-          <a:bodyPr rtlCol="0" anchor="ctr"/>
-          <a:lstStyle/>
-          <a:p>
-            <a:pPr algn="ctr"/>
-            <a:endParaRPr lang="fr-FR" sz="2400">
-              <a:solidFill>
-                <a:prstClr val="white"/>
-              </a:solidFill>
-            </a:endParaRPr>
-          </a:p>
-        </p:txBody>
-      </p:sp>
-      <p:sp>
-        <p:nvSpPr>
-          <p:cNvPr id="4" name="Rectangle 3"/>
-          <p:cNvSpPr/>
-          <p:nvPr/>
-        </p:nvSpPr>
-        <p:spPr>
-          <a:xfrm>
-            <a:off x="10533787" y="2650846"/>
-            <a:ext cx="93332" cy="1354217"/>
-          </a:xfrm>
-          <a:prstGeom prst="rect">
-            <a:avLst/>
-          </a:prstGeom>
-          <a:solidFill>
-            <a:srgbClr val="C5C5C5"/>
-          </a:solidFill>
-          <a:ln>
-            <a:noFill/>
-          </a:ln>
-        </p:spPr>
-        <p:style>
-          <a:lnRef idx="2">
-            <a:schemeClr val="accent1">
-              <a:shade val="50000"/>
-            </a:schemeClr>
-          </a:lnRef>
-          <a:fillRef idx="1">
-            <a:schemeClr val="accent1"/>
-          </a:fillRef>
-          <a:effectRef idx="0">
-            <a:schemeClr val="accent1"/>
-          </a:effectRef>
-          <a:fontRef idx="minor">
-            <a:schemeClr val="lt1"/>
-          </a:fontRef>
-        </p:style>
-        <p:txBody>
-          <a:bodyPr rtlCol="0" anchor="ctr"/>
-          <a:lstStyle/>
-          <a:p>
-            <a:pPr algn="ctr"/>
-            <a:endParaRPr lang="fr-FR" sz="2400">
-              <a:solidFill>
-                <a:prstClr val="white"/>
-              </a:solidFill>
-            </a:endParaRPr>
-          </a:p>
-        </p:txBody>
-      </p:sp>
-      <p:sp>
-        <p:nvSpPr>
-          <p:cNvPr id="5" name="Rectangle 4"/>
-          <p:cNvSpPr/>
-          <p:nvPr/>
-        </p:nvSpPr>
-        <p:spPr>
-          <a:xfrm>
-            <a:off x="10678606" y="2650845"/>
-            <a:ext cx="60959" cy="1354217"/>
-          </a:xfrm>
-          <a:prstGeom prst="rect">
-            <a:avLst/>
-          </a:prstGeom>
-          <a:solidFill>
-            <a:srgbClr val="C5C5C5"/>
-          </a:solidFill>
-          <a:ln>
-            <a:noFill/>
-          </a:ln>
-        </p:spPr>
-        <p:style>
-          <a:lnRef idx="2">
-            <a:schemeClr val="accent1">
-              <a:shade val="50000"/>
-            </a:schemeClr>
-          </a:lnRef>
-          <a:fillRef idx="1">
-            <a:schemeClr val="accent1"/>
-          </a:fillRef>
-          <a:effectRef idx="0">
-            <a:schemeClr val="accent1"/>
-          </a:effectRef>
-          <a:fontRef idx="minor">
-            <a:schemeClr val="lt1"/>
-          </a:fontRef>
-        </p:style>
-        <p:txBody>
-          <a:bodyPr rtlCol="0" anchor="ctr"/>
-          <a:lstStyle/>
-          <a:p>
-            <a:pPr algn="ctr"/>
-            <a:endParaRPr lang="fr-FR" sz="2400">
-              <a:solidFill>
-                <a:prstClr val="white"/>
-              </a:solidFill>
-            </a:endParaRPr>
-          </a:p>
-        </p:txBody>
-      </p:sp>
     </p:spTree>
     <p:extLst>
       <p:ext uri="{BB962C8B-B14F-4D97-AF65-F5344CB8AC3E}">
@@ -35133,6 +31012,13 @@
   <p:clrMapOvr>
     <a:masterClrMapping/>
   </p:clrMapOvr>
+  <p:timing>
+    <p:tnLst>
+      <p:par>
+        <p:cTn id="1" dur="indefinite" restart="never" nodeType="tmRoot"/>
+      </p:par>
+    </p:tnLst>
+  </p:timing>
 </p:sld>
 </file>
 
